--- a/docs/presentation/Kedron-Brodie-Replicaton.pptx
+++ b/docs/presentation/Kedron-Brodie-Replicaton.pptx
@@ -5,7 +5,7 @@
     <p:sldMasterId id="2147483648" r:id="rId1"/>
   </p:sldMasterIdLst>
   <p:notesMasterIdLst>
-    <p:notesMasterId r:id="rId17"/>
+    <p:notesMasterId r:id="rId18"/>
   </p:notesMasterIdLst>
   <p:sldIdLst>
     <p:sldId id="256" r:id="rId2"/>
@@ -16,40 +16,41 @@
     <p:sldId id="261" r:id="rId7"/>
     <p:sldId id="262" r:id="rId8"/>
     <p:sldId id="263" r:id="rId9"/>
-    <p:sldId id="264" r:id="rId10"/>
-    <p:sldId id="265" r:id="rId11"/>
-    <p:sldId id="268" r:id="rId12"/>
-    <p:sldId id="269" r:id="rId13"/>
-    <p:sldId id="266" r:id="rId14"/>
-    <p:sldId id="267" r:id="rId15"/>
-    <p:sldId id="270" r:id="rId16"/>
+    <p:sldId id="272" r:id="rId10"/>
+    <p:sldId id="271" r:id="rId11"/>
+    <p:sldId id="265" r:id="rId12"/>
+    <p:sldId id="266" r:id="rId13"/>
+    <p:sldId id="267" r:id="rId14"/>
+    <p:sldId id="268" r:id="rId15"/>
+    <p:sldId id="269" r:id="rId16"/>
+    <p:sldId id="270" r:id="rId17"/>
   </p:sldIdLst>
   <p:sldSz cx="12192000" cy="6858000"/>
   <p:notesSz cx="6858000" cy="9144000"/>
   <p:embeddedFontLst>
     <p:embeddedFont>
       <p:font typeface="Avenir LT Std 45 Book" panose="020B0502020203020204" pitchFamily="34" charset="0"/>
-      <p:regular r:id="rId18"/>
-      <p:italic r:id="rId19"/>
+      <p:regular r:id="rId19"/>
+      <p:italic r:id="rId20"/>
     </p:embeddedFont>
     <p:embeddedFont>
       <p:font typeface="Avenir LT Std 65 Medium" panose="020B0603020203020204" pitchFamily="34" charset="0"/>
-      <p:bold r:id="rId20"/>
-      <p:boldItalic r:id="rId21"/>
+      <p:bold r:id="rId21"/>
+      <p:boldItalic r:id="rId22"/>
     </p:embeddedFont>
     <p:embeddedFont>
       <p:font typeface="Calibri" panose="020F0502020204030204" pitchFamily="34" charset="0"/>
-      <p:regular r:id="rId22"/>
-      <p:bold r:id="rId23"/>
-      <p:italic r:id="rId24"/>
-      <p:boldItalic r:id="rId25"/>
+      <p:regular r:id="rId23"/>
+      <p:bold r:id="rId24"/>
+      <p:italic r:id="rId25"/>
+      <p:boldItalic r:id="rId26"/>
     </p:embeddedFont>
     <p:embeddedFont>
       <p:font typeface="Palatino Linotype" panose="02040502050505030304" pitchFamily="18" charset="0"/>
-      <p:regular r:id="rId26"/>
-      <p:bold r:id="rId27"/>
-      <p:italic r:id="rId28"/>
-      <p:boldItalic r:id="rId29"/>
+      <p:regular r:id="rId27"/>
+      <p:bold r:id="rId28"/>
+      <p:italic r:id="rId29"/>
+      <p:boldItalic r:id="rId30"/>
     </p:embeddedFont>
   </p:embeddedFontLst>
   <p:defaultTextStyle>
@@ -286,7 +287,7 @@
       <p15:sldGuideLst xmlns:p15="http://schemas.microsoft.com/office/powerpoint/2012/main"/>
     </p:ext>
     <p:ext uri="GoogleSlidesCustomDataVersion2">
-      <go:slidesCustomData xmlns="" xmlns:mc="http://schemas.openxmlformats.org/markup-compatibility/2006" xmlns:mv="urn:schemas-microsoft-com:mac:vml" xmlns:c="http://schemas.openxmlformats.org/drawingml/2006/chart" xmlns:dgm="http://schemas.openxmlformats.org/drawingml/2006/diagram" xmlns:o="urn:schemas-microsoft-com:office:office" xmlns:v="urn:schemas-microsoft-com:vml" xmlns:pvml="urn:schemas-microsoft-com:office:powerpoint" xmlns:com="http://schemas.openxmlformats.org/drawingml/2006/compatibility" xmlns:p14="http://schemas.microsoft.com/office/powerpoint/2010/main" xmlns:p15="http://schemas.microsoft.com/office/powerpoint/2012/main" xmlns:ahyp="http://schemas.microsoft.com/office/drawing/2018/hyperlinkcolor" xmlns:go="http://customooxmlschemas.google.com/" r:id="rId30" roundtripDataSignature="AMtx7mjLdYIKMap6KAS8aCJCXofhC8yKeg=="/>
+      <go:slidesCustomData xmlns="" xmlns:mc="http://schemas.openxmlformats.org/markup-compatibility/2006" xmlns:mv="urn:schemas-microsoft-com:mac:vml" xmlns:c="http://schemas.openxmlformats.org/drawingml/2006/chart" xmlns:dgm="http://schemas.openxmlformats.org/drawingml/2006/diagram" xmlns:o="urn:schemas-microsoft-com:office:office" xmlns:v="urn:schemas-microsoft-com:vml" xmlns:pvml="urn:schemas-microsoft-com:office:powerpoint" xmlns:com="http://schemas.openxmlformats.org/drawingml/2006/compatibility" xmlns:p14="http://schemas.microsoft.com/office/powerpoint/2010/main" xmlns:p15="http://schemas.microsoft.com/office/powerpoint/2012/main" xmlns:ahyp="http://schemas.microsoft.com/office/drawing/2018/hyperlinkcolor" xmlns:go="http://customooxmlschemas.google.com/" r:id="rId31" roundtripDataSignature="AMtx7mjLdYIKMap6KAS8aCJCXofhC8yKeg=="/>
     </p:ext>
   </p:extLst>
 </p:presentation>
@@ -1659,7 +1660,7 @@
   <p:cSld>
     <p:spTree>
       <p:nvGrpSpPr>
-        <p:cNvPr id="1" name="Shape 225"/>
+        <p:cNvPr id="1" name="Shape 210"/>
         <p:cNvGrpSpPr/>
         <p:nvPr/>
       </p:nvGrpSpPr>
@@ -1673,7 +1674,7 @@
       </p:grpSpPr>
       <p:sp>
         <p:nvSpPr>
-          <p:cNvPr id="226" name="Google Shape;226;p10:notes"/>
+          <p:cNvPr id="211" name="Google Shape;211;p9:notes"/>
           <p:cNvSpPr>
             <a:spLocks noGrp="1" noRot="1" noChangeAspect="1"/>
           </p:cNvSpPr>
@@ -1724,7 +1725,7 @@
       </p:sp>
       <p:sp>
         <p:nvSpPr>
-          <p:cNvPr id="227" name="Google Shape;227;p10:notes"/>
+          <p:cNvPr id="212" name="Google Shape;212;p9:notes"/>
           <p:cNvSpPr txBox="1">
             <a:spLocks noGrp="1"/>
           </p:cNvSpPr>
@@ -1751,7 +1752,7 @@
           </a:bodyPr>
           <a:lstStyle/>
           <a:p>
-            <a:pPr marL="171450" lvl="0" indent="-95250" algn="l" rtl="0">
+            <a:pPr marL="171450" lvl="0" indent="-171450" algn="l" rtl="0">
               <a:spcBef>
                 <a:spcPts val="0"/>
               </a:spcBef>
@@ -1763,6 +1764,27 @@
               </a:buClr>
               <a:buSzPts val="1200"/>
               <a:buFont typeface="Arial"/>
+              <a:buChar char="•"/>
+            </a:pPr>
+            <a:r>
+              <a:rPr lang="en-US"/>
+              <a:t>Lei, remind me of the scale of awf_ptg.z</a:t>
+            </a:r>
+            <a:endParaRPr/>
+          </a:p>
+          <a:p>
+            <a:pPr marL="171450" lvl="0" indent="-95250" algn="l" rtl="0">
+              <a:spcBef>
+                <a:spcPts val="0"/>
+              </a:spcBef>
+              <a:spcAft>
+                <a:spcPts val="0"/>
+              </a:spcAft>
+              <a:buClr>
+                <a:schemeClr val="dk1"/>
+              </a:buClr>
+              <a:buSzPts val="1200"/>
+              <a:buFont typeface="Arial"/>
               <a:buNone/>
             </a:pPr>
             <a:endParaRPr/>
@@ -1771,7 +1793,7 @@
       </p:sp>
       <p:sp>
         <p:nvSpPr>
-          <p:cNvPr id="228" name="Google Shape;228;p10:notes"/>
+          <p:cNvPr id="213" name="Google Shape;213;p9:notes"/>
           <p:cNvSpPr txBox="1">
             <a:spLocks noGrp="1"/>
           </p:cNvSpPr>
@@ -1816,6 +1838,11 @@
         </p:txBody>
       </p:sp>
     </p:spTree>
+    <p:extLst>
+      <p:ext uri="{BB962C8B-B14F-4D97-AF65-F5344CB8AC3E}">
+        <p14:creationId xmlns:p14="http://schemas.microsoft.com/office/powerpoint/2010/main" val="2365437817"/>
+      </p:ext>
+    </p:extLst>
   </p:cSld>
   <p:clrMapOvr>
     <a:masterClrMapping/>
@@ -1985,11 +2012,6 @@
         </p:txBody>
       </p:sp>
     </p:spTree>
-    <p:extLst>
-      <p:ext uri="{BB962C8B-B14F-4D97-AF65-F5344CB8AC3E}">
-        <p14:creationId xmlns:p14="http://schemas.microsoft.com/office/powerpoint/2010/main" val="718385221"/>
-      </p:ext>
-    </p:extLst>
   </p:cSld>
   <p:clrMapOvr>
     <a:masterClrMapping/>
@@ -1998,6 +2020,344 @@
 </file>
 
 <file path=ppt/notesSlides/notesSlide12.xml><?xml version="1.0" encoding="utf-8"?>
+<p:notes xmlns:a="http://schemas.openxmlformats.org/drawingml/2006/main" xmlns:r="http://schemas.openxmlformats.org/officeDocument/2006/relationships" xmlns:p="http://schemas.openxmlformats.org/presentationml/2006/main" showMasterSp="0" showMasterPhAnim="0">
+  <p:cSld>
+    <p:spTree>
+      <p:nvGrpSpPr>
+        <p:cNvPr id="1" name="Shape 240"/>
+        <p:cNvGrpSpPr/>
+        <p:nvPr/>
+      </p:nvGrpSpPr>
+      <p:grpSpPr>
+        <a:xfrm>
+          <a:off x="0" y="0"/>
+          <a:ext cx="0" cy="0"/>
+          <a:chOff x="0" y="0"/>
+          <a:chExt cx="0" cy="0"/>
+        </a:xfrm>
+      </p:grpSpPr>
+      <p:sp>
+        <p:nvSpPr>
+          <p:cNvPr id="241" name="Google Shape;241;p11:notes"/>
+          <p:cNvSpPr>
+            <a:spLocks noGrp="1" noRot="1" noChangeAspect="1"/>
+          </p:cNvSpPr>
+          <p:nvPr>
+            <p:ph type="sldImg" idx="2"/>
+          </p:nvPr>
+        </p:nvSpPr>
+        <p:spPr>
+          <a:xfrm>
+            <a:off x="685800" y="1143000"/>
+            <a:ext cx="5486400" cy="3086100"/>
+          </a:xfrm>
+          <a:custGeom>
+            <a:avLst/>
+            <a:gdLst/>
+            <a:ahLst/>
+            <a:cxnLst/>
+            <a:rect l="l" t="t" r="r" b="b"/>
+            <a:pathLst>
+              <a:path w="120000" h="120000" extrusionOk="0">
+                <a:moveTo>
+                  <a:pt x="0" y="0"/>
+                </a:moveTo>
+                <a:lnTo>
+                  <a:pt x="120000" y="0"/>
+                </a:lnTo>
+                <a:lnTo>
+                  <a:pt x="120000" y="120000"/>
+                </a:lnTo>
+                <a:lnTo>
+                  <a:pt x="0" y="120000"/>
+                </a:lnTo>
+                <a:close/>
+              </a:path>
+            </a:pathLst>
+          </a:custGeom>
+          <a:noFill/>
+          <a:ln w="12700" cap="flat" cmpd="sng">
+            <a:solidFill>
+              <a:srgbClr val="000000"/>
+            </a:solidFill>
+            <a:prstDash val="solid"/>
+            <a:round/>
+            <a:headEnd type="none" w="sm" len="sm"/>
+            <a:tailEnd type="none" w="sm" len="sm"/>
+          </a:ln>
+        </p:spPr>
+      </p:sp>
+      <p:sp>
+        <p:nvSpPr>
+          <p:cNvPr id="242" name="Google Shape;242;p11:notes"/>
+          <p:cNvSpPr txBox="1">
+            <a:spLocks noGrp="1"/>
+          </p:cNvSpPr>
+          <p:nvPr>
+            <p:ph type="body" idx="1"/>
+          </p:nvPr>
+        </p:nvSpPr>
+        <p:spPr>
+          <a:xfrm>
+            <a:off x="685800" y="4400550"/>
+            <a:ext cx="5486400" cy="3600450"/>
+          </a:xfrm>
+          <a:prstGeom prst="rect">
+            <a:avLst/>
+          </a:prstGeom>
+          <a:noFill/>
+          <a:ln>
+            <a:noFill/>
+          </a:ln>
+        </p:spPr>
+        <p:txBody>
+          <a:bodyPr spcFirstLastPara="1" wrap="square" lIns="91425" tIns="45700" rIns="91425" bIns="45700" anchor="t" anchorCtr="0">
+            <a:noAutofit/>
+          </a:bodyPr>
+          <a:lstStyle/>
+          <a:p>
+            <a:pPr marL="171450" lvl="0" indent="-95250" algn="l" rtl="0">
+              <a:spcBef>
+                <a:spcPts val="0"/>
+              </a:spcBef>
+              <a:spcAft>
+                <a:spcPts val="0"/>
+              </a:spcAft>
+              <a:buClr>
+                <a:schemeClr val="dk1"/>
+              </a:buClr>
+              <a:buSzPts val="1200"/>
+              <a:buFont typeface="Arial"/>
+              <a:buNone/>
+            </a:pPr>
+            <a:endParaRPr/>
+          </a:p>
+        </p:txBody>
+      </p:sp>
+      <p:sp>
+        <p:nvSpPr>
+          <p:cNvPr id="243" name="Google Shape;243;p11:notes"/>
+          <p:cNvSpPr txBox="1">
+            <a:spLocks noGrp="1"/>
+          </p:cNvSpPr>
+          <p:nvPr>
+            <p:ph type="sldNum" idx="12"/>
+          </p:nvPr>
+        </p:nvSpPr>
+        <p:spPr>
+          <a:xfrm>
+            <a:off x="3884613" y="8685213"/>
+            <a:ext cx="2971800" cy="458787"/>
+          </a:xfrm>
+          <a:prstGeom prst="rect">
+            <a:avLst/>
+          </a:prstGeom>
+          <a:noFill/>
+          <a:ln>
+            <a:noFill/>
+          </a:ln>
+        </p:spPr>
+        <p:txBody>
+          <a:bodyPr spcFirstLastPara="1" wrap="square" lIns="91425" tIns="45700" rIns="91425" bIns="45700" anchor="b" anchorCtr="0">
+            <a:noAutofit/>
+          </a:bodyPr>
+          <a:lstStyle/>
+          <a:p>
+            <a:pPr marL="0" lvl="0" indent="0" algn="r" rtl="0">
+              <a:spcBef>
+                <a:spcPts val="0"/>
+              </a:spcBef>
+              <a:spcAft>
+                <a:spcPts val="0"/>
+              </a:spcAft>
+              <a:buNone/>
+            </a:pPr>
+            <a:fld id="{00000000-1234-1234-1234-123412341234}" type="slidenum">
+              <a:rPr lang="en-US"/>
+              <a:t>12</a:t>
+            </a:fld>
+            <a:endParaRPr/>
+          </a:p>
+        </p:txBody>
+      </p:sp>
+    </p:spTree>
+  </p:cSld>
+  <p:clrMapOvr>
+    <a:masterClrMapping/>
+  </p:clrMapOvr>
+</p:notes>
+</file>
+
+<file path=ppt/notesSlides/notesSlide13.xml><?xml version="1.0" encoding="utf-8"?>
+<p:notes xmlns:a="http://schemas.openxmlformats.org/drawingml/2006/main" xmlns:r="http://schemas.openxmlformats.org/officeDocument/2006/relationships" xmlns:p="http://schemas.openxmlformats.org/presentationml/2006/main" showMasterSp="0" showMasterPhAnim="0">
+  <p:cSld>
+    <p:spTree>
+      <p:nvGrpSpPr>
+        <p:cNvPr id="1" name="Shape 254"/>
+        <p:cNvGrpSpPr/>
+        <p:nvPr/>
+      </p:nvGrpSpPr>
+      <p:grpSpPr>
+        <a:xfrm>
+          <a:off x="0" y="0"/>
+          <a:ext cx="0" cy="0"/>
+          <a:chOff x="0" y="0"/>
+          <a:chExt cx="0" cy="0"/>
+        </a:xfrm>
+      </p:grpSpPr>
+      <p:sp>
+        <p:nvSpPr>
+          <p:cNvPr id="255" name="Google Shape;255;p12:notes"/>
+          <p:cNvSpPr>
+            <a:spLocks noGrp="1" noRot="1" noChangeAspect="1"/>
+          </p:cNvSpPr>
+          <p:nvPr>
+            <p:ph type="sldImg" idx="2"/>
+          </p:nvPr>
+        </p:nvSpPr>
+        <p:spPr>
+          <a:xfrm>
+            <a:off x="685800" y="1143000"/>
+            <a:ext cx="5486400" cy="3086100"/>
+          </a:xfrm>
+          <a:custGeom>
+            <a:avLst/>
+            <a:gdLst/>
+            <a:ahLst/>
+            <a:cxnLst/>
+            <a:rect l="l" t="t" r="r" b="b"/>
+            <a:pathLst>
+              <a:path w="120000" h="120000" extrusionOk="0">
+                <a:moveTo>
+                  <a:pt x="0" y="0"/>
+                </a:moveTo>
+                <a:lnTo>
+                  <a:pt x="120000" y="0"/>
+                </a:lnTo>
+                <a:lnTo>
+                  <a:pt x="120000" y="120000"/>
+                </a:lnTo>
+                <a:lnTo>
+                  <a:pt x="0" y="120000"/>
+                </a:lnTo>
+                <a:close/>
+              </a:path>
+            </a:pathLst>
+          </a:custGeom>
+          <a:noFill/>
+          <a:ln w="12700" cap="flat" cmpd="sng">
+            <a:solidFill>
+              <a:srgbClr val="000000"/>
+            </a:solidFill>
+            <a:prstDash val="solid"/>
+            <a:round/>
+            <a:headEnd type="none" w="sm" len="sm"/>
+            <a:tailEnd type="none" w="sm" len="sm"/>
+          </a:ln>
+        </p:spPr>
+      </p:sp>
+      <p:sp>
+        <p:nvSpPr>
+          <p:cNvPr id="256" name="Google Shape;256;p12:notes"/>
+          <p:cNvSpPr txBox="1">
+            <a:spLocks noGrp="1"/>
+          </p:cNvSpPr>
+          <p:nvPr>
+            <p:ph type="body" idx="1"/>
+          </p:nvPr>
+        </p:nvSpPr>
+        <p:spPr>
+          <a:xfrm>
+            <a:off x="685800" y="4400550"/>
+            <a:ext cx="5486400" cy="3600450"/>
+          </a:xfrm>
+          <a:prstGeom prst="rect">
+            <a:avLst/>
+          </a:prstGeom>
+          <a:noFill/>
+          <a:ln>
+            <a:noFill/>
+          </a:ln>
+        </p:spPr>
+        <p:txBody>
+          <a:bodyPr spcFirstLastPara="1" wrap="square" lIns="91425" tIns="45700" rIns="91425" bIns="45700" anchor="t" anchorCtr="0">
+            <a:noAutofit/>
+          </a:bodyPr>
+          <a:lstStyle/>
+          <a:p>
+            <a:pPr marL="171450" lvl="0" indent="-95250" algn="l" rtl="0">
+              <a:spcBef>
+                <a:spcPts val="0"/>
+              </a:spcBef>
+              <a:spcAft>
+                <a:spcPts val="0"/>
+              </a:spcAft>
+              <a:buClr>
+                <a:schemeClr val="dk1"/>
+              </a:buClr>
+              <a:buSzPts val="1200"/>
+              <a:buFont typeface="Arial"/>
+              <a:buNone/>
+            </a:pPr>
+            <a:endParaRPr/>
+          </a:p>
+        </p:txBody>
+      </p:sp>
+      <p:sp>
+        <p:nvSpPr>
+          <p:cNvPr id="257" name="Google Shape;257;p12:notes"/>
+          <p:cNvSpPr txBox="1">
+            <a:spLocks noGrp="1"/>
+          </p:cNvSpPr>
+          <p:nvPr>
+            <p:ph type="sldNum" idx="12"/>
+          </p:nvPr>
+        </p:nvSpPr>
+        <p:spPr>
+          <a:xfrm>
+            <a:off x="3884613" y="8685213"/>
+            <a:ext cx="2971800" cy="458787"/>
+          </a:xfrm>
+          <a:prstGeom prst="rect">
+            <a:avLst/>
+          </a:prstGeom>
+          <a:noFill/>
+          <a:ln>
+            <a:noFill/>
+          </a:ln>
+        </p:spPr>
+        <p:txBody>
+          <a:bodyPr spcFirstLastPara="1" wrap="square" lIns="91425" tIns="45700" rIns="91425" bIns="45700" anchor="b" anchorCtr="0">
+            <a:noAutofit/>
+          </a:bodyPr>
+          <a:lstStyle/>
+          <a:p>
+            <a:pPr marL="0" lvl="0" indent="0" algn="r" rtl="0">
+              <a:spcBef>
+                <a:spcPts val="0"/>
+              </a:spcBef>
+              <a:spcAft>
+                <a:spcPts val="0"/>
+              </a:spcAft>
+              <a:buNone/>
+            </a:pPr>
+            <a:fld id="{00000000-1234-1234-1234-123412341234}" type="slidenum">
+              <a:rPr lang="en-US"/>
+              <a:t>13</a:t>
+            </a:fld>
+            <a:endParaRPr/>
+          </a:p>
+        </p:txBody>
+      </p:sp>
+    </p:spTree>
+  </p:cSld>
+  <p:clrMapOvr>
+    <a:masterClrMapping/>
+  </p:clrMapOvr>
+</p:notes>
+</file>
+
+<file path=ppt/notesSlides/notesSlide14.xml><?xml version="1.0" encoding="utf-8"?>
 <p:notes xmlns:a="http://schemas.openxmlformats.org/drawingml/2006/main" xmlns:r="http://schemas.openxmlformats.org/officeDocument/2006/relationships" xmlns:p="http://schemas.openxmlformats.org/presentationml/2006/main" showMasterSp="0" showMasterPhAnim="0">
   <p:cSld>
     <p:spTree>
@@ -2152,7 +2512,7 @@
             </a:pPr>
             <a:fld id="{00000000-1234-1234-1234-123412341234}" type="slidenum">
               <a:rPr lang="en-US"/>
-              <a:t>12</a:t>
+              <a:t>14</a:t>
             </a:fld>
             <a:endParaRPr/>
           </a:p>
@@ -2161,7 +2521,7 @@
     </p:spTree>
     <p:extLst>
       <p:ext uri="{BB962C8B-B14F-4D97-AF65-F5344CB8AC3E}">
-        <p14:creationId xmlns:p14="http://schemas.microsoft.com/office/powerpoint/2010/main" val="2353850540"/>
+        <p14:creationId xmlns:p14="http://schemas.microsoft.com/office/powerpoint/2010/main" val="718385221"/>
       </p:ext>
     </p:extLst>
   </p:cSld>
@@ -2171,12 +2531,12 @@
 </p:notes>
 </file>
 
-<file path=ppt/notesSlides/notesSlide13.xml><?xml version="1.0" encoding="utf-8"?>
+<file path=ppt/notesSlides/notesSlide15.xml><?xml version="1.0" encoding="utf-8"?>
 <p:notes xmlns:a="http://schemas.openxmlformats.org/drawingml/2006/main" xmlns:r="http://schemas.openxmlformats.org/officeDocument/2006/relationships" xmlns:p="http://schemas.openxmlformats.org/presentationml/2006/main" showMasterSp="0" showMasterPhAnim="0">
   <p:cSld>
     <p:spTree>
       <p:nvGrpSpPr>
-        <p:cNvPr id="1" name="Shape 240"/>
+        <p:cNvPr id="1" name="Shape 225"/>
         <p:cNvGrpSpPr/>
         <p:nvPr/>
       </p:nvGrpSpPr>
@@ -2190,7 +2550,7 @@
       </p:grpSpPr>
       <p:sp>
         <p:nvSpPr>
-          <p:cNvPr id="241" name="Google Shape;241;p11:notes"/>
+          <p:cNvPr id="226" name="Google Shape;226;p10:notes"/>
           <p:cNvSpPr>
             <a:spLocks noGrp="1" noRot="1" noChangeAspect="1"/>
           </p:cNvSpPr>
@@ -2241,7 +2601,7 @@
       </p:sp>
       <p:sp>
         <p:nvSpPr>
-          <p:cNvPr id="242" name="Google Shape;242;p11:notes"/>
+          <p:cNvPr id="227" name="Google Shape;227;p10:notes"/>
           <p:cNvSpPr txBox="1">
             <a:spLocks noGrp="1"/>
           </p:cNvSpPr>
@@ -2288,7 +2648,7 @@
       </p:sp>
       <p:sp>
         <p:nvSpPr>
-          <p:cNvPr id="243" name="Google Shape;243;p11:notes"/>
+          <p:cNvPr id="228" name="Google Shape;228;p10:notes"/>
           <p:cNvSpPr txBox="1">
             <a:spLocks noGrp="1"/>
           </p:cNvSpPr>
@@ -2326,182 +2686,18 @@
             </a:pPr>
             <a:fld id="{00000000-1234-1234-1234-123412341234}" type="slidenum">
               <a:rPr lang="en-US"/>
-              <a:t>13</a:t>
+              <a:t>15</a:t>
             </a:fld>
             <a:endParaRPr/>
           </a:p>
         </p:txBody>
       </p:sp>
     </p:spTree>
-  </p:cSld>
-  <p:clrMapOvr>
-    <a:masterClrMapping/>
-  </p:clrMapOvr>
-</p:notes>
-</file>
-
-<file path=ppt/notesSlides/notesSlide14.xml><?xml version="1.0" encoding="utf-8"?>
-<p:notes xmlns:a="http://schemas.openxmlformats.org/drawingml/2006/main" xmlns:r="http://schemas.openxmlformats.org/officeDocument/2006/relationships" xmlns:p="http://schemas.openxmlformats.org/presentationml/2006/main" showMasterSp="0" showMasterPhAnim="0">
-  <p:cSld>
-    <p:spTree>
-      <p:nvGrpSpPr>
-        <p:cNvPr id="1" name="Shape 254"/>
-        <p:cNvGrpSpPr/>
-        <p:nvPr/>
-      </p:nvGrpSpPr>
-      <p:grpSpPr>
-        <a:xfrm>
-          <a:off x="0" y="0"/>
-          <a:ext cx="0" cy="0"/>
-          <a:chOff x="0" y="0"/>
-          <a:chExt cx="0" cy="0"/>
-        </a:xfrm>
-      </p:grpSpPr>
-      <p:sp>
-        <p:nvSpPr>
-          <p:cNvPr id="255" name="Google Shape;255;p12:notes"/>
-          <p:cNvSpPr>
-            <a:spLocks noGrp="1" noRot="1" noChangeAspect="1"/>
-          </p:cNvSpPr>
-          <p:nvPr>
-            <p:ph type="sldImg" idx="2"/>
-          </p:nvPr>
-        </p:nvSpPr>
-        <p:spPr>
-          <a:xfrm>
-            <a:off x="685800" y="1143000"/>
-            <a:ext cx="5486400" cy="3086100"/>
-          </a:xfrm>
-          <a:custGeom>
-            <a:avLst/>
-            <a:gdLst/>
-            <a:ahLst/>
-            <a:cxnLst/>
-            <a:rect l="l" t="t" r="r" b="b"/>
-            <a:pathLst>
-              <a:path w="120000" h="120000" extrusionOk="0">
-                <a:moveTo>
-                  <a:pt x="0" y="0"/>
-                </a:moveTo>
-                <a:lnTo>
-                  <a:pt x="120000" y="0"/>
-                </a:lnTo>
-                <a:lnTo>
-                  <a:pt x="120000" y="120000"/>
-                </a:lnTo>
-                <a:lnTo>
-                  <a:pt x="0" y="120000"/>
-                </a:lnTo>
-                <a:close/>
-              </a:path>
-            </a:pathLst>
-          </a:custGeom>
-          <a:noFill/>
-          <a:ln w="12700" cap="flat" cmpd="sng">
-            <a:solidFill>
-              <a:srgbClr val="000000"/>
-            </a:solidFill>
-            <a:prstDash val="solid"/>
-            <a:round/>
-            <a:headEnd type="none" w="sm" len="sm"/>
-            <a:tailEnd type="none" w="sm" len="sm"/>
-          </a:ln>
-        </p:spPr>
-      </p:sp>
-      <p:sp>
-        <p:nvSpPr>
-          <p:cNvPr id="256" name="Google Shape;256;p12:notes"/>
-          <p:cNvSpPr txBox="1">
-            <a:spLocks noGrp="1"/>
-          </p:cNvSpPr>
-          <p:nvPr>
-            <p:ph type="body" idx="1"/>
-          </p:nvPr>
-        </p:nvSpPr>
-        <p:spPr>
-          <a:xfrm>
-            <a:off x="685800" y="4400550"/>
-            <a:ext cx="5486400" cy="3600450"/>
-          </a:xfrm>
-          <a:prstGeom prst="rect">
-            <a:avLst/>
-          </a:prstGeom>
-          <a:noFill/>
-          <a:ln>
-            <a:noFill/>
-          </a:ln>
-        </p:spPr>
-        <p:txBody>
-          <a:bodyPr spcFirstLastPara="1" wrap="square" lIns="91425" tIns="45700" rIns="91425" bIns="45700" anchor="t" anchorCtr="0">
-            <a:noAutofit/>
-          </a:bodyPr>
-          <a:lstStyle/>
-          <a:p>
-            <a:pPr marL="171450" lvl="0" indent="-95250" algn="l" rtl="0">
-              <a:spcBef>
-                <a:spcPts val="0"/>
-              </a:spcBef>
-              <a:spcAft>
-                <a:spcPts val="0"/>
-              </a:spcAft>
-              <a:buClr>
-                <a:schemeClr val="dk1"/>
-              </a:buClr>
-              <a:buSzPts val="1200"/>
-              <a:buFont typeface="Arial"/>
-              <a:buNone/>
-            </a:pPr>
-            <a:endParaRPr/>
-          </a:p>
-        </p:txBody>
-      </p:sp>
-      <p:sp>
-        <p:nvSpPr>
-          <p:cNvPr id="257" name="Google Shape;257;p12:notes"/>
-          <p:cNvSpPr txBox="1">
-            <a:spLocks noGrp="1"/>
-          </p:cNvSpPr>
-          <p:nvPr>
-            <p:ph type="sldNum" idx="12"/>
-          </p:nvPr>
-        </p:nvSpPr>
-        <p:spPr>
-          <a:xfrm>
-            <a:off x="3884613" y="8685213"/>
-            <a:ext cx="2971800" cy="458787"/>
-          </a:xfrm>
-          <a:prstGeom prst="rect">
-            <a:avLst/>
-          </a:prstGeom>
-          <a:noFill/>
-          <a:ln>
-            <a:noFill/>
-          </a:ln>
-        </p:spPr>
-        <p:txBody>
-          <a:bodyPr spcFirstLastPara="1" wrap="square" lIns="91425" tIns="45700" rIns="91425" bIns="45700" anchor="b" anchorCtr="0">
-            <a:noAutofit/>
-          </a:bodyPr>
-          <a:lstStyle/>
-          <a:p>
-            <a:pPr marL="0" lvl="0" indent="0" algn="r" rtl="0">
-              <a:spcBef>
-                <a:spcPts val="0"/>
-              </a:spcBef>
-              <a:spcAft>
-                <a:spcPts val="0"/>
-              </a:spcAft>
-              <a:buNone/>
-            </a:pPr>
-            <a:fld id="{00000000-1234-1234-1234-123412341234}" type="slidenum">
-              <a:rPr lang="en-US"/>
-              <a:t>14</a:t>
-            </a:fld>
-            <a:endParaRPr/>
-          </a:p>
-        </p:txBody>
-      </p:sp>
-    </p:spTree>
+    <p:extLst>
+      <p:ext uri="{BB962C8B-B14F-4D97-AF65-F5344CB8AC3E}">
+        <p14:creationId xmlns:p14="http://schemas.microsoft.com/office/powerpoint/2010/main" val="2353850540"/>
+      </p:ext>
+    </p:extLst>
   </p:cSld>
   <p:clrMapOvr>
     <a:masterClrMapping/>
@@ -3332,7 +3528,7 @@
   <p:cSld>
     <p:spTree>
       <p:nvGrpSpPr>
-        <p:cNvPr id="1" name="Shape 210"/>
+        <p:cNvPr id="1" name="Shape 187"/>
         <p:cNvGrpSpPr/>
         <p:nvPr/>
       </p:nvGrpSpPr>
@@ -3346,7 +3542,7 @@
       </p:grpSpPr>
       <p:sp>
         <p:nvSpPr>
-          <p:cNvPr id="211" name="Google Shape;211;p9:notes"/>
+          <p:cNvPr id="188" name="Google Shape;188;p8:notes"/>
           <p:cNvSpPr>
             <a:spLocks noGrp="1" noRot="1" noChangeAspect="1"/>
           </p:cNvSpPr>
@@ -3397,7 +3593,7 @@
       </p:sp>
       <p:sp>
         <p:nvSpPr>
-          <p:cNvPr id="212" name="Google Shape;212;p9:notes"/>
+          <p:cNvPr id="189" name="Google Shape;189;p8:notes"/>
           <p:cNvSpPr txBox="1">
             <a:spLocks noGrp="1"/>
           </p:cNvSpPr>
@@ -3440,12 +3636,12 @@
             </a:pPr>
             <a:r>
               <a:rPr lang="en-US"/>
-              <a:t>Lei, remind me of the scale of awf_ptg.z</a:t>
+              <a:t>Theta is the median dispersal distance for a species, which give a 50% probability of dispersal at that distance</a:t>
             </a:r>
             <a:endParaRPr/>
           </a:p>
           <a:p>
-            <a:pPr marL="171450" lvl="0" indent="-95250" algn="l" rtl="0">
+            <a:pPr marL="171450" lvl="0" indent="-171450" algn="l" rtl="0">
               <a:spcBef>
                 <a:spcPts val="0"/>
               </a:spcBef>
@@ -3457,15 +3653,19 @@
               </a:buClr>
               <a:buSzPts val="1200"/>
               <a:buFont typeface="Arial"/>
-              <a:buNone/>
+              <a:buChar char="•"/>
             </a:pPr>
+            <a:r>
+              <a:rPr lang="en-US"/>
+              <a:t>We tried four version of this calculation 2 vector, 2 raster. They produced highly correlated measures that did not alter the regression estimates</a:t>
+            </a:r>
             <a:endParaRPr/>
           </a:p>
         </p:txBody>
       </p:sp>
       <p:sp>
         <p:nvSpPr>
-          <p:cNvPr id="213" name="Google Shape;213;p9:notes"/>
+          <p:cNvPr id="190" name="Google Shape;190;p8:notes"/>
           <p:cNvSpPr txBox="1">
             <a:spLocks noGrp="1"/>
           </p:cNvSpPr>
@@ -3510,6 +3710,11 @@
         </p:txBody>
       </p:sp>
     </p:spTree>
+    <p:extLst>
+      <p:ext uri="{BB962C8B-B14F-4D97-AF65-F5344CB8AC3E}">
+        <p14:creationId xmlns:p14="http://schemas.microsoft.com/office/powerpoint/2010/main" val="1460112731"/>
+      </p:ext>
+    </p:extLst>
   </p:cSld>
   <p:clrMapOvr>
     <a:masterClrMapping/>
@@ -14221,7 +14426,7 @@
   <p:cSld>
     <p:spTree>
       <p:nvGrpSpPr>
-        <p:cNvPr id="1" name="Shape 229"/>
+        <p:cNvPr id="1" name="Shape 214"/>
         <p:cNvGrpSpPr/>
         <p:nvPr/>
       </p:nvGrpSpPr>
@@ -14235,7 +14440,7 @@
       </p:grpSpPr>
       <p:sp>
         <p:nvSpPr>
-          <p:cNvPr id="230" name="Google Shape;230;p10"/>
+          <p:cNvPr id="215" name="Google Shape;215;p9"/>
           <p:cNvSpPr txBox="1"/>
           <p:nvPr/>
         </p:nvSpPr>
@@ -14285,7 +14490,7 @@
       </p:sp>
       <p:sp>
         <p:nvSpPr>
-          <p:cNvPr id="231" name="Google Shape;231;p10"/>
+          <p:cNvPr id="216" name="Google Shape;216;p9"/>
           <p:cNvSpPr txBox="1"/>
           <p:nvPr/>
         </p:nvSpPr>
@@ -14335,7 +14540,7 @@
       </p:sp>
       <p:cxnSp>
         <p:nvCxnSpPr>
-          <p:cNvPr id="232" name="Google Shape;232;p10"/>
+          <p:cNvPr id="217" name="Google Shape;217;p9"/>
           <p:cNvCxnSpPr/>
           <p:nvPr/>
         </p:nvCxnSpPr>
@@ -14361,7 +14566,7 @@
       </p:cxnSp>
       <p:sp>
         <p:nvSpPr>
-          <p:cNvPr id="233" name="Google Shape;233;p10"/>
+          <p:cNvPr id="218" name="Google Shape;218;p9"/>
           <p:cNvSpPr txBox="1">
             <a:spLocks noGrp="1"/>
           </p:cNvSpPr>
@@ -14423,7 +14628,7 @@
       </p:sp>
       <p:cxnSp>
         <p:nvCxnSpPr>
-          <p:cNvPr id="234" name="Google Shape;234;p10"/>
+          <p:cNvPr id="219" name="Google Shape;219;p9"/>
           <p:cNvCxnSpPr/>
           <p:nvPr/>
         </p:nvCxnSpPr>
@@ -14449,7 +14654,7 @@
       </p:cxnSp>
       <p:sp>
         <p:nvSpPr>
-          <p:cNvPr id="235" name="Google Shape;235;p10"/>
+          <p:cNvPr id="220" name="Google Shape;220;p9"/>
           <p:cNvSpPr txBox="1"/>
           <p:nvPr/>
         </p:nvSpPr>
@@ -14499,14 +14704,14 @@
       </p:sp>
       <p:sp>
         <p:nvSpPr>
-          <p:cNvPr id="236" name="Google Shape;236;p10"/>
+          <p:cNvPr id="221" name="Google Shape;221;p9"/>
           <p:cNvSpPr txBox="1"/>
           <p:nvPr/>
         </p:nvSpPr>
         <p:spPr>
           <a:xfrm>
-            <a:off x="354415" y="656943"/>
-            <a:ext cx="9796437" cy="338554"/>
+            <a:off x="354416" y="653268"/>
+            <a:ext cx="9796437" cy="338514"/>
           </a:xfrm>
           <a:prstGeom prst="rect">
             <a:avLst/>
@@ -14541,22 +14746,22 @@
                 <a:cs typeface="Avenir"/>
                 <a:sym typeface="Avenir"/>
               </a:rPr>
-              <a:t>PA efficacy has some sensitivity to dispersal distance selection, but statistically indistinguishable</a:t>
+              <a:t>On phylogenetic diversity, at a dispersal distance of 100km</a:t>
             </a:r>
-            <a:endParaRPr dirty="0"/>
+            <a:endParaRPr sz="1600" dirty="0"/>
           </a:p>
         </p:txBody>
       </p:sp>
       <p:sp>
         <p:nvSpPr>
-          <p:cNvPr id="237" name="Google Shape;237;p10"/>
+          <p:cNvPr id="222" name="Google Shape;222;p9"/>
           <p:cNvSpPr txBox="1"/>
           <p:nvPr/>
         </p:nvSpPr>
         <p:spPr>
           <a:xfrm>
-            <a:off x="354415" y="208673"/>
-            <a:ext cx="7736395" cy="461665"/>
+            <a:off x="354416" y="279337"/>
+            <a:ext cx="7736395" cy="461624"/>
           </a:xfrm>
           <a:prstGeom prst="rect">
             <a:avLst/>
@@ -14586,27 +14791,32 @@
                 <a:solidFill>
                   <a:srgbClr val="000000"/>
                 </a:solidFill>
-                <a:latin typeface="Avenir"/>
+                <a:latin typeface="Avenir LT Std 65 Medium" panose="020B0603020203020204" pitchFamily="34" charset="0"/>
                 <a:ea typeface="Avenir"/>
-                <a:cs typeface="Avenir"/>
+                <a:cs typeface="Arial" panose="020B0604020202020204" pitchFamily="34" charset="0"/>
                 <a:sym typeface="Avenir"/>
               </a:rPr>
-              <a:t>Robustness Check of PA Efficacy</a:t>
+              <a:t>Connectivity Moderates PA Efficacy</a:t>
             </a:r>
-            <a:endParaRPr dirty="0"/>
+            <a:endParaRPr sz="2400" dirty="0">
+              <a:latin typeface="Avenir LT Std 65 Medium" panose="020B0603020203020204" pitchFamily="34" charset="0"/>
+              <a:cs typeface="Arial" panose="020B0604020202020204" pitchFamily="34" charset="0"/>
+            </a:endParaRPr>
           </a:p>
         </p:txBody>
       </p:sp>
       <p:cxnSp>
         <p:nvCxnSpPr>
-          <p:cNvPr id="238" name="Google Shape;238;p10"/>
-          <p:cNvCxnSpPr/>
+          <p:cNvPr id="223" name="Google Shape;223;p9"/>
+          <p:cNvCxnSpPr>
+            <a:cxnSpLocks/>
+          </p:cNvCxnSpPr>
           <p:nvPr/>
         </p:nvCxnSpPr>
         <p:spPr>
           <a:xfrm>
-            <a:off x="274321" y="250731"/>
-            <a:ext cx="0" cy="673423"/>
+            <a:off x="274322" y="342632"/>
+            <a:ext cx="0" cy="582626"/>
           </a:xfrm>
           <a:prstGeom prst="straightConnector1">
             <a:avLst/>
@@ -14625,10 +14835,10 @@
       </p:cxnSp>
       <p:pic>
         <p:nvPicPr>
-          <p:cNvPr id="2" name="Picture 1">
+          <p:cNvPr id="3" name="Picture 2">
             <a:extLst>
               <a:ext uri="{FF2B5EF4-FFF2-40B4-BE49-F238E27FC236}">
-                <a16:creationId xmlns:a16="http://schemas.microsoft.com/office/drawing/2014/main" id="{C0CD6C20-C8F6-416F-93C5-761C0AE91957}"/>
+                <a16:creationId xmlns:a16="http://schemas.microsoft.com/office/drawing/2014/main" id="{5535764B-B1B0-43F4-9EA4-EC2C315B2BE3}"/>
               </a:ext>
             </a:extLst>
           </p:cNvPr>
@@ -14639,25 +14849,413 @@
         </p:nvPicPr>
         <p:blipFill rotWithShape="1">
           <a:blip r:embed="rId3"/>
-          <a:srcRect t="7431"/>
+          <a:srcRect t="11428" b="4836"/>
           <a:stretch/>
         </p:blipFill>
         <p:spPr>
           <a:xfrm>
-            <a:off x="681230" y="1524000"/>
-            <a:ext cx="10121113" cy="4653588"/>
+            <a:off x="3556134" y="1224803"/>
+            <a:ext cx="8438623" cy="4416385"/>
           </a:xfrm>
           <a:prstGeom prst="rect">
             <a:avLst/>
           </a:prstGeom>
         </p:spPr>
       </p:pic>
+      <p:grpSp>
+        <p:nvGrpSpPr>
+          <p:cNvPr id="6" name="Group 5">
+            <a:extLst>
+              <a:ext uri="{FF2B5EF4-FFF2-40B4-BE49-F238E27FC236}">
+                <a16:creationId xmlns:a16="http://schemas.microsoft.com/office/drawing/2014/main" id="{263717EC-6E33-4B1A-844D-4C23273F59DD}"/>
+              </a:ext>
+            </a:extLst>
+          </p:cNvPr>
+          <p:cNvGrpSpPr/>
+          <p:nvPr/>
+        </p:nvGrpSpPr>
+        <p:grpSpPr>
+          <a:xfrm>
+            <a:off x="197243" y="1182495"/>
+            <a:ext cx="2979147" cy="4797990"/>
+            <a:chOff x="8750525" y="1134752"/>
+            <a:chExt cx="2979147" cy="4797990"/>
+          </a:xfrm>
+        </p:grpSpPr>
+        <p:pic>
+          <p:nvPicPr>
+            <p:cNvPr id="5" name="Picture 4">
+              <a:extLst>
+                <a:ext uri="{FF2B5EF4-FFF2-40B4-BE49-F238E27FC236}">
+                  <a16:creationId xmlns:a16="http://schemas.microsoft.com/office/drawing/2014/main" id="{63782DF0-DE5F-4744-81D8-7CA02B4B7A9D}"/>
+                </a:ext>
+              </a:extLst>
+            </p:cNvPr>
+            <p:cNvPicPr>
+              <a:picLocks noChangeAspect="1"/>
+            </p:cNvPicPr>
+            <p:nvPr/>
+          </p:nvPicPr>
+          <p:blipFill rotWithShape="1">
+            <a:blip r:embed="rId4"/>
+            <a:srcRect l="39886" t="4553" b="3596"/>
+            <a:stretch/>
+          </p:blipFill>
+          <p:spPr>
+            <a:xfrm>
+              <a:off x="10395651" y="1134752"/>
+              <a:ext cx="1334021" cy="4416385"/>
+            </a:xfrm>
+            <a:prstGeom prst="rect">
+              <a:avLst/>
+            </a:prstGeom>
+          </p:spPr>
+        </p:pic>
+        <p:sp>
+          <p:nvSpPr>
+            <p:cNvPr id="17" name="TextBox 16">
+              <a:extLst>
+                <a:ext uri="{FF2B5EF4-FFF2-40B4-BE49-F238E27FC236}">
+                  <a16:creationId xmlns:a16="http://schemas.microsoft.com/office/drawing/2014/main" id="{A6270908-B10A-49A7-A176-ABF0FFF2B4AE}"/>
+                </a:ext>
+              </a:extLst>
+            </p:cNvPr>
+            <p:cNvSpPr txBox="1"/>
+            <p:nvPr/>
+          </p:nvSpPr>
+          <p:spPr>
+            <a:xfrm>
+              <a:off x="9843277" y="5624965"/>
+              <a:ext cx="1553630" cy="307777"/>
+            </a:xfrm>
+            <a:prstGeom prst="rect">
+              <a:avLst/>
+            </a:prstGeom>
+            <a:noFill/>
+          </p:spPr>
+          <p:txBody>
+            <a:bodyPr wrap="none" rtlCol="0">
+              <a:spAutoFit/>
+            </a:bodyPr>
+            <a:lstStyle/>
+            <a:p>
+              <a:r>
+                <a:rPr lang="en-US" dirty="0">
+                  <a:solidFill>
+                    <a:schemeClr val="tx1">
+                      <a:lumMod val="50000"/>
+                      <a:lumOff val="50000"/>
+                    </a:schemeClr>
+                  </a:solidFill>
+                  <a:latin typeface="Palatino Linotype" panose="02040502050505030304" pitchFamily="18" charset="0"/>
+                </a:rPr>
+                <a:t>Estimate of effect</a:t>
+              </a:r>
+            </a:p>
+          </p:txBody>
+        </p:sp>
+        <p:sp>
+          <p:nvSpPr>
+            <p:cNvPr id="18" name="TextBox 17">
+              <a:extLst>
+                <a:ext uri="{FF2B5EF4-FFF2-40B4-BE49-F238E27FC236}">
+                  <a16:creationId xmlns:a16="http://schemas.microsoft.com/office/drawing/2014/main" id="{4742FE69-7976-4316-A023-7D0DFE03D207}"/>
+                </a:ext>
+              </a:extLst>
+            </p:cNvPr>
+            <p:cNvSpPr txBox="1"/>
+            <p:nvPr/>
+          </p:nvSpPr>
+          <p:spPr>
+            <a:xfrm>
+              <a:off x="9180254" y="1199160"/>
+              <a:ext cx="1215397" cy="276999"/>
+            </a:xfrm>
+            <a:prstGeom prst="rect">
+              <a:avLst/>
+            </a:prstGeom>
+            <a:noFill/>
+          </p:spPr>
+          <p:txBody>
+            <a:bodyPr wrap="none" rtlCol="0">
+              <a:spAutoFit/>
+            </a:bodyPr>
+            <a:lstStyle/>
+            <a:p>
+              <a:r>
+                <a:rPr lang="en-US" sz="1200" b="1" dirty="0">
+                  <a:solidFill>
+                    <a:schemeClr val="tx1"/>
+                  </a:solidFill>
+                  <a:latin typeface="Palatino Linotype" panose="02040502050505030304" pitchFamily="18" charset="0"/>
+                </a:rPr>
+                <a:t>Protected Area</a:t>
+              </a:r>
+            </a:p>
+          </p:txBody>
+        </p:sp>
+        <p:sp>
+          <p:nvSpPr>
+            <p:cNvPr id="19" name="TextBox 18">
+              <a:extLst>
+                <a:ext uri="{FF2B5EF4-FFF2-40B4-BE49-F238E27FC236}">
+                  <a16:creationId xmlns:a16="http://schemas.microsoft.com/office/drawing/2014/main" id="{E2065EEA-8266-486E-989E-C9509756C0D8}"/>
+                </a:ext>
+              </a:extLst>
+            </p:cNvPr>
+            <p:cNvSpPr txBox="1"/>
+            <p:nvPr/>
+          </p:nvSpPr>
+          <p:spPr>
+            <a:xfrm>
+              <a:off x="8750525" y="3044808"/>
+              <a:ext cx="1688283" cy="276999"/>
+            </a:xfrm>
+            <a:prstGeom prst="rect">
+              <a:avLst/>
+            </a:prstGeom>
+            <a:noFill/>
+          </p:spPr>
+          <p:txBody>
+            <a:bodyPr wrap="none" rtlCol="0">
+              <a:spAutoFit/>
+            </a:bodyPr>
+            <a:lstStyle/>
+            <a:p>
+              <a:r>
+                <a:rPr lang="en-US" sz="1200" dirty="0">
+                  <a:solidFill>
+                    <a:schemeClr val="tx1">
+                      <a:lumMod val="50000"/>
+                      <a:lumOff val="50000"/>
+                    </a:schemeClr>
+                  </a:solidFill>
+                  <a:latin typeface="Palatino Linotype" panose="02040502050505030304" pitchFamily="18" charset="0"/>
+                </a:rPr>
+                <a:t>Forest Canopy Height</a:t>
+              </a:r>
+            </a:p>
+          </p:txBody>
+        </p:sp>
+        <p:sp>
+          <p:nvSpPr>
+            <p:cNvPr id="20" name="TextBox 19">
+              <a:extLst>
+                <a:ext uri="{FF2B5EF4-FFF2-40B4-BE49-F238E27FC236}">
+                  <a16:creationId xmlns:a16="http://schemas.microsoft.com/office/drawing/2014/main" id="{29A99035-D4D5-4F52-8300-5C0B677CE2FF}"/>
+                </a:ext>
+              </a:extLst>
+            </p:cNvPr>
+            <p:cNvSpPr txBox="1"/>
+            <p:nvPr/>
+          </p:nvSpPr>
+          <p:spPr>
+            <a:xfrm>
+              <a:off x="9104788" y="3651281"/>
+              <a:ext cx="1334020" cy="276999"/>
+            </a:xfrm>
+            <a:prstGeom prst="rect">
+              <a:avLst/>
+            </a:prstGeom>
+            <a:noFill/>
+          </p:spPr>
+          <p:txBody>
+            <a:bodyPr wrap="none" rtlCol="0">
+              <a:spAutoFit/>
+            </a:bodyPr>
+            <a:lstStyle/>
+            <a:p>
+              <a:r>
+                <a:rPr lang="en-US" sz="1200" dirty="0">
+                  <a:solidFill>
+                    <a:schemeClr val="tx1">
+                      <a:lumMod val="50000"/>
+                      <a:lumOff val="50000"/>
+                    </a:schemeClr>
+                  </a:solidFill>
+                  <a:latin typeface="Palatino Linotype" panose="02040502050505030304" pitchFamily="18" charset="0"/>
+                </a:rPr>
+                <a:t>Site Accessibility</a:t>
+              </a:r>
+            </a:p>
+          </p:txBody>
+        </p:sp>
+        <p:sp>
+          <p:nvSpPr>
+            <p:cNvPr id="21" name="TextBox 20">
+              <a:extLst>
+                <a:ext uri="{FF2B5EF4-FFF2-40B4-BE49-F238E27FC236}">
+                  <a16:creationId xmlns:a16="http://schemas.microsoft.com/office/drawing/2014/main" id="{CAE149A1-9B1F-4722-91A4-C9CA75760B55}"/>
+                </a:ext>
+              </a:extLst>
+            </p:cNvPr>
+            <p:cNvSpPr txBox="1"/>
+            <p:nvPr/>
+          </p:nvSpPr>
+          <p:spPr>
+            <a:xfrm>
+              <a:off x="9909575" y="4278977"/>
+              <a:ext cx="482824" cy="276999"/>
+            </a:xfrm>
+            <a:prstGeom prst="rect">
+              <a:avLst/>
+            </a:prstGeom>
+            <a:noFill/>
+          </p:spPr>
+          <p:txBody>
+            <a:bodyPr wrap="none" rtlCol="0">
+              <a:spAutoFit/>
+            </a:bodyPr>
+            <a:lstStyle/>
+            <a:p>
+              <a:r>
+                <a:rPr lang="en-US" sz="1200" dirty="0">
+                  <a:solidFill>
+                    <a:schemeClr val="tx1">
+                      <a:lumMod val="50000"/>
+                      <a:lumOff val="50000"/>
+                    </a:schemeClr>
+                  </a:solidFill>
+                  <a:latin typeface="Palatino Linotype" panose="02040502050505030304" pitchFamily="18" charset="0"/>
+                </a:rPr>
+                <a:t>HDI</a:t>
+              </a:r>
+            </a:p>
+          </p:txBody>
+        </p:sp>
+        <p:sp>
+          <p:nvSpPr>
+            <p:cNvPr id="22" name="TextBox 21">
+              <a:extLst>
+                <a:ext uri="{FF2B5EF4-FFF2-40B4-BE49-F238E27FC236}">
+                  <a16:creationId xmlns:a16="http://schemas.microsoft.com/office/drawing/2014/main" id="{EF23F0A1-160C-45E3-819C-2636E2B60D10}"/>
+                </a:ext>
+              </a:extLst>
+            </p:cNvPr>
+            <p:cNvSpPr txBox="1"/>
+            <p:nvPr/>
+          </p:nvSpPr>
+          <p:spPr>
+            <a:xfrm>
+              <a:off x="9643397" y="4879992"/>
+              <a:ext cx="795411" cy="276999"/>
+            </a:xfrm>
+            <a:prstGeom prst="rect">
+              <a:avLst/>
+            </a:prstGeom>
+            <a:noFill/>
+          </p:spPr>
+          <p:txBody>
+            <a:bodyPr wrap="none" rtlCol="0">
+              <a:spAutoFit/>
+            </a:bodyPr>
+            <a:lstStyle/>
+            <a:p>
+              <a:r>
+                <a:rPr lang="en-US" sz="1200" dirty="0">
+                  <a:solidFill>
+                    <a:schemeClr val="tx1">
+                      <a:lumMod val="50000"/>
+                      <a:lumOff val="50000"/>
+                    </a:schemeClr>
+                  </a:solidFill>
+                  <a:latin typeface="Palatino Linotype" panose="02040502050505030304" pitchFamily="18" charset="0"/>
+                </a:rPr>
+                <a:t>Intercept</a:t>
+              </a:r>
+            </a:p>
+          </p:txBody>
+        </p:sp>
+        <p:sp>
+          <p:nvSpPr>
+            <p:cNvPr id="23" name="TextBox 22">
+              <a:extLst>
+                <a:ext uri="{FF2B5EF4-FFF2-40B4-BE49-F238E27FC236}">
+                  <a16:creationId xmlns:a16="http://schemas.microsoft.com/office/drawing/2014/main" id="{B353D0F7-C1FE-4DBE-83E3-EB60142AF10C}"/>
+                </a:ext>
+              </a:extLst>
+            </p:cNvPr>
+            <p:cNvSpPr txBox="1"/>
+            <p:nvPr/>
+          </p:nvSpPr>
+          <p:spPr>
+            <a:xfrm>
+              <a:off x="9336469" y="1799062"/>
+              <a:ext cx="1059906" cy="276999"/>
+            </a:xfrm>
+            <a:prstGeom prst="rect">
+              <a:avLst/>
+            </a:prstGeom>
+            <a:noFill/>
+          </p:spPr>
+          <p:txBody>
+            <a:bodyPr wrap="none" rtlCol="0">
+              <a:spAutoFit/>
+            </a:bodyPr>
+            <a:lstStyle/>
+            <a:p>
+              <a:r>
+                <a:rPr lang="en-US" sz="1200" dirty="0">
+                  <a:solidFill>
+                    <a:schemeClr val="tx1">
+                      <a:lumMod val="50000"/>
+                      <a:lumOff val="50000"/>
+                    </a:schemeClr>
+                  </a:solidFill>
+                  <a:latin typeface="Palatino Linotype" panose="02040502050505030304" pitchFamily="18" charset="0"/>
+                </a:rPr>
+                <a:t>Connectivity</a:t>
+              </a:r>
+            </a:p>
+          </p:txBody>
+        </p:sp>
+        <p:sp>
+          <p:nvSpPr>
+            <p:cNvPr id="24" name="TextBox 23">
+              <a:extLst>
+                <a:ext uri="{FF2B5EF4-FFF2-40B4-BE49-F238E27FC236}">
+                  <a16:creationId xmlns:a16="http://schemas.microsoft.com/office/drawing/2014/main" id="{2EE70BC6-09DD-4A25-9BFA-AE068AE3B98A}"/>
+                </a:ext>
+              </a:extLst>
+            </p:cNvPr>
+            <p:cNvSpPr txBox="1"/>
+            <p:nvPr/>
+          </p:nvSpPr>
+          <p:spPr>
+            <a:xfrm>
+              <a:off x="9011814" y="2428284"/>
+              <a:ext cx="1459054" cy="276999"/>
+            </a:xfrm>
+            <a:prstGeom prst="rect">
+              <a:avLst/>
+            </a:prstGeom>
+            <a:noFill/>
+          </p:spPr>
+          <p:txBody>
+            <a:bodyPr wrap="none" rtlCol="0">
+              <a:spAutoFit/>
+            </a:bodyPr>
+            <a:lstStyle/>
+            <a:p>
+              <a:r>
+                <a:rPr lang="en-US" sz="1200" b="1" dirty="0">
+                  <a:solidFill>
+                    <a:srgbClr val="006600"/>
+                  </a:solidFill>
+                  <a:latin typeface="Palatino Linotype" panose="02040502050505030304" pitchFamily="18" charset="0"/>
+                </a:rPr>
+                <a:t>PA | Connectivity</a:t>
+              </a:r>
+            </a:p>
+          </p:txBody>
+        </p:sp>
+      </p:grpSp>
       <p:sp>
         <p:nvSpPr>
-          <p:cNvPr id="13" name="TextBox 12">
+          <p:cNvPr id="25" name="TextBox 24">
             <a:extLst>
               <a:ext uri="{FF2B5EF4-FFF2-40B4-BE49-F238E27FC236}">
-                <a16:creationId xmlns:a16="http://schemas.microsoft.com/office/drawing/2014/main" id="{A685BDEE-4007-4AD6-81A3-66E68F88E7EC}"/>
+                <a16:creationId xmlns:a16="http://schemas.microsoft.com/office/drawing/2014/main" id="{87A64CE7-3572-4D52-9022-3026A0BB977E}"/>
               </a:ext>
             </a:extLst>
           </p:cNvPr>
@@ -14666,8 +15264,8 @@
         </p:nvSpPr>
         <p:spPr>
           <a:xfrm>
-            <a:off x="10403678" y="3429000"/>
-            <a:ext cx="1301959" cy="338554"/>
+            <a:off x="7486318" y="5672707"/>
+            <a:ext cx="1208985" cy="307777"/>
           </a:xfrm>
           <a:prstGeom prst="rect">
             <a:avLst/>
@@ -14681,18 +15279,320 @@
           <a:lstStyle/>
           <a:p>
             <a:r>
-              <a:rPr lang="en-US" sz="1600" dirty="0">
-                <a:solidFill>
-                  <a:srgbClr val="FF0000"/>
+              <a:rPr lang="en-US" dirty="0">
+                <a:solidFill>
+                  <a:schemeClr val="tx1"/>
                 </a:solidFill>
                 <a:latin typeface="Palatino Linotype" panose="02040502050505030304" pitchFamily="18" charset="0"/>
               </a:rPr>
-              <a:t>Brodie et al.</a:t>
+              <a:t>Connectivity</a:t>
+            </a:r>
+          </a:p>
+        </p:txBody>
+      </p:sp>
+      <p:grpSp>
+        <p:nvGrpSpPr>
+          <p:cNvPr id="26" name="Group 25">
+            <a:extLst>
+              <a:ext uri="{FF2B5EF4-FFF2-40B4-BE49-F238E27FC236}">
+                <a16:creationId xmlns:a16="http://schemas.microsoft.com/office/drawing/2014/main" id="{BD6E6B40-87B6-4E6A-9C65-D920EAFFCE7A}"/>
+              </a:ext>
+            </a:extLst>
+          </p:cNvPr>
+          <p:cNvGrpSpPr/>
+          <p:nvPr/>
+        </p:nvGrpSpPr>
+        <p:grpSpPr>
+          <a:xfrm>
+            <a:off x="10639717" y="4784750"/>
+            <a:ext cx="1286111" cy="562968"/>
+            <a:chOff x="7742231" y="1643538"/>
+            <a:chExt cx="1286111" cy="562968"/>
+          </a:xfrm>
+        </p:grpSpPr>
+        <p:sp>
+          <p:nvSpPr>
+            <p:cNvPr id="27" name="Oval 26">
+              <a:extLst>
+                <a:ext uri="{FF2B5EF4-FFF2-40B4-BE49-F238E27FC236}">
+                  <a16:creationId xmlns:a16="http://schemas.microsoft.com/office/drawing/2014/main" id="{A706FE33-9498-40A7-9856-F5E50D220B3B}"/>
+                </a:ext>
+              </a:extLst>
+            </p:cNvPr>
+            <p:cNvSpPr/>
+            <p:nvPr/>
+          </p:nvSpPr>
+          <p:spPr>
+            <a:xfrm>
+              <a:off x="7742231" y="1757086"/>
+              <a:ext cx="80683" cy="80683"/>
+            </a:xfrm>
+            <a:prstGeom prst="ellipse">
+              <a:avLst/>
+            </a:prstGeom>
+            <a:solidFill>
+              <a:srgbClr val="006600"/>
+            </a:solidFill>
+            <a:ln>
+              <a:noFill/>
+            </a:ln>
+          </p:spPr>
+          <p:style>
+            <a:lnRef idx="2">
+              <a:schemeClr val="accent1">
+                <a:shade val="50000"/>
+              </a:schemeClr>
+            </a:lnRef>
+            <a:fillRef idx="1">
+              <a:schemeClr val="accent1"/>
+            </a:fillRef>
+            <a:effectRef idx="0">
+              <a:schemeClr val="accent1"/>
+            </a:effectRef>
+            <a:fontRef idx="minor">
+              <a:schemeClr val="lt1"/>
+            </a:fontRef>
+          </p:style>
+          <p:txBody>
+            <a:bodyPr rtlCol="0" anchor="ctr"/>
+            <a:lstStyle/>
+            <a:p>
+              <a:pPr algn="ctr"/>
+              <a:endParaRPr lang="en-US">
+                <a:solidFill>
+                  <a:srgbClr val="006600"/>
+                </a:solidFill>
+              </a:endParaRPr>
+            </a:p>
+          </p:txBody>
+        </p:sp>
+        <p:sp>
+          <p:nvSpPr>
+            <p:cNvPr id="28" name="TextBox 27">
+              <a:extLst>
+                <a:ext uri="{FF2B5EF4-FFF2-40B4-BE49-F238E27FC236}">
+                  <a16:creationId xmlns:a16="http://schemas.microsoft.com/office/drawing/2014/main" id="{0A0537BB-AA37-457A-A6DE-3B23E75F7342}"/>
+                </a:ext>
+              </a:extLst>
+            </p:cNvPr>
+            <p:cNvSpPr txBox="1"/>
+            <p:nvPr/>
+          </p:nvSpPr>
+          <p:spPr>
+            <a:xfrm>
+              <a:off x="7897904" y="1643538"/>
+              <a:ext cx="917239" cy="292388"/>
+            </a:xfrm>
+            <a:prstGeom prst="rect">
+              <a:avLst/>
+            </a:prstGeom>
+            <a:noFill/>
+          </p:spPr>
+          <p:txBody>
+            <a:bodyPr wrap="none" rtlCol="0">
+              <a:spAutoFit/>
+            </a:bodyPr>
+            <a:lstStyle/>
+            <a:p>
+              <a:r>
+                <a:rPr lang="en-US" sz="1300" dirty="0">
+                  <a:solidFill>
+                    <a:srgbClr val="006600"/>
+                  </a:solidFill>
+                  <a:latin typeface="Avenir LT Std 45 Book" panose="020B0502020203020204" pitchFamily="34" charset="0"/>
+                </a:rPr>
+                <a:t>Protected</a:t>
+              </a:r>
+            </a:p>
+          </p:txBody>
+        </p:sp>
+        <p:sp>
+          <p:nvSpPr>
+            <p:cNvPr id="29" name="TextBox 28">
+              <a:extLst>
+                <a:ext uri="{FF2B5EF4-FFF2-40B4-BE49-F238E27FC236}">
+                  <a16:creationId xmlns:a16="http://schemas.microsoft.com/office/drawing/2014/main" id="{06387B1F-8FAB-4E67-9631-A28CC282539E}"/>
+                </a:ext>
+              </a:extLst>
+            </p:cNvPr>
+            <p:cNvSpPr txBox="1"/>
+            <p:nvPr/>
+          </p:nvSpPr>
+          <p:spPr>
+            <a:xfrm>
+              <a:off x="7897904" y="1914118"/>
+              <a:ext cx="1130438" cy="292388"/>
+            </a:xfrm>
+            <a:prstGeom prst="rect">
+              <a:avLst/>
+            </a:prstGeom>
+            <a:noFill/>
+          </p:spPr>
+          <p:txBody>
+            <a:bodyPr wrap="none" rtlCol="0">
+              <a:spAutoFit/>
+            </a:bodyPr>
+            <a:lstStyle/>
+            <a:p>
+              <a:r>
+                <a:rPr lang="en-US" sz="1300" dirty="0">
+                  <a:solidFill>
+                    <a:schemeClr val="tx1">
+                      <a:lumMod val="50000"/>
+                      <a:lumOff val="50000"/>
+                    </a:schemeClr>
+                  </a:solidFill>
+                  <a:latin typeface="Avenir LT Std 45 Book" panose="020B0502020203020204" pitchFamily="34" charset="0"/>
+                </a:rPr>
+                <a:t>Unprotected</a:t>
+              </a:r>
+            </a:p>
+          </p:txBody>
+        </p:sp>
+        <p:sp>
+          <p:nvSpPr>
+            <p:cNvPr id="30" name="Oval 29">
+              <a:extLst>
+                <a:ext uri="{FF2B5EF4-FFF2-40B4-BE49-F238E27FC236}">
+                  <a16:creationId xmlns:a16="http://schemas.microsoft.com/office/drawing/2014/main" id="{041E6886-F6FC-4393-B93D-5C390DD2F32D}"/>
+                </a:ext>
+              </a:extLst>
+            </p:cNvPr>
+            <p:cNvSpPr/>
+            <p:nvPr/>
+          </p:nvSpPr>
+          <p:spPr>
+            <a:xfrm>
+              <a:off x="7742231" y="2027666"/>
+              <a:ext cx="80683" cy="80683"/>
+            </a:xfrm>
+            <a:prstGeom prst="ellipse">
+              <a:avLst/>
+            </a:prstGeom>
+            <a:solidFill>
+              <a:schemeClr val="bg1">
+                <a:lumMod val="65000"/>
+              </a:schemeClr>
+            </a:solidFill>
+            <a:ln>
+              <a:noFill/>
+            </a:ln>
+          </p:spPr>
+          <p:style>
+            <a:lnRef idx="2">
+              <a:schemeClr val="accent1">
+                <a:shade val="50000"/>
+              </a:schemeClr>
+            </a:lnRef>
+            <a:fillRef idx="1">
+              <a:schemeClr val="accent1"/>
+            </a:fillRef>
+            <a:effectRef idx="0">
+              <a:schemeClr val="accent1"/>
+            </a:effectRef>
+            <a:fontRef idx="minor">
+              <a:schemeClr val="lt1"/>
+            </a:fontRef>
+          </p:style>
+          <p:txBody>
+            <a:bodyPr rtlCol="0" anchor="ctr"/>
+            <a:lstStyle/>
+            <a:p>
+              <a:pPr algn="ctr"/>
+              <a:endParaRPr lang="en-US"/>
+            </a:p>
+          </p:txBody>
+        </p:sp>
+      </p:grpSp>
+      <p:sp>
+        <p:nvSpPr>
+          <p:cNvPr id="31" name="TextBox 30">
+            <a:extLst>
+              <a:ext uri="{FF2B5EF4-FFF2-40B4-BE49-F238E27FC236}">
+                <a16:creationId xmlns:a16="http://schemas.microsoft.com/office/drawing/2014/main" id="{6E079BDC-FC64-4E77-92F9-F02C43688179}"/>
+              </a:ext>
+            </a:extLst>
+          </p:cNvPr>
+          <p:cNvSpPr txBox="1"/>
+          <p:nvPr/>
+        </p:nvSpPr>
+        <p:spPr>
+          <a:xfrm>
+            <a:off x="10886761" y="2646133"/>
+            <a:ext cx="1039067" cy="292388"/>
+          </a:xfrm>
+          <a:prstGeom prst="rect">
+            <a:avLst/>
+          </a:prstGeom>
+          <a:noFill/>
+        </p:spPr>
+        <p:txBody>
+          <a:bodyPr wrap="none" rtlCol="0">
+            <a:spAutoFit/>
+          </a:bodyPr>
+          <a:lstStyle/>
+          <a:p>
+            <a:r>
+              <a:rPr lang="en-US" sz="1300" dirty="0">
+                <a:solidFill>
+                  <a:srgbClr val="006600"/>
+                </a:solidFill>
+                <a:latin typeface="Avenir LT Std 45 Book" panose="020B0502020203020204" pitchFamily="34" charset="0"/>
+              </a:rPr>
+              <a:t>0.11 + 0.25</a:t>
+            </a:r>
+          </a:p>
+        </p:txBody>
+      </p:sp>
+      <p:sp>
+        <p:nvSpPr>
+          <p:cNvPr id="32" name="TextBox 31">
+            <a:extLst>
+              <a:ext uri="{FF2B5EF4-FFF2-40B4-BE49-F238E27FC236}">
+                <a16:creationId xmlns:a16="http://schemas.microsoft.com/office/drawing/2014/main" id="{8559E2B8-CE73-40B2-BEE6-3E0BB7ABE7C1}"/>
+              </a:ext>
+            </a:extLst>
+          </p:cNvPr>
+          <p:cNvSpPr txBox="1"/>
+          <p:nvPr/>
+        </p:nvSpPr>
+        <p:spPr>
+          <a:xfrm>
+            <a:off x="11457591" y="3678257"/>
+            <a:ext cx="510076" cy="292388"/>
+          </a:xfrm>
+          <a:prstGeom prst="rect">
+            <a:avLst/>
+          </a:prstGeom>
+          <a:noFill/>
+        </p:spPr>
+        <p:txBody>
+          <a:bodyPr wrap="none" rtlCol="0">
+            <a:spAutoFit/>
+          </a:bodyPr>
+          <a:lstStyle/>
+          <a:p>
+            <a:r>
+              <a:rPr lang="en-US" sz="1300" dirty="0">
+                <a:solidFill>
+                  <a:schemeClr val="tx1">
+                    <a:lumMod val="50000"/>
+                    <a:lumOff val="50000"/>
+                  </a:schemeClr>
+                </a:solidFill>
+                <a:latin typeface="Avenir LT Std 45 Book" panose="020B0502020203020204" pitchFamily="34" charset="0"/>
+              </a:rPr>
+              <a:t>0.11</a:t>
             </a:r>
           </a:p>
         </p:txBody>
       </p:sp>
     </p:spTree>
+    <p:extLst>
+      <p:ext uri="{BB962C8B-B14F-4D97-AF65-F5344CB8AC3E}">
+        <p14:creationId xmlns:p14="http://schemas.microsoft.com/office/powerpoint/2010/main" val="1737847523"/>
+      </p:ext>
+    </p:extLst>
   </p:cSld>
   <p:clrMapOvr>
     <a:masterClrMapping/>
@@ -15109,6 +16009,1712 @@
       </p:cxnSp>
       <p:pic>
         <p:nvPicPr>
+          <p:cNvPr id="2" name="Picture 1">
+            <a:extLst>
+              <a:ext uri="{FF2B5EF4-FFF2-40B4-BE49-F238E27FC236}">
+                <a16:creationId xmlns:a16="http://schemas.microsoft.com/office/drawing/2014/main" id="{C0CD6C20-C8F6-416F-93C5-761C0AE91957}"/>
+              </a:ext>
+            </a:extLst>
+          </p:cNvPr>
+          <p:cNvPicPr>
+            <a:picLocks noChangeAspect="1"/>
+          </p:cNvPicPr>
+          <p:nvPr/>
+        </p:nvPicPr>
+        <p:blipFill rotWithShape="1">
+          <a:blip r:embed="rId3"/>
+          <a:srcRect t="7431"/>
+          <a:stretch/>
+        </p:blipFill>
+        <p:spPr>
+          <a:xfrm>
+            <a:off x="681230" y="1524000"/>
+            <a:ext cx="10121113" cy="4653588"/>
+          </a:xfrm>
+          <a:prstGeom prst="rect">
+            <a:avLst/>
+          </a:prstGeom>
+        </p:spPr>
+      </p:pic>
+      <p:sp>
+        <p:nvSpPr>
+          <p:cNvPr id="13" name="TextBox 12">
+            <a:extLst>
+              <a:ext uri="{FF2B5EF4-FFF2-40B4-BE49-F238E27FC236}">
+                <a16:creationId xmlns:a16="http://schemas.microsoft.com/office/drawing/2014/main" id="{A685BDEE-4007-4AD6-81A3-66E68F88E7EC}"/>
+              </a:ext>
+            </a:extLst>
+          </p:cNvPr>
+          <p:cNvSpPr txBox="1"/>
+          <p:nvPr/>
+        </p:nvSpPr>
+        <p:spPr>
+          <a:xfrm>
+            <a:off x="10403678" y="3429000"/>
+            <a:ext cx="1301959" cy="338554"/>
+          </a:xfrm>
+          <a:prstGeom prst="rect">
+            <a:avLst/>
+          </a:prstGeom>
+          <a:noFill/>
+        </p:spPr>
+        <p:txBody>
+          <a:bodyPr wrap="none" rtlCol="0">
+            <a:spAutoFit/>
+          </a:bodyPr>
+          <a:lstStyle/>
+          <a:p>
+            <a:r>
+              <a:rPr lang="en-US" sz="1600" dirty="0">
+                <a:solidFill>
+                  <a:srgbClr val="FF0000"/>
+                </a:solidFill>
+                <a:latin typeface="Palatino Linotype" panose="02040502050505030304" pitchFamily="18" charset="0"/>
+              </a:rPr>
+              <a:t>Brodie et al.</a:t>
+            </a:r>
+          </a:p>
+        </p:txBody>
+      </p:sp>
+    </p:spTree>
+  </p:cSld>
+  <p:clrMapOvr>
+    <a:masterClrMapping/>
+  </p:clrMapOvr>
+</p:sld>
+</file>
+
+<file path=ppt/slides/slide12.xml><?xml version="1.0" encoding="utf-8"?>
+<p:sld xmlns:a="http://schemas.openxmlformats.org/drawingml/2006/main" xmlns:r="http://schemas.openxmlformats.org/officeDocument/2006/relationships" xmlns:p="http://schemas.openxmlformats.org/presentationml/2006/main">
+  <p:cSld>
+    <p:spTree>
+      <p:nvGrpSpPr>
+        <p:cNvPr id="1" name="Shape 244"/>
+        <p:cNvGrpSpPr/>
+        <p:nvPr/>
+      </p:nvGrpSpPr>
+      <p:grpSpPr>
+        <a:xfrm>
+          <a:off x="0" y="0"/>
+          <a:ext cx="0" cy="0"/>
+          <a:chOff x="0" y="0"/>
+          <a:chExt cx="0" cy="0"/>
+        </a:xfrm>
+      </p:grpSpPr>
+      <p:sp>
+        <p:nvSpPr>
+          <p:cNvPr id="245" name="Google Shape;245;p11"/>
+          <p:cNvSpPr txBox="1"/>
+          <p:nvPr/>
+        </p:nvSpPr>
+        <p:spPr>
+          <a:xfrm>
+            <a:off x="274322" y="6444476"/>
+            <a:ext cx="1107131" cy="276999"/>
+          </a:xfrm>
+          <a:prstGeom prst="rect">
+            <a:avLst/>
+          </a:prstGeom>
+          <a:noFill/>
+          <a:ln>
+            <a:noFill/>
+          </a:ln>
+        </p:spPr>
+        <p:txBody>
+          <a:bodyPr spcFirstLastPara="1" wrap="square" lIns="91425" tIns="45700" rIns="91425" bIns="45700" anchor="t" anchorCtr="0">
+            <a:spAutoFit/>
+          </a:bodyPr>
+          <a:lstStyle/>
+          <a:p>
+            <a:pPr marL="0" marR="0" lvl="0" indent="0" algn="l" rtl="0">
+              <a:spcBef>
+                <a:spcPts val="0"/>
+              </a:spcBef>
+              <a:spcAft>
+                <a:spcPts val="0"/>
+              </a:spcAft>
+              <a:buNone/>
+            </a:pPr>
+            <a:r>
+              <a:rPr lang="en-US" sz="1200">
+                <a:solidFill>
+                  <a:schemeClr val="dk1"/>
+                </a:solidFill>
+                <a:latin typeface="Avenir"/>
+                <a:ea typeface="Avenir"/>
+                <a:cs typeface="Avenir"/>
+                <a:sym typeface="Avenir"/>
+              </a:rPr>
+              <a:t>Kedron et al.</a:t>
+            </a:r>
+            <a:endParaRPr/>
+          </a:p>
+        </p:txBody>
+      </p:sp>
+      <p:sp>
+        <p:nvSpPr>
+          <p:cNvPr id="246" name="Google Shape;246;p11"/>
+          <p:cNvSpPr txBox="1"/>
+          <p:nvPr/>
+        </p:nvSpPr>
+        <p:spPr>
+          <a:xfrm>
+            <a:off x="1388596" y="6450060"/>
+            <a:ext cx="4803859" cy="276999"/>
+          </a:xfrm>
+          <a:prstGeom prst="rect">
+            <a:avLst/>
+          </a:prstGeom>
+          <a:noFill/>
+          <a:ln>
+            <a:noFill/>
+          </a:ln>
+        </p:spPr>
+        <p:txBody>
+          <a:bodyPr spcFirstLastPara="1" wrap="square" lIns="91425" tIns="45700" rIns="91425" bIns="45700" anchor="t" anchorCtr="0">
+            <a:spAutoFit/>
+          </a:bodyPr>
+          <a:lstStyle/>
+          <a:p>
+            <a:pPr marL="0" marR="0" lvl="0" indent="0" algn="l" rtl="0">
+              <a:spcBef>
+                <a:spcPts val="0"/>
+              </a:spcBef>
+              <a:spcAft>
+                <a:spcPts val="0"/>
+              </a:spcAft>
+              <a:buNone/>
+            </a:pPr>
+            <a:r>
+              <a:rPr lang="en-US" sz="1200">
+                <a:solidFill>
+                  <a:srgbClr val="757070"/>
+                </a:solidFill>
+                <a:latin typeface="Avenir"/>
+                <a:ea typeface="Avenir"/>
+                <a:cs typeface="Avenir"/>
+                <a:sym typeface="Avenir"/>
+              </a:rPr>
+              <a:t>Does PA Connectivity Moderate the Efficacy of Protection?</a:t>
+            </a:r>
+            <a:endParaRPr/>
+          </a:p>
+        </p:txBody>
+      </p:sp>
+      <p:cxnSp>
+        <p:nvCxnSpPr>
+          <p:cNvPr id="247" name="Google Shape;247;p11"/>
+          <p:cNvCxnSpPr/>
+          <p:nvPr/>
+        </p:nvCxnSpPr>
+        <p:spPr>
+          <a:xfrm flipH="1">
+            <a:off x="1379071" y="6503595"/>
+            <a:ext cx="2382" cy="133351"/>
+          </a:xfrm>
+          <a:prstGeom prst="straightConnector1">
+            <a:avLst/>
+          </a:prstGeom>
+          <a:noFill/>
+          <a:ln w="9525" cap="flat" cmpd="sng">
+            <a:solidFill>
+              <a:schemeClr val="dk1"/>
+            </a:solidFill>
+            <a:prstDash val="solid"/>
+            <a:miter lim="800000"/>
+            <a:headEnd type="none" w="sm" len="sm"/>
+            <a:tailEnd type="none" w="sm" len="sm"/>
+          </a:ln>
+        </p:spPr>
+      </p:cxnSp>
+      <p:sp>
+        <p:nvSpPr>
+          <p:cNvPr id="248" name="Google Shape;248;p11"/>
+          <p:cNvSpPr txBox="1">
+            <a:spLocks noGrp="1"/>
+          </p:cNvSpPr>
+          <p:nvPr>
+            <p:ph type="sldNum" idx="12"/>
+          </p:nvPr>
+        </p:nvSpPr>
+        <p:spPr>
+          <a:xfrm>
+            <a:off x="11529521" y="6466114"/>
+            <a:ext cx="400304" cy="266178"/>
+          </a:xfrm>
+          <a:prstGeom prst="rect">
+            <a:avLst/>
+          </a:prstGeom>
+          <a:noFill/>
+          <a:ln>
+            <a:noFill/>
+          </a:ln>
+        </p:spPr>
+        <p:txBody>
+          <a:bodyPr spcFirstLastPara="1" wrap="square" lIns="91425" tIns="45700" rIns="91425" bIns="45700" anchor="ctr" anchorCtr="0">
+            <a:noAutofit/>
+          </a:bodyPr>
+          <a:lstStyle/>
+          <a:p>
+            <a:pPr marL="0" lvl="0" indent="0" algn="r" rtl="0">
+              <a:spcBef>
+                <a:spcPts val="0"/>
+              </a:spcBef>
+              <a:spcAft>
+                <a:spcPts val="0"/>
+              </a:spcAft>
+              <a:buNone/>
+            </a:pPr>
+            <a:fld id="{00000000-1234-1234-1234-123412341234}" type="slidenum">
+              <a:rPr lang="en-US">
+                <a:solidFill>
+                  <a:schemeClr val="dk1"/>
+                </a:solidFill>
+                <a:latin typeface="Avenir"/>
+                <a:ea typeface="Avenir"/>
+                <a:cs typeface="Avenir"/>
+                <a:sym typeface="Avenir"/>
+              </a:rPr>
+              <a:t>12</a:t>
+            </a:fld>
+            <a:endParaRPr>
+              <a:solidFill>
+                <a:schemeClr val="dk1"/>
+              </a:solidFill>
+              <a:latin typeface="Avenir"/>
+              <a:ea typeface="Avenir"/>
+              <a:cs typeface="Avenir"/>
+              <a:sym typeface="Avenir"/>
+            </a:endParaRPr>
+          </a:p>
+        </p:txBody>
+      </p:sp>
+      <p:cxnSp>
+        <p:nvCxnSpPr>
+          <p:cNvPr id="249" name="Google Shape;249;p11"/>
+          <p:cNvCxnSpPr/>
+          <p:nvPr/>
+        </p:nvCxnSpPr>
+        <p:spPr>
+          <a:xfrm flipH="1">
+            <a:off x="11524759" y="6527118"/>
+            <a:ext cx="2381" cy="133351"/>
+          </a:xfrm>
+          <a:prstGeom prst="straightConnector1">
+            <a:avLst/>
+          </a:prstGeom>
+          <a:noFill/>
+          <a:ln w="9525" cap="flat" cmpd="sng">
+            <a:solidFill>
+              <a:schemeClr val="dk1"/>
+            </a:solidFill>
+            <a:prstDash val="solid"/>
+            <a:miter lim="800000"/>
+            <a:headEnd type="none" w="sm" len="sm"/>
+            <a:tailEnd type="none" w="sm" len="sm"/>
+          </a:ln>
+        </p:spPr>
+      </p:cxnSp>
+      <p:sp>
+        <p:nvSpPr>
+          <p:cNvPr id="250" name="Google Shape;250;p11"/>
+          <p:cNvSpPr txBox="1"/>
+          <p:nvPr/>
+        </p:nvSpPr>
+        <p:spPr>
+          <a:xfrm>
+            <a:off x="7150561" y="6455293"/>
+            <a:ext cx="4371817" cy="276999"/>
+          </a:xfrm>
+          <a:prstGeom prst="rect">
+            <a:avLst/>
+          </a:prstGeom>
+          <a:noFill/>
+          <a:ln>
+            <a:noFill/>
+          </a:ln>
+        </p:spPr>
+        <p:txBody>
+          <a:bodyPr spcFirstLastPara="1" wrap="square" lIns="91425" tIns="45700" rIns="91425" bIns="45700" anchor="t" anchorCtr="0">
+            <a:spAutoFit/>
+          </a:bodyPr>
+          <a:lstStyle/>
+          <a:p>
+            <a:pPr marL="0" marR="0" lvl="0" indent="0" algn="r" rtl="0">
+              <a:spcBef>
+                <a:spcPts val="0"/>
+              </a:spcBef>
+              <a:spcAft>
+                <a:spcPts val="0"/>
+              </a:spcAft>
+              <a:buNone/>
+            </a:pPr>
+            <a:r>
+              <a:rPr lang="en-US" sz="1200">
+                <a:solidFill>
+                  <a:srgbClr val="757070"/>
+                </a:solidFill>
+                <a:latin typeface="Avenir"/>
+                <a:ea typeface="Avenir"/>
+                <a:cs typeface="Avenir"/>
+                <a:sym typeface="Avenir"/>
+              </a:rPr>
+              <a:t>Next Steps</a:t>
+            </a:r>
+            <a:endParaRPr/>
+          </a:p>
+        </p:txBody>
+      </p:sp>
+      <p:sp>
+        <p:nvSpPr>
+          <p:cNvPr id="251" name="Google Shape;251;p11"/>
+          <p:cNvSpPr txBox="1"/>
+          <p:nvPr/>
+        </p:nvSpPr>
+        <p:spPr>
+          <a:xfrm>
+            <a:off x="354415" y="656943"/>
+            <a:ext cx="9796437" cy="338554"/>
+          </a:xfrm>
+          <a:prstGeom prst="rect">
+            <a:avLst/>
+          </a:prstGeom>
+          <a:noFill/>
+          <a:ln>
+            <a:noFill/>
+          </a:ln>
+        </p:spPr>
+        <p:txBody>
+          <a:bodyPr spcFirstLastPara="1" wrap="square" lIns="91425" tIns="45700" rIns="91425" bIns="45700" anchor="t" anchorCtr="0">
+            <a:spAutoFit/>
+          </a:bodyPr>
+          <a:lstStyle/>
+          <a:p>
+            <a:pPr marL="0" marR="0" lvl="0" indent="0" algn="l" rtl="0">
+              <a:spcBef>
+                <a:spcPts val="0"/>
+              </a:spcBef>
+              <a:spcAft>
+                <a:spcPts val="0"/>
+              </a:spcAft>
+              <a:buNone/>
+            </a:pPr>
+            <a:r>
+              <a:rPr lang="en-US" sz="1600">
+                <a:solidFill>
+                  <a:schemeClr val="dk1"/>
+                </a:solidFill>
+                <a:latin typeface="Avenir"/>
+                <a:ea typeface="Avenir"/>
+                <a:cs typeface="Avenir"/>
+                <a:sym typeface="Avenir"/>
+              </a:rPr>
+              <a:t>Conducting additional analyses before pre-print publication and submission</a:t>
+            </a:r>
+            <a:endParaRPr/>
+          </a:p>
+        </p:txBody>
+      </p:sp>
+      <p:sp>
+        <p:nvSpPr>
+          <p:cNvPr id="252" name="Google Shape;252;p11"/>
+          <p:cNvSpPr txBox="1"/>
+          <p:nvPr/>
+        </p:nvSpPr>
+        <p:spPr>
+          <a:xfrm>
+            <a:off x="354415" y="208673"/>
+            <a:ext cx="7736395" cy="461665"/>
+          </a:xfrm>
+          <a:prstGeom prst="rect">
+            <a:avLst/>
+          </a:prstGeom>
+          <a:noFill/>
+          <a:ln>
+            <a:noFill/>
+          </a:ln>
+        </p:spPr>
+        <p:txBody>
+          <a:bodyPr spcFirstLastPara="1" wrap="square" lIns="91425" tIns="45700" rIns="91425" bIns="45700" anchor="t" anchorCtr="0">
+            <a:spAutoFit/>
+          </a:bodyPr>
+          <a:lstStyle/>
+          <a:p>
+            <a:pPr marL="0" marR="0" lvl="0" indent="0" algn="l" rtl="0">
+              <a:spcBef>
+                <a:spcPts val="0"/>
+              </a:spcBef>
+              <a:spcAft>
+                <a:spcPts val="0"/>
+              </a:spcAft>
+              <a:buNone/>
+            </a:pPr>
+            <a:r>
+              <a:rPr lang="en-US" sz="2400">
+                <a:solidFill>
+                  <a:srgbClr val="000000"/>
+                </a:solidFill>
+                <a:latin typeface="Avenir"/>
+                <a:ea typeface="Avenir"/>
+                <a:cs typeface="Avenir"/>
+                <a:sym typeface="Avenir"/>
+              </a:rPr>
+              <a:t>Further Modifications</a:t>
+            </a:r>
+            <a:endParaRPr/>
+          </a:p>
+        </p:txBody>
+      </p:sp>
+      <p:cxnSp>
+        <p:nvCxnSpPr>
+          <p:cNvPr id="253" name="Google Shape;253;p11"/>
+          <p:cNvCxnSpPr/>
+          <p:nvPr/>
+        </p:nvCxnSpPr>
+        <p:spPr>
+          <a:xfrm>
+            <a:off x="274321" y="250731"/>
+            <a:ext cx="0" cy="673423"/>
+          </a:xfrm>
+          <a:prstGeom prst="straightConnector1">
+            <a:avLst/>
+          </a:prstGeom>
+          <a:noFill/>
+          <a:ln w="76200" cap="flat" cmpd="sng">
+            <a:solidFill>
+              <a:schemeClr val="dk1"/>
+            </a:solidFill>
+            <a:prstDash val="solid"/>
+            <a:miter lim="800000"/>
+            <a:headEnd type="none" w="sm" len="sm"/>
+            <a:tailEnd type="none" w="sm" len="sm"/>
+          </a:ln>
+        </p:spPr>
+      </p:cxnSp>
+      <p:sp>
+        <p:nvSpPr>
+          <p:cNvPr id="11" name="Google Shape;181;p7">
+            <a:extLst>
+              <a:ext uri="{FF2B5EF4-FFF2-40B4-BE49-F238E27FC236}">
+                <a16:creationId xmlns:a16="http://schemas.microsoft.com/office/drawing/2014/main" id="{3E2666A7-58CA-4650-A436-669EE6171480}"/>
+              </a:ext>
+            </a:extLst>
+          </p:cNvPr>
+          <p:cNvSpPr txBox="1"/>
+          <p:nvPr/>
+        </p:nvSpPr>
+        <p:spPr>
+          <a:xfrm>
+            <a:off x="354415" y="1763480"/>
+            <a:ext cx="2034824" cy="400069"/>
+          </a:xfrm>
+          <a:prstGeom prst="rect">
+            <a:avLst/>
+          </a:prstGeom>
+          <a:noFill/>
+          <a:ln>
+            <a:noFill/>
+          </a:ln>
+        </p:spPr>
+        <p:txBody>
+          <a:bodyPr spcFirstLastPara="1" wrap="square" lIns="91425" tIns="45700" rIns="91425" bIns="45700" anchor="t" anchorCtr="0">
+            <a:spAutoFit/>
+          </a:bodyPr>
+          <a:lstStyle/>
+          <a:p>
+            <a:pPr marL="0" marR="0" lvl="0" indent="0" algn="l" rtl="0">
+              <a:spcBef>
+                <a:spcPts val="0"/>
+              </a:spcBef>
+              <a:spcAft>
+                <a:spcPts val="0"/>
+              </a:spcAft>
+              <a:buNone/>
+            </a:pPr>
+            <a:r>
+              <a:rPr lang="en-US" sz="2000" u="sng" dirty="0">
+                <a:solidFill>
+                  <a:schemeClr val="dk1"/>
+                </a:solidFill>
+                <a:latin typeface="Avenir"/>
+                <a:ea typeface="Avenir"/>
+                <a:cs typeface="Avenir"/>
+                <a:sym typeface="Avenir"/>
+              </a:rPr>
+              <a:t>Primary Findings</a:t>
+            </a:r>
+            <a:endParaRPr sz="2000" dirty="0"/>
+          </a:p>
+        </p:txBody>
+      </p:sp>
+      <p:sp>
+        <p:nvSpPr>
+          <p:cNvPr id="12" name="Google Shape;183;p7">
+            <a:extLst>
+              <a:ext uri="{FF2B5EF4-FFF2-40B4-BE49-F238E27FC236}">
+                <a16:creationId xmlns:a16="http://schemas.microsoft.com/office/drawing/2014/main" id="{EE14A8DD-AFB9-4834-9AE3-C5003331870A}"/>
+              </a:ext>
+            </a:extLst>
+          </p:cNvPr>
+          <p:cNvSpPr txBox="1"/>
+          <p:nvPr/>
+        </p:nvSpPr>
+        <p:spPr>
+          <a:xfrm>
+            <a:off x="354415" y="2165163"/>
+            <a:ext cx="1888042" cy="1077178"/>
+          </a:xfrm>
+          <a:prstGeom prst="rect">
+            <a:avLst/>
+          </a:prstGeom>
+          <a:noFill/>
+          <a:ln>
+            <a:noFill/>
+          </a:ln>
+        </p:spPr>
+        <p:txBody>
+          <a:bodyPr spcFirstLastPara="1" wrap="square" lIns="91425" tIns="45700" rIns="91425" bIns="45700" anchor="t" anchorCtr="0">
+            <a:spAutoFit/>
+          </a:bodyPr>
+          <a:lstStyle/>
+          <a:p>
+            <a:pPr marL="0" marR="0" lvl="0" indent="0" algn="l" rtl="0">
+              <a:spcBef>
+                <a:spcPts val="0"/>
+              </a:spcBef>
+              <a:spcAft>
+                <a:spcPts val="0"/>
+              </a:spcAft>
+              <a:buNone/>
+            </a:pPr>
+            <a:r>
+              <a:rPr lang="en-US" sz="2000" dirty="0">
+                <a:solidFill>
+                  <a:srgbClr val="C00000"/>
+                </a:solidFill>
+                <a:latin typeface="Palatino Linotype" panose="02040502050505030304" pitchFamily="18" charset="0"/>
+                <a:ea typeface="Avenir"/>
+                <a:cs typeface="Avenir"/>
+                <a:sym typeface="Avenir"/>
+              </a:rPr>
+              <a:t>Extension</a:t>
+            </a:r>
+            <a:r>
+              <a:rPr lang="en-US" sz="2000" dirty="0">
+                <a:solidFill>
+                  <a:schemeClr val="dk1"/>
+                </a:solidFill>
+                <a:latin typeface="Palatino Linotype" panose="02040502050505030304" pitchFamily="18" charset="0"/>
+                <a:ea typeface="Avenir"/>
+                <a:cs typeface="Avenir"/>
+                <a:sym typeface="Avenir"/>
+              </a:rPr>
+              <a:t> </a:t>
+            </a:r>
+          </a:p>
+          <a:p>
+            <a:pPr marL="0" marR="0" lvl="0" indent="0" algn="l" rtl="0">
+              <a:spcBef>
+                <a:spcPts val="0"/>
+              </a:spcBef>
+              <a:spcAft>
+                <a:spcPts val="0"/>
+              </a:spcAft>
+              <a:buNone/>
+            </a:pPr>
+            <a:endParaRPr lang="en-US" sz="2400" dirty="0">
+              <a:solidFill>
+                <a:schemeClr val="dk1"/>
+              </a:solidFill>
+              <a:latin typeface="Palatino Linotype" panose="02040502050505030304" pitchFamily="18" charset="0"/>
+              <a:sym typeface="Avenir"/>
+            </a:endParaRPr>
+          </a:p>
+          <a:p>
+            <a:pPr marL="0" marR="0" lvl="0" indent="0" algn="l" rtl="0">
+              <a:spcBef>
+                <a:spcPts val="0"/>
+              </a:spcBef>
+              <a:spcAft>
+                <a:spcPts val="0"/>
+              </a:spcAft>
+              <a:buNone/>
+            </a:pPr>
+            <a:r>
+              <a:rPr lang="en-US" sz="2000" dirty="0">
+                <a:solidFill>
+                  <a:schemeClr val="dk1"/>
+                </a:solidFill>
+                <a:latin typeface="Palatino Linotype" panose="02040502050505030304" pitchFamily="18" charset="0"/>
+                <a:sym typeface="Avenir"/>
+              </a:rPr>
+              <a:t>Reproduction</a:t>
+            </a:r>
+            <a:endParaRPr sz="2000" dirty="0">
+              <a:latin typeface="Palatino Linotype" panose="02040502050505030304" pitchFamily="18" charset="0"/>
+            </a:endParaRPr>
+          </a:p>
+        </p:txBody>
+      </p:sp>
+      <p:sp>
+        <p:nvSpPr>
+          <p:cNvPr id="13" name="Google Shape;185;p7">
+            <a:extLst>
+              <a:ext uri="{FF2B5EF4-FFF2-40B4-BE49-F238E27FC236}">
+                <a16:creationId xmlns:a16="http://schemas.microsoft.com/office/drawing/2014/main" id="{D38F5DCD-181F-4FE7-B6B3-47E25171590E}"/>
+              </a:ext>
+            </a:extLst>
+          </p:cNvPr>
+          <p:cNvSpPr txBox="1"/>
+          <p:nvPr/>
+        </p:nvSpPr>
+        <p:spPr>
+          <a:xfrm>
+            <a:off x="2604191" y="2165163"/>
+            <a:ext cx="9325634" cy="1477287"/>
+          </a:xfrm>
+          <a:prstGeom prst="rect">
+            <a:avLst/>
+          </a:prstGeom>
+          <a:noFill/>
+          <a:ln>
+            <a:noFill/>
+          </a:ln>
+        </p:spPr>
+        <p:txBody>
+          <a:bodyPr spcFirstLastPara="1" wrap="square" lIns="91425" tIns="45700" rIns="91425" bIns="45700" anchor="t" anchorCtr="0">
+            <a:spAutoFit/>
+          </a:bodyPr>
+          <a:lstStyle/>
+          <a:p>
+            <a:pPr>
+              <a:spcAft>
+                <a:spcPts val="600"/>
+              </a:spcAft>
+            </a:pPr>
+            <a:r>
+              <a:rPr lang="en-US" sz="2000" dirty="0">
+                <a:solidFill>
+                  <a:srgbClr val="C00000"/>
+                </a:solidFill>
+                <a:latin typeface="Palatino Linotype" panose="02040502050505030304" pitchFamily="18" charset="0"/>
+                <a:ea typeface="Avenir"/>
+                <a:cs typeface="Avenir"/>
+                <a:sym typeface="Avenir"/>
+              </a:rPr>
+              <a:t>Identified direct and moderating effects of connectivity, while preserving protective effect of PA conservation</a:t>
+            </a:r>
+          </a:p>
+          <a:p>
+            <a:pPr marL="0" marR="0" lvl="0" indent="0" algn="l" rtl="0">
+              <a:spcBef>
+                <a:spcPts val="0"/>
+              </a:spcBef>
+              <a:spcAft>
+                <a:spcPts val="600"/>
+              </a:spcAft>
+              <a:buNone/>
+            </a:pPr>
+            <a:r>
+              <a:rPr lang="en-US" sz="2000" dirty="0">
+                <a:solidFill>
+                  <a:schemeClr val="dk1"/>
+                </a:solidFill>
+                <a:latin typeface="Palatino Linotype" panose="02040502050505030304" pitchFamily="18" charset="0"/>
+                <a:ea typeface="Avenir"/>
+                <a:cs typeface="Avenir"/>
+                <a:sym typeface="Avenir"/>
+              </a:rPr>
+              <a:t>Computationally reproduced effect estimates and supported conclusion and internal validity of Brodie et al.</a:t>
+            </a:r>
+          </a:p>
+        </p:txBody>
+      </p:sp>
+      <p:sp>
+        <p:nvSpPr>
+          <p:cNvPr id="14" name="Google Shape;181;p7">
+            <a:extLst>
+              <a:ext uri="{FF2B5EF4-FFF2-40B4-BE49-F238E27FC236}">
+                <a16:creationId xmlns:a16="http://schemas.microsoft.com/office/drawing/2014/main" id="{E0F52064-50B4-4DED-B793-4FC4F27EFEDE}"/>
+              </a:ext>
+            </a:extLst>
+          </p:cNvPr>
+          <p:cNvSpPr txBox="1"/>
+          <p:nvPr/>
+        </p:nvSpPr>
+        <p:spPr>
+          <a:xfrm>
+            <a:off x="354415" y="4113559"/>
+            <a:ext cx="2034824" cy="400069"/>
+          </a:xfrm>
+          <a:prstGeom prst="rect">
+            <a:avLst/>
+          </a:prstGeom>
+          <a:noFill/>
+          <a:ln>
+            <a:noFill/>
+          </a:ln>
+        </p:spPr>
+        <p:txBody>
+          <a:bodyPr spcFirstLastPara="1" wrap="square" lIns="91425" tIns="45700" rIns="91425" bIns="45700" anchor="t" anchorCtr="0">
+            <a:spAutoFit/>
+          </a:bodyPr>
+          <a:lstStyle/>
+          <a:p>
+            <a:pPr marL="0" marR="0" lvl="0" indent="0" algn="l" rtl="0">
+              <a:spcBef>
+                <a:spcPts val="0"/>
+              </a:spcBef>
+              <a:spcAft>
+                <a:spcPts val="0"/>
+              </a:spcAft>
+              <a:buNone/>
+            </a:pPr>
+            <a:r>
+              <a:rPr lang="en-US" sz="2000" u="sng" dirty="0">
+                <a:solidFill>
+                  <a:schemeClr val="dk1"/>
+                </a:solidFill>
+                <a:latin typeface="Avenir"/>
+                <a:sym typeface="Avenir"/>
+              </a:rPr>
+              <a:t>Ongoing Work</a:t>
+            </a:r>
+            <a:endParaRPr sz="2000" dirty="0"/>
+          </a:p>
+        </p:txBody>
+      </p:sp>
+      <p:sp>
+        <p:nvSpPr>
+          <p:cNvPr id="15" name="Google Shape;183;p7">
+            <a:extLst>
+              <a:ext uri="{FF2B5EF4-FFF2-40B4-BE49-F238E27FC236}">
+                <a16:creationId xmlns:a16="http://schemas.microsoft.com/office/drawing/2014/main" id="{5B44199F-47D1-441D-9CD1-F6427AED7C1F}"/>
+              </a:ext>
+            </a:extLst>
+          </p:cNvPr>
+          <p:cNvSpPr txBox="1"/>
+          <p:nvPr/>
+        </p:nvSpPr>
+        <p:spPr>
+          <a:xfrm>
+            <a:off x="354415" y="4515242"/>
+            <a:ext cx="1717962" cy="1169511"/>
+          </a:xfrm>
+          <a:prstGeom prst="rect">
+            <a:avLst/>
+          </a:prstGeom>
+          <a:noFill/>
+          <a:ln>
+            <a:noFill/>
+          </a:ln>
+        </p:spPr>
+        <p:txBody>
+          <a:bodyPr spcFirstLastPara="1" wrap="square" lIns="91425" tIns="45700" rIns="91425" bIns="45700" anchor="t" anchorCtr="0">
+            <a:spAutoFit/>
+          </a:bodyPr>
+          <a:lstStyle/>
+          <a:p>
+            <a:pPr marL="0" marR="0" lvl="0" indent="0" algn="l" rtl="0">
+              <a:spcBef>
+                <a:spcPts val="0"/>
+              </a:spcBef>
+              <a:spcAft>
+                <a:spcPts val="0"/>
+              </a:spcAft>
+              <a:buNone/>
+            </a:pPr>
+            <a:r>
+              <a:rPr lang="en-US" sz="2000" dirty="0">
+                <a:solidFill>
+                  <a:schemeClr val="dk1"/>
+                </a:solidFill>
+                <a:latin typeface="Palatino Linotype" panose="02040502050505030304" pitchFamily="18" charset="0"/>
+                <a:sym typeface="Avenir"/>
+              </a:rPr>
+              <a:t>Corrections</a:t>
+            </a:r>
+            <a:endParaRPr sz="2000" dirty="0">
+              <a:latin typeface="Palatino Linotype" panose="02040502050505030304" pitchFamily="18" charset="0"/>
+            </a:endParaRPr>
+          </a:p>
+          <a:p>
+            <a:pPr marL="0" marR="0" lvl="0" indent="0" algn="l" rtl="0">
+              <a:spcBef>
+                <a:spcPts val="600"/>
+              </a:spcBef>
+              <a:spcAft>
+                <a:spcPts val="0"/>
+              </a:spcAft>
+              <a:buNone/>
+            </a:pPr>
+            <a:r>
+              <a:rPr lang="en-US" sz="2000" dirty="0">
+                <a:solidFill>
+                  <a:schemeClr val="dk1"/>
+                </a:solidFill>
+                <a:latin typeface="Palatino Linotype" panose="02040502050505030304" pitchFamily="18" charset="0"/>
+                <a:ea typeface="Avenir"/>
+                <a:cs typeface="Avenir"/>
+                <a:sym typeface="Avenir"/>
+              </a:rPr>
+              <a:t>Spatial</a:t>
+            </a:r>
+          </a:p>
+          <a:p>
+            <a:pPr marL="0" marR="0" lvl="0" indent="0" algn="l" rtl="0">
+              <a:spcBef>
+                <a:spcPts val="600"/>
+              </a:spcBef>
+              <a:spcAft>
+                <a:spcPts val="0"/>
+              </a:spcAft>
+              <a:buNone/>
+            </a:pPr>
+            <a:r>
+              <a:rPr lang="en-US" sz="2000" dirty="0">
+                <a:solidFill>
+                  <a:schemeClr val="dk1"/>
+                </a:solidFill>
+                <a:latin typeface="Palatino Linotype" panose="02040502050505030304" pitchFamily="18" charset="0"/>
+                <a:sym typeface="Avenir"/>
+              </a:rPr>
+              <a:t>Consistency</a:t>
+            </a:r>
+            <a:endParaRPr sz="2000" dirty="0">
+              <a:latin typeface="Palatino Linotype" panose="02040502050505030304" pitchFamily="18" charset="0"/>
+            </a:endParaRPr>
+          </a:p>
+        </p:txBody>
+      </p:sp>
+      <p:sp>
+        <p:nvSpPr>
+          <p:cNvPr id="16" name="Google Shape;185;p7">
+            <a:extLst>
+              <a:ext uri="{FF2B5EF4-FFF2-40B4-BE49-F238E27FC236}">
+                <a16:creationId xmlns:a16="http://schemas.microsoft.com/office/drawing/2014/main" id="{9D3780ED-4799-48FB-832D-933D715F0E3A}"/>
+              </a:ext>
+            </a:extLst>
+          </p:cNvPr>
+          <p:cNvSpPr txBox="1"/>
+          <p:nvPr/>
+        </p:nvSpPr>
+        <p:spPr>
+          <a:xfrm>
+            <a:off x="2604191" y="4515242"/>
+            <a:ext cx="9325634" cy="1862008"/>
+          </a:xfrm>
+          <a:prstGeom prst="rect">
+            <a:avLst/>
+          </a:prstGeom>
+          <a:noFill/>
+          <a:ln>
+            <a:noFill/>
+          </a:ln>
+        </p:spPr>
+        <p:txBody>
+          <a:bodyPr spcFirstLastPara="1" wrap="square" lIns="91425" tIns="45700" rIns="91425" bIns="45700" anchor="t" anchorCtr="0">
+            <a:spAutoFit/>
+          </a:bodyPr>
+          <a:lstStyle/>
+          <a:p>
+            <a:pPr marL="0" marR="0" lvl="0" indent="0" algn="l" rtl="0">
+              <a:spcBef>
+                <a:spcPts val="0"/>
+              </a:spcBef>
+              <a:spcAft>
+                <a:spcPts val="0"/>
+              </a:spcAft>
+              <a:buNone/>
+            </a:pPr>
+            <a:r>
+              <a:rPr lang="en-US" sz="2000" dirty="0">
+                <a:solidFill>
+                  <a:schemeClr val="dk1"/>
+                </a:solidFill>
+                <a:latin typeface="Palatino Linotype" panose="02040502050505030304" pitchFamily="18" charset="0"/>
+                <a:ea typeface="Avenir"/>
+                <a:cs typeface="Avenir"/>
+                <a:sym typeface="Avenir"/>
+              </a:rPr>
+              <a:t>Check adjustments &amp; extensions of original procedure (e.g., outliers, DAG)</a:t>
+            </a:r>
+            <a:endParaRPr sz="2000" dirty="0">
+              <a:latin typeface="Palatino Linotype" panose="02040502050505030304" pitchFamily="18" charset="0"/>
+            </a:endParaRPr>
+          </a:p>
+          <a:p>
+            <a:pPr marL="0" marR="0" lvl="0" indent="0" algn="l" rtl="0">
+              <a:spcBef>
+                <a:spcPts val="600"/>
+              </a:spcBef>
+              <a:spcAft>
+                <a:spcPts val="0"/>
+              </a:spcAft>
+              <a:buNone/>
+            </a:pPr>
+            <a:r>
+              <a:rPr lang="en-US" sz="2000" dirty="0">
+                <a:solidFill>
+                  <a:schemeClr val="dk1"/>
+                </a:solidFill>
+                <a:latin typeface="Palatino Linotype" panose="02040502050505030304" pitchFamily="18" charset="0"/>
+                <a:ea typeface="Avenir"/>
+                <a:cs typeface="Avenir"/>
+                <a:sym typeface="Avenir"/>
+              </a:rPr>
+              <a:t>Consider ways to address remaining spatial structure</a:t>
+            </a:r>
+          </a:p>
+          <a:p>
+            <a:pPr>
+              <a:spcBef>
+                <a:spcPts val="600"/>
+              </a:spcBef>
+            </a:pPr>
+            <a:r>
+              <a:rPr lang="en-US" sz="2000" dirty="0">
+                <a:solidFill>
+                  <a:schemeClr val="dk1"/>
+                </a:solidFill>
+                <a:latin typeface="Palatino Linotype" panose="02040502050505030304" pitchFamily="18" charset="0"/>
+                <a:ea typeface="Avenir"/>
+                <a:cs typeface="Avenir"/>
+                <a:sym typeface="Avenir"/>
+              </a:rPr>
+              <a:t>Consistent positive direct and moderating effects of connectivity were only observed for phylogenetic diversity of birds</a:t>
+            </a:r>
+            <a:endParaRPr lang="en-US" sz="2000" dirty="0">
+              <a:latin typeface="Palatino Linotype" panose="02040502050505030304" pitchFamily="18" charset="0"/>
+            </a:endParaRPr>
+          </a:p>
+          <a:p>
+            <a:pPr marL="0" marR="0" lvl="0" indent="0" algn="l" rtl="0">
+              <a:spcBef>
+                <a:spcPts val="600"/>
+              </a:spcBef>
+              <a:spcAft>
+                <a:spcPts val="0"/>
+              </a:spcAft>
+              <a:buNone/>
+            </a:pPr>
+            <a:endParaRPr sz="2000" dirty="0">
+              <a:latin typeface="Palatino Linotype" panose="02040502050505030304" pitchFamily="18" charset="0"/>
+            </a:endParaRPr>
+          </a:p>
+        </p:txBody>
+      </p:sp>
+    </p:spTree>
+  </p:cSld>
+  <p:clrMapOvr>
+    <a:masterClrMapping/>
+  </p:clrMapOvr>
+</p:sld>
+</file>
+
+<file path=ppt/slides/slide13.xml><?xml version="1.0" encoding="utf-8"?>
+<p:sld xmlns:a="http://schemas.openxmlformats.org/drawingml/2006/main" xmlns:r="http://schemas.openxmlformats.org/officeDocument/2006/relationships" xmlns:p="http://schemas.openxmlformats.org/presentationml/2006/main">
+  <p:cSld>
+    <p:spTree>
+      <p:nvGrpSpPr>
+        <p:cNvPr id="1" name="Shape 258"/>
+        <p:cNvGrpSpPr/>
+        <p:nvPr/>
+      </p:nvGrpSpPr>
+      <p:grpSpPr>
+        <a:xfrm>
+          <a:off x="0" y="0"/>
+          <a:ext cx="0" cy="0"/>
+          <a:chOff x="0" y="0"/>
+          <a:chExt cx="0" cy="0"/>
+        </a:xfrm>
+      </p:grpSpPr>
+      <p:sp>
+        <p:nvSpPr>
+          <p:cNvPr id="259" name="Google Shape;259;p12"/>
+          <p:cNvSpPr txBox="1"/>
+          <p:nvPr/>
+        </p:nvSpPr>
+        <p:spPr>
+          <a:xfrm>
+            <a:off x="401643" y="2170186"/>
+            <a:ext cx="9680690" cy="338554"/>
+          </a:xfrm>
+          <a:prstGeom prst="rect">
+            <a:avLst/>
+          </a:prstGeom>
+          <a:noFill/>
+          <a:ln>
+            <a:noFill/>
+          </a:ln>
+        </p:spPr>
+        <p:txBody>
+          <a:bodyPr spcFirstLastPara="1" wrap="square" lIns="91425" tIns="45700" rIns="91425" bIns="45700" anchor="t" anchorCtr="0">
+            <a:spAutoFit/>
+          </a:bodyPr>
+          <a:lstStyle/>
+          <a:p>
+            <a:pPr marL="0" marR="0" lvl="0" indent="0" algn="l" rtl="0">
+              <a:spcBef>
+                <a:spcPts val="0"/>
+              </a:spcBef>
+              <a:spcAft>
+                <a:spcPts val="0"/>
+              </a:spcAft>
+              <a:buNone/>
+            </a:pPr>
+            <a:r>
+              <a:rPr lang="en-US" sz="1600">
+                <a:solidFill>
+                  <a:schemeClr val="dk1"/>
+                </a:solidFill>
+                <a:latin typeface="Avenir"/>
+                <a:ea typeface="Avenir"/>
+                <a:cs typeface="Avenir"/>
+                <a:sym typeface="Avenir"/>
+              </a:rPr>
+              <a:t>The many paths we didn’t explore, the researcher degrees of freedom we used </a:t>
+            </a:r>
+            <a:endParaRPr/>
+          </a:p>
+        </p:txBody>
+      </p:sp>
+      <p:sp>
+        <p:nvSpPr>
+          <p:cNvPr id="260" name="Google Shape;260;p12"/>
+          <p:cNvSpPr txBox="1"/>
+          <p:nvPr/>
+        </p:nvSpPr>
+        <p:spPr>
+          <a:xfrm>
+            <a:off x="401643" y="1736532"/>
+            <a:ext cx="10524858" cy="461665"/>
+          </a:xfrm>
+          <a:prstGeom prst="rect">
+            <a:avLst/>
+          </a:prstGeom>
+          <a:noFill/>
+          <a:ln>
+            <a:noFill/>
+          </a:ln>
+        </p:spPr>
+        <p:txBody>
+          <a:bodyPr spcFirstLastPara="1" wrap="square" lIns="91425" tIns="45700" rIns="91425" bIns="45700" anchor="t" anchorCtr="0">
+            <a:spAutoFit/>
+          </a:bodyPr>
+          <a:lstStyle/>
+          <a:p>
+            <a:pPr marL="0" marR="0" lvl="0" indent="0" algn="l" rtl="0">
+              <a:spcBef>
+                <a:spcPts val="0"/>
+              </a:spcBef>
+              <a:spcAft>
+                <a:spcPts val="0"/>
+              </a:spcAft>
+              <a:buNone/>
+            </a:pPr>
+            <a:r>
+              <a:rPr lang="en-US" sz="2400">
+                <a:solidFill>
+                  <a:srgbClr val="000000"/>
+                </a:solidFill>
+                <a:latin typeface="Avenir"/>
+                <a:ea typeface="Avenir"/>
+                <a:cs typeface="Avenir"/>
+                <a:sym typeface="Avenir"/>
+              </a:rPr>
+              <a:t>Questions and Comments</a:t>
+            </a:r>
+            <a:endParaRPr/>
+          </a:p>
+        </p:txBody>
+      </p:sp>
+      <p:cxnSp>
+        <p:nvCxnSpPr>
+          <p:cNvPr id="261" name="Google Shape;261;p12"/>
+          <p:cNvCxnSpPr/>
+          <p:nvPr/>
+        </p:nvCxnSpPr>
+        <p:spPr>
+          <a:xfrm>
+            <a:off x="285896" y="1840376"/>
+            <a:ext cx="0" cy="578734"/>
+          </a:xfrm>
+          <a:prstGeom prst="straightConnector1">
+            <a:avLst/>
+          </a:prstGeom>
+          <a:noFill/>
+          <a:ln w="76200" cap="flat" cmpd="sng">
+            <a:solidFill>
+              <a:schemeClr val="dk1"/>
+            </a:solidFill>
+            <a:prstDash val="solid"/>
+            <a:miter lim="800000"/>
+            <a:headEnd type="none" w="sm" len="sm"/>
+            <a:tailEnd type="none" w="sm" len="sm"/>
+          </a:ln>
+        </p:spPr>
+      </p:cxnSp>
+      <p:sp>
+        <p:nvSpPr>
+          <p:cNvPr id="262" name="Google Shape;262;p12"/>
+          <p:cNvSpPr txBox="1"/>
+          <p:nvPr/>
+        </p:nvSpPr>
+        <p:spPr>
+          <a:xfrm>
+            <a:off x="401643" y="3294369"/>
+            <a:ext cx="10617456" cy="1200329"/>
+          </a:xfrm>
+          <a:prstGeom prst="rect">
+            <a:avLst/>
+          </a:prstGeom>
+          <a:noFill/>
+          <a:ln>
+            <a:noFill/>
+          </a:ln>
+        </p:spPr>
+        <p:txBody>
+          <a:bodyPr spcFirstLastPara="1" wrap="square" lIns="91425" tIns="45700" rIns="91425" bIns="45700" anchor="t" anchorCtr="0">
+            <a:spAutoFit/>
+          </a:bodyPr>
+          <a:lstStyle/>
+          <a:p>
+            <a:pPr marL="0" marR="0" lvl="0" indent="0" algn="l" rtl="0">
+              <a:spcBef>
+                <a:spcPts val="0"/>
+              </a:spcBef>
+              <a:spcAft>
+                <a:spcPts val="0"/>
+              </a:spcAft>
+              <a:buNone/>
+            </a:pPr>
+            <a:r>
+              <a:rPr lang="en-US" sz="1800" i="1">
+                <a:solidFill>
+                  <a:schemeClr val="dk1"/>
+                </a:solidFill>
+                <a:latin typeface="Palatino Linotype"/>
+                <a:ea typeface="Palatino Linotype"/>
+                <a:cs typeface="Palatino Linotype"/>
+                <a:sym typeface="Palatino Linotype"/>
+              </a:rPr>
+              <a:t>Please contact me at </a:t>
+            </a:r>
+            <a:r>
+              <a:rPr lang="en-US" sz="1800" i="1" u="sng">
+                <a:solidFill>
+                  <a:schemeClr val="dk1"/>
+                </a:solidFill>
+                <a:latin typeface="Palatino Linotype"/>
+                <a:ea typeface="Palatino Linotype"/>
+                <a:cs typeface="Palatino Linotype"/>
+                <a:sym typeface="Palatino Linotype"/>
+                <a:hlinkClick r:id="rId3">
+                  <a:extLst>
+                    <a:ext uri="{A12FA001-AC4F-418D-AE19-62706E023703}">
+                      <ahyp:hlinkClr xmlns:ahyp="http://schemas.microsoft.com/office/drawing/2018/hyperlinkcolor" val="tx"/>
+                    </a:ext>
+                  </a:extLst>
+                </a:hlinkClick>
+              </a:rPr>
+              <a:t>peterkedron@ucsb.edu</a:t>
+            </a:r>
+            <a:r>
+              <a:rPr lang="en-US" sz="1800" i="1">
+                <a:solidFill>
+                  <a:schemeClr val="dk1"/>
+                </a:solidFill>
+                <a:latin typeface="Palatino Linotype"/>
+                <a:ea typeface="Palatino Linotype"/>
+                <a:cs typeface="Palatino Linotype"/>
+                <a:sym typeface="Palatino Linotype"/>
+              </a:rPr>
+              <a:t> for the data and code used in this analysis.</a:t>
+            </a:r>
+            <a:r>
+              <a:rPr lang="en-US" sz="1800">
+                <a:solidFill>
+                  <a:schemeClr val="dk1"/>
+                </a:solidFill>
+                <a:latin typeface="Palatino Linotype"/>
+                <a:ea typeface="Palatino Linotype"/>
+                <a:cs typeface="Palatino Linotype"/>
+                <a:sym typeface="Palatino Linotype"/>
+              </a:rPr>
+              <a:t> Our GitHub repository is currently under development and quite messy. However, we should have a clean repository (with messy development history tracked through version control) available soon along with a preprint summarizing our findings.</a:t>
+            </a:r>
+            <a:endParaRPr/>
+          </a:p>
+        </p:txBody>
+      </p:sp>
+      <p:sp>
+        <p:nvSpPr>
+          <p:cNvPr id="263" name="Google Shape;263;p12"/>
+          <p:cNvSpPr txBox="1"/>
+          <p:nvPr/>
+        </p:nvSpPr>
+        <p:spPr>
+          <a:xfrm>
+            <a:off x="274320" y="6466114"/>
+            <a:ext cx="6010729" cy="276999"/>
+          </a:xfrm>
+          <a:prstGeom prst="rect">
+            <a:avLst/>
+          </a:prstGeom>
+          <a:noFill/>
+          <a:ln>
+            <a:noFill/>
+          </a:ln>
+        </p:spPr>
+        <p:txBody>
+          <a:bodyPr spcFirstLastPara="1" wrap="square" lIns="91425" tIns="45700" rIns="91425" bIns="45700" anchor="t" anchorCtr="0">
+            <a:spAutoFit/>
+          </a:bodyPr>
+          <a:lstStyle/>
+          <a:p>
+            <a:pPr marL="0" marR="0" lvl="0" indent="0" algn="l" rtl="0">
+              <a:spcBef>
+                <a:spcPts val="0"/>
+              </a:spcBef>
+              <a:spcAft>
+                <a:spcPts val="0"/>
+              </a:spcAft>
+              <a:buNone/>
+            </a:pPr>
+            <a:r>
+              <a:rPr lang="en-US" sz="1200">
+                <a:solidFill>
+                  <a:schemeClr val="dk1"/>
+                </a:solidFill>
+                <a:latin typeface="Avenir"/>
+                <a:ea typeface="Avenir"/>
+                <a:cs typeface="Avenir"/>
+                <a:sym typeface="Avenir"/>
+              </a:rPr>
+              <a:t>2024 Annual Meeting of the American Association of Geographers  |  Honolulu, HI </a:t>
+            </a:r>
+            <a:endParaRPr/>
+          </a:p>
+        </p:txBody>
+      </p:sp>
+    </p:spTree>
+  </p:cSld>
+  <p:clrMapOvr>
+    <a:masterClrMapping/>
+  </p:clrMapOvr>
+</p:sld>
+</file>
+
+<file path=ppt/slides/slide14.xml><?xml version="1.0" encoding="utf-8"?>
+<p:sld xmlns:a="http://schemas.openxmlformats.org/drawingml/2006/main" xmlns:r="http://schemas.openxmlformats.org/officeDocument/2006/relationships" xmlns:p="http://schemas.openxmlformats.org/presentationml/2006/main">
+  <p:cSld>
+    <p:spTree>
+      <p:nvGrpSpPr>
+        <p:cNvPr id="1" name="Shape 229"/>
+        <p:cNvGrpSpPr/>
+        <p:nvPr/>
+      </p:nvGrpSpPr>
+      <p:grpSpPr>
+        <a:xfrm>
+          <a:off x="0" y="0"/>
+          <a:ext cx="0" cy="0"/>
+          <a:chOff x="0" y="0"/>
+          <a:chExt cx="0" cy="0"/>
+        </a:xfrm>
+      </p:grpSpPr>
+      <p:sp>
+        <p:nvSpPr>
+          <p:cNvPr id="230" name="Google Shape;230;p10"/>
+          <p:cNvSpPr txBox="1"/>
+          <p:nvPr/>
+        </p:nvSpPr>
+        <p:spPr>
+          <a:xfrm>
+            <a:off x="274322" y="6444476"/>
+            <a:ext cx="1107131" cy="276999"/>
+          </a:xfrm>
+          <a:prstGeom prst="rect">
+            <a:avLst/>
+          </a:prstGeom>
+          <a:noFill/>
+          <a:ln>
+            <a:noFill/>
+          </a:ln>
+        </p:spPr>
+        <p:txBody>
+          <a:bodyPr spcFirstLastPara="1" wrap="square" lIns="91425" tIns="45700" rIns="91425" bIns="45700" anchor="t" anchorCtr="0">
+            <a:spAutoFit/>
+          </a:bodyPr>
+          <a:lstStyle/>
+          <a:p>
+            <a:pPr marL="0" marR="0" lvl="0" indent="0" algn="l" rtl="0">
+              <a:spcBef>
+                <a:spcPts val="0"/>
+              </a:spcBef>
+              <a:spcAft>
+                <a:spcPts val="0"/>
+              </a:spcAft>
+              <a:buNone/>
+            </a:pPr>
+            <a:r>
+              <a:rPr lang="en-US" sz="1200">
+                <a:solidFill>
+                  <a:schemeClr val="dk1"/>
+                </a:solidFill>
+                <a:latin typeface="Avenir"/>
+                <a:ea typeface="Avenir"/>
+                <a:cs typeface="Avenir"/>
+                <a:sym typeface="Avenir"/>
+              </a:rPr>
+              <a:t>Kedron et al.</a:t>
+            </a:r>
+            <a:endParaRPr/>
+          </a:p>
+        </p:txBody>
+      </p:sp>
+      <p:sp>
+        <p:nvSpPr>
+          <p:cNvPr id="231" name="Google Shape;231;p10"/>
+          <p:cNvSpPr txBox="1"/>
+          <p:nvPr/>
+        </p:nvSpPr>
+        <p:spPr>
+          <a:xfrm>
+            <a:off x="1388596" y="6450060"/>
+            <a:ext cx="4803859" cy="276999"/>
+          </a:xfrm>
+          <a:prstGeom prst="rect">
+            <a:avLst/>
+          </a:prstGeom>
+          <a:noFill/>
+          <a:ln>
+            <a:noFill/>
+          </a:ln>
+        </p:spPr>
+        <p:txBody>
+          <a:bodyPr spcFirstLastPara="1" wrap="square" lIns="91425" tIns="45700" rIns="91425" bIns="45700" anchor="t" anchorCtr="0">
+            <a:spAutoFit/>
+          </a:bodyPr>
+          <a:lstStyle/>
+          <a:p>
+            <a:pPr marL="0" marR="0" lvl="0" indent="0" algn="l" rtl="0">
+              <a:spcBef>
+                <a:spcPts val="0"/>
+              </a:spcBef>
+              <a:spcAft>
+                <a:spcPts val="0"/>
+              </a:spcAft>
+              <a:buNone/>
+            </a:pPr>
+            <a:r>
+              <a:rPr lang="en-US" sz="1200">
+                <a:solidFill>
+                  <a:srgbClr val="757070"/>
+                </a:solidFill>
+                <a:latin typeface="Avenir"/>
+                <a:ea typeface="Avenir"/>
+                <a:cs typeface="Avenir"/>
+                <a:sym typeface="Avenir"/>
+              </a:rPr>
+              <a:t>Does PA Connectivity Moderate the Efficacy of Protection?</a:t>
+            </a:r>
+            <a:endParaRPr/>
+          </a:p>
+        </p:txBody>
+      </p:sp>
+      <p:cxnSp>
+        <p:nvCxnSpPr>
+          <p:cNvPr id="232" name="Google Shape;232;p10"/>
+          <p:cNvCxnSpPr/>
+          <p:nvPr/>
+        </p:nvCxnSpPr>
+        <p:spPr>
+          <a:xfrm flipH="1">
+            <a:off x="1379071" y="6503595"/>
+            <a:ext cx="2382" cy="133351"/>
+          </a:xfrm>
+          <a:prstGeom prst="straightConnector1">
+            <a:avLst/>
+          </a:prstGeom>
+          <a:noFill/>
+          <a:ln w="9525" cap="flat" cmpd="sng">
+            <a:solidFill>
+              <a:schemeClr val="dk1"/>
+            </a:solidFill>
+            <a:prstDash val="solid"/>
+            <a:miter lim="800000"/>
+            <a:headEnd type="none" w="sm" len="sm"/>
+            <a:tailEnd type="none" w="sm" len="sm"/>
+          </a:ln>
+        </p:spPr>
+      </p:cxnSp>
+      <p:sp>
+        <p:nvSpPr>
+          <p:cNvPr id="233" name="Google Shape;233;p10"/>
+          <p:cNvSpPr txBox="1">
+            <a:spLocks noGrp="1"/>
+          </p:cNvSpPr>
+          <p:nvPr>
+            <p:ph type="sldNum" idx="12"/>
+          </p:nvPr>
+        </p:nvSpPr>
+        <p:spPr>
+          <a:xfrm>
+            <a:off x="11529521" y="6466114"/>
+            <a:ext cx="400304" cy="266178"/>
+          </a:xfrm>
+          <a:prstGeom prst="rect">
+            <a:avLst/>
+          </a:prstGeom>
+          <a:noFill/>
+          <a:ln>
+            <a:noFill/>
+          </a:ln>
+        </p:spPr>
+        <p:txBody>
+          <a:bodyPr spcFirstLastPara="1" wrap="square" lIns="91425" tIns="45700" rIns="91425" bIns="45700" anchor="ctr" anchorCtr="0">
+            <a:noAutofit/>
+          </a:bodyPr>
+          <a:lstStyle/>
+          <a:p>
+            <a:pPr marL="0" lvl="0" indent="0" algn="r" rtl="0">
+              <a:spcBef>
+                <a:spcPts val="0"/>
+              </a:spcBef>
+              <a:spcAft>
+                <a:spcPts val="0"/>
+              </a:spcAft>
+              <a:buNone/>
+            </a:pPr>
+            <a:fld id="{00000000-1234-1234-1234-123412341234}" type="slidenum">
+              <a:rPr lang="en-US">
+                <a:solidFill>
+                  <a:schemeClr val="dk1"/>
+                </a:solidFill>
+                <a:latin typeface="Avenir"/>
+                <a:ea typeface="Avenir"/>
+                <a:cs typeface="Avenir"/>
+                <a:sym typeface="Avenir"/>
+              </a:rPr>
+              <a:t>14</a:t>
+            </a:fld>
+            <a:endParaRPr>
+              <a:solidFill>
+                <a:schemeClr val="dk1"/>
+              </a:solidFill>
+              <a:latin typeface="Avenir"/>
+              <a:ea typeface="Avenir"/>
+              <a:cs typeface="Avenir"/>
+              <a:sym typeface="Avenir"/>
+            </a:endParaRPr>
+          </a:p>
+        </p:txBody>
+      </p:sp>
+      <p:cxnSp>
+        <p:nvCxnSpPr>
+          <p:cNvPr id="234" name="Google Shape;234;p10"/>
+          <p:cNvCxnSpPr/>
+          <p:nvPr/>
+        </p:nvCxnSpPr>
+        <p:spPr>
+          <a:xfrm flipH="1">
+            <a:off x="11524759" y="6527118"/>
+            <a:ext cx="2381" cy="133351"/>
+          </a:xfrm>
+          <a:prstGeom prst="straightConnector1">
+            <a:avLst/>
+          </a:prstGeom>
+          <a:noFill/>
+          <a:ln w="9525" cap="flat" cmpd="sng">
+            <a:solidFill>
+              <a:schemeClr val="dk1"/>
+            </a:solidFill>
+            <a:prstDash val="solid"/>
+            <a:miter lim="800000"/>
+            <a:headEnd type="none" w="sm" len="sm"/>
+            <a:tailEnd type="none" w="sm" len="sm"/>
+          </a:ln>
+        </p:spPr>
+      </p:cxnSp>
+      <p:sp>
+        <p:nvSpPr>
+          <p:cNvPr id="235" name="Google Shape;235;p10"/>
+          <p:cNvSpPr txBox="1"/>
+          <p:nvPr/>
+        </p:nvSpPr>
+        <p:spPr>
+          <a:xfrm>
+            <a:off x="7150561" y="6455293"/>
+            <a:ext cx="4371817" cy="276999"/>
+          </a:xfrm>
+          <a:prstGeom prst="rect">
+            <a:avLst/>
+          </a:prstGeom>
+          <a:noFill/>
+          <a:ln>
+            <a:noFill/>
+          </a:ln>
+        </p:spPr>
+        <p:txBody>
+          <a:bodyPr spcFirstLastPara="1" wrap="square" lIns="91425" tIns="45700" rIns="91425" bIns="45700" anchor="t" anchorCtr="0">
+            <a:spAutoFit/>
+          </a:bodyPr>
+          <a:lstStyle/>
+          <a:p>
+            <a:pPr marL="0" marR="0" lvl="0" indent="0" algn="r" rtl="0">
+              <a:spcBef>
+                <a:spcPts val="0"/>
+              </a:spcBef>
+              <a:spcAft>
+                <a:spcPts val="0"/>
+              </a:spcAft>
+              <a:buNone/>
+            </a:pPr>
+            <a:r>
+              <a:rPr lang="en-US" sz="1200">
+                <a:solidFill>
+                  <a:srgbClr val="757070"/>
+                </a:solidFill>
+                <a:latin typeface="Avenir"/>
+                <a:ea typeface="Avenir"/>
+                <a:cs typeface="Avenir"/>
+                <a:sym typeface="Avenir"/>
+              </a:rPr>
+              <a:t>Replication Outcomes</a:t>
+            </a:r>
+            <a:endParaRPr/>
+          </a:p>
+        </p:txBody>
+      </p:sp>
+      <p:sp>
+        <p:nvSpPr>
+          <p:cNvPr id="236" name="Google Shape;236;p10"/>
+          <p:cNvSpPr txBox="1"/>
+          <p:nvPr/>
+        </p:nvSpPr>
+        <p:spPr>
+          <a:xfrm>
+            <a:off x="354415" y="656943"/>
+            <a:ext cx="9796437" cy="338554"/>
+          </a:xfrm>
+          <a:prstGeom prst="rect">
+            <a:avLst/>
+          </a:prstGeom>
+          <a:noFill/>
+          <a:ln>
+            <a:noFill/>
+          </a:ln>
+        </p:spPr>
+        <p:txBody>
+          <a:bodyPr spcFirstLastPara="1" wrap="square" lIns="91425" tIns="45700" rIns="91425" bIns="45700" anchor="t" anchorCtr="0">
+            <a:spAutoFit/>
+          </a:bodyPr>
+          <a:lstStyle/>
+          <a:p>
+            <a:pPr marL="0" marR="0" lvl="0" indent="0" algn="l" rtl="0">
+              <a:spcBef>
+                <a:spcPts val="0"/>
+              </a:spcBef>
+              <a:spcAft>
+                <a:spcPts val="0"/>
+              </a:spcAft>
+              <a:buNone/>
+            </a:pPr>
+            <a:r>
+              <a:rPr lang="en-US" sz="1600" dirty="0">
+                <a:solidFill>
+                  <a:schemeClr val="dk1"/>
+                </a:solidFill>
+                <a:latin typeface="Avenir"/>
+                <a:ea typeface="Avenir"/>
+                <a:cs typeface="Avenir"/>
+                <a:sym typeface="Avenir"/>
+              </a:rPr>
+              <a:t>PA efficacy has some sensitivity to dispersal distance selection, but statistically indistinguishable</a:t>
+            </a:r>
+            <a:endParaRPr dirty="0"/>
+          </a:p>
+        </p:txBody>
+      </p:sp>
+      <p:sp>
+        <p:nvSpPr>
+          <p:cNvPr id="237" name="Google Shape;237;p10"/>
+          <p:cNvSpPr txBox="1"/>
+          <p:nvPr/>
+        </p:nvSpPr>
+        <p:spPr>
+          <a:xfrm>
+            <a:off x="354415" y="208673"/>
+            <a:ext cx="7736395" cy="461665"/>
+          </a:xfrm>
+          <a:prstGeom prst="rect">
+            <a:avLst/>
+          </a:prstGeom>
+          <a:noFill/>
+          <a:ln>
+            <a:noFill/>
+          </a:ln>
+        </p:spPr>
+        <p:txBody>
+          <a:bodyPr spcFirstLastPara="1" wrap="square" lIns="91425" tIns="45700" rIns="91425" bIns="45700" anchor="t" anchorCtr="0">
+            <a:spAutoFit/>
+          </a:bodyPr>
+          <a:lstStyle/>
+          <a:p>
+            <a:pPr marL="0" marR="0" lvl="0" indent="0" algn="l" rtl="0">
+              <a:spcBef>
+                <a:spcPts val="0"/>
+              </a:spcBef>
+              <a:spcAft>
+                <a:spcPts val="0"/>
+              </a:spcAft>
+              <a:buNone/>
+            </a:pPr>
+            <a:r>
+              <a:rPr lang="en-US" sz="2400" dirty="0">
+                <a:solidFill>
+                  <a:srgbClr val="000000"/>
+                </a:solidFill>
+                <a:latin typeface="Avenir"/>
+                <a:ea typeface="Avenir"/>
+                <a:cs typeface="Avenir"/>
+                <a:sym typeface="Avenir"/>
+              </a:rPr>
+              <a:t>Robustness Check of PA Efficacy</a:t>
+            </a:r>
+            <a:endParaRPr dirty="0"/>
+          </a:p>
+        </p:txBody>
+      </p:sp>
+      <p:cxnSp>
+        <p:nvCxnSpPr>
+          <p:cNvPr id="238" name="Google Shape;238;p10"/>
+          <p:cNvCxnSpPr/>
+          <p:nvPr/>
+        </p:nvCxnSpPr>
+        <p:spPr>
+          <a:xfrm>
+            <a:off x="274321" y="250731"/>
+            <a:ext cx="0" cy="673423"/>
+          </a:xfrm>
+          <a:prstGeom prst="straightConnector1">
+            <a:avLst/>
+          </a:prstGeom>
+          <a:noFill/>
+          <a:ln w="76200" cap="flat" cmpd="sng">
+            <a:solidFill>
+              <a:schemeClr val="dk1"/>
+            </a:solidFill>
+            <a:prstDash val="solid"/>
+            <a:miter lim="800000"/>
+            <a:headEnd type="none" w="sm" len="sm"/>
+            <a:tailEnd type="none" w="sm" len="sm"/>
+          </a:ln>
+        </p:spPr>
+      </p:cxnSp>
+      <p:pic>
+        <p:nvPicPr>
           <p:cNvPr id="3" name="Picture 2">
             <a:extLst>
               <a:ext uri="{FF2B5EF4-FFF2-40B4-BE49-F238E27FC236}">
@@ -15233,7 +17839,7 @@
 </p:sld>
 </file>
 
-<file path=ppt/slides/slide12.xml><?xml version="1.0" encoding="utf-8"?>
+<file path=ppt/slides/slide15.xml><?xml version="1.0" encoding="utf-8"?>
 <p:sld xmlns:a="http://schemas.openxmlformats.org/drawingml/2006/main" xmlns:r="http://schemas.openxmlformats.org/officeDocument/2006/relationships" xmlns:p="http://schemas.openxmlformats.org/presentationml/2006/main">
   <p:cSld>
     <p:spTree>
@@ -15453,7 +18059,7 @@
                 <a:cs typeface="Avenir"/>
                 <a:sym typeface="Avenir"/>
               </a:rPr>
-              <a:t>12</a:t>
+              <a:t>15</a:t>
             </a:fld>
             <a:endParaRPr>
               <a:solidFill>
@@ -15766,1229 +18372,7 @@
 </p:sld>
 </file>
 
-<file path=ppt/slides/slide13.xml><?xml version="1.0" encoding="utf-8"?>
-<p:sld xmlns:a="http://schemas.openxmlformats.org/drawingml/2006/main" xmlns:r="http://schemas.openxmlformats.org/officeDocument/2006/relationships" xmlns:p="http://schemas.openxmlformats.org/presentationml/2006/main">
-  <p:cSld>
-    <p:spTree>
-      <p:nvGrpSpPr>
-        <p:cNvPr id="1" name="Shape 244"/>
-        <p:cNvGrpSpPr/>
-        <p:nvPr/>
-      </p:nvGrpSpPr>
-      <p:grpSpPr>
-        <a:xfrm>
-          <a:off x="0" y="0"/>
-          <a:ext cx="0" cy="0"/>
-          <a:chOff x="0" y="0"/>
-          <a:chExt cx="0" cy="0"/>
-        </a:xfrm>
-      </p:grpSpPr>
-      <p:sp>
-        <p:nvSpPr>
-          <p:cNvPr id="245" name="Google Shape;245;p11"/>
-          <p:cNvSpPr txBox="1"/>
-          <p:nvPr/>
-        </p:nvSpPr>
-        <p:spPr>
-          <a:xfrm>
-            <a:off x="274322" y="6444476"/>
-            <a:ext cx="1107131" cy="276999"/>
-          </a:xfrm>
-          <a:prstGeom prst="rect">
-            <a:avLst/>
-          </a:prstGeom>
-          <a:noFill/>
-          <a:ln>
-            <a:noFill/>
-          </a:ln>
-        </p:spPr>
-        <p:txBody>
-          <a:bodyPr spcFirstLastPara="1" wrap="square" lIns="91425" tIns="45700" rIns="91425" bIns="45700" anchor="t" anchorCtr="0">
-            <a:spAutoFit/>
-          </a:bodyPr>
-          <a:lstStyle/>
-          <a:p>
-            <a:pPr marL="0" marR="0" lvl="0" indent="0" algn="l" rtl="0">
-              <a:spcBef>
-                <a:spcPts val="0"/>
-              </a:spcBef>
-              <a:spcAft>
-                <a:spcPts val="0"/>
-              </a:spcAft>
-              <a:buNone/>
-            </a:pPr>
-            <a:r>
-              <a:rPr lang="en-US" sz="1200">
-                <a:solidFill>
-                  <a:schemeClr val="dk1"/>
-                </a:solidFill>
-                <a:latin typeface="Avenir"/>
-                <a:ea typeface="Avenir"/>
-                <a:cs typeface="Avenir"/>
-                <a:sym typeface="Avenir"/>
-              </a:rPr>
-              <a:t>Kedron et al.</a:t>
-            </a:r>
-            <a:endParaRPr/>
-          </a:p>
-        </p:txBody>
-      </p:sp>
-      <p:sp>
-        <p:nvSpPr>
-          <p:cNvPr id="246" name="Google Shape;246;p11"/>
-          <p:cNvSpPr txBox="1"/>
-          <p:nvPr/>
-        </p:nvSpPr>
-        <p:spPr>
-          <a:xfrm>
-            <a:off x="1388596" y="6450060"/>
-            <a:ext cx="4803859" cy="276999"/>
-          </a:xfrm>
-          <a:prstGeom prst="rect">
-            <a:avLst/>
-          </a:prstGeom>
-          <a:noFill/>
-          <a:ln>
-            <a:noFill/>
-          </a:ln>
-        </p:spPr>
-        <p:txBody>
-          <a:bodyPr spcFirstLastPara="1" wrap="square" lIns="91425" tIns="45700" rIns="91425" bIns="45700" anchor="t" anchorCtr="0">
-            <a:spAutoFit/>
-          </a:bodyPr>
-          <a:lstStyle/>
-          <a:p>
-            <a:pPr marL="0" marR="0" lvl="0" indent="0" algn="l" rtl="0">
-              <a:spcBef>
-                <a:spcPts val="0"/>
-              </a:spcBef>
-              <a:spcAft>
-                <a:spcPts val="0"/>
-              </a:spcAft>
-              <a:buNone/>
-            </a:pPr>
-            <a:r>
-              <a:rPr lang="en-US" sz="1200">
-                <a:solidFill>
-                  <a:srgbClr val="757070"/>
-                </a:solidFill>
-                <a:latin typeface="Avenir"/>
-                <a:ea typeface="Avenir"/>
-                <a:cs typeface="Avenir"/>
-                <a:sym typeface="Avenir"/>
-              </a:rPr>
-              <a:t>Does PA Connectivity Moderate the Efficacy of Protection?</a:t>
-            </a:r>
-            <a:endParaRPr/>
-          </a:p>
-        </p:txBody>
-      </p:sp>
-      <p:cxnSp>
-        <p:nvCxnSpPr>
-          <p:cNvPr id="247" name="Google Shape;247;p11"/>
-          <p:cNvCxnSpPr/>
-          <p:nvPr/>
-        </p:nvCxnSpPr>
-        <p:spPr>
-          <a:xfrm flipH="1">
-            <a:off x="1379071" y="6503595"/>
-            <a:ext cx="2382" cy="133351"/>
-          </a:xfrm>
-          <a:prstGeom prst="straightConnector1">
-            <a:avLst/>
-          </a:prstGeom>
-          <a:noFill/>
-          <a:ln w="9525" cap="flat" cmpd="sng">
-            <a:solidFill>
-              <a:schemeClr val="dk1"/>
-            </a:solidFill>
-            <a:prstDash val="solid"/>
-            <a:miter lim="800000"/>
-            <a:headEnd type="none" w="sm" len="sm"/>
-            <a:tailEnd type="none" w="sm" len="sm"/>
-          </a:ln>
-        </p:spPr>
-      </p:cxnSp>
-      <p:sp>
-        <p:nvSpPr>
-          <p:cNvPr id="248" name="Google Shape;248;p11"/>
-          <p:cNvSpPr txBox="1">
-            <a:spLocks noGrp="1"/>
-          </p:cNvSpPr>
-          <p:nvPr>
-            <p:ph type="sldNum" idx="12"/>
-          </p:nvPr>
-        </p:nvSpPr>
-        <p:spPr>
-          <a:xfrm>
-            <a:off x="11529521" y="6466114"/>
-            <a:ext cx="400304" cy="266178"/>
-          </a:xfrm>
-          <a:prstGeom prst="rect">
-            <a:avLst/>
-          </a:prstGeom>
-          <a:noFill/>
-          <a:ln>
-            <a:noFill/>
-          </a:ln>
-        </p:spPr>
-        <p:txBody>
-          <a:bodyPr spcFirstLastPara="1" wrap="square" lIns="91425" tIns="45700" rIns="91425" bIns="45700" anchor="ctr" anchorCtr="0">
-            <a:noAutofit/>
-          </a:bodyPr>
-          <a:lstStyle/>
-          <a:p>
-            <a:pPr marL="0" lvl="0" indent="0" algn="r" rtl="0">
-              <a:spcBef>
-                <a:spcPts val="0"/>
-              </a:spcBef>
-              <a:spcAft>
-                <a:spcPts val="0"/>
-              </a:spcAft>
-              <a:buNone/>
-            </a:pPr>
-            <a:fld id="{00000000-1234-1234-1234-123412341234}" type="slidenum">
-              <a:rPr lang="en-US">
-                <a:solidFill>
-                  <a:schemeClr val="dk1"/>
-                </a:solidFill>
-                <a:latin typeface="Avenir"/>
-                <a:ea typeface="Avenir"/>
-                <a:cs typeface="Avenir"/>
-                <a:sym typeface="Avenir"/>
-              </a:rPr>
-              <a:t>13</a:t>
-            </a:fld>
-            <a:endParaRPr>
-              <a:solidFill>
-                <a:schemeClr val="dk1"/>
-              </a:solidFill>
-              <a:latin typeface="Avenir"/>
-              <a:ea typeface="Avenir"/>
-              <a:cs typeface="Avenir"/>
-              <a:sym typeface="Avenir"/>
-            </a:endParaRPr>
-          </a:p>
-        </p:txBody>
-      </p:sp>
-      <p:cxnSp>
-        <p:nvCxnSpPr>
-          <p:cNvPr id="249" name="Google Shape;249;p11"/>
-          <p:cNvCxnSpPr/>
-          <p:nvPr/>
-        </p:nvCxnSpPr>
-        <p:spPr>
-          <a:xfrm flipH="1">
-            <a:off x="11524759" y="6527118"/>
-            <a:ext cx="2381" cy="133351"/>
-          </a:xfrm>
-          <a:prstGeom prst="straightConnector1">
-            <a:avLst/>
-          </a:prstGeom>
-          <a:noFill/>
-          <a:ln w="9525" cap="flat" cmpd="sng">
-            <a:solidFill>
-              <a:schemeClr val="dk1"/>
-            </a:solidFill>
-            <a:prstDash val="solid"/>
-            <a:miter lim="800000"/>
-            <a:headEnd type="none" w="sm" len="sm"/>
-            <a:tailEnd type="none" w="sm" len="sm"/>
-          </a:ln>
-        </p:spPr>
-      </p:cxnSp>
-      <p:sp>
-        <p:nvSpPr>
-          <p:cNvPr id="250" name="Google Shape;250;p11"/>
-          <p:cNvSpPr txBox="1"/>
-          <p:nvPr/>
-        </p:nvSpPr>
-        <p:spPr>
-          <a:xfrm>
-            <a:off x="7150561" y="6455293"/>
-            <a:ext cx="4371817" cy="276999"/>
-          </a:xfrm>
-          <a:prstGeom prst="rect">
-            <a:avLst/>
-          </a:prstGeom>
-          <a:noFill/>
-          <a:ln>
-            <a:noFill/>
-          </a:ln>
-        </p:spPr>
-        <p:txBody>
-          <a:bodyPr spcFirstLastPara="1" wrap="square" lIns="91425" tIns="45700" rIns="91425" bIns="45700" anchor="t" anchorCtr="0">
-            <a:spAutoFit/>
-          </a:bodyPr>
-          <a:lstStyle/>
-          <a:p>
-            <a:pPr marL="0" marR="0" lvl="0" indent="0" algn="r" rtl="0">
-              <a:spcBef>
-                <a:spcPts val="0"/>
-              </a:spcBef>
-              <a:spcAft>
-                <a:spcPts val="0"/>
-              </a:spcAft>
-              <a:buNone/>
-            </a:pPr>
-            <a:r>
-              <a:rPr lang="en-US" sz="1200">
-                <a:solidFill>
-                  <a:srgbClr val="757070"/>
-                </a:solidFill>
-                <a:latin typeface="Avenir"/>
-                <a:ea typeface="Avenir"/>
-                <a:cs typeface="Avenir"/>
-                <a:sym typeface="Avenir"/>
-              </a:rPr>
-              <a:t>Next Steps</a:t>
-            </a:r>
-            <a:endParaRPr/>
-          </a:p>
-        </p:txBody>
-      </p:sp>
-      <p:sp>
-        <p:nvSpPr>
-          <p:cNvPr id="251" name="Google Shape;251;p11"/>
-          <p:cNvSpPr txBox="1"/>
-          <p:nvPr/>
-        </p:nvSpPr>
-        <p:spPr>
-          <a:xfrm>
-            <a:off x="354415" y="656943"/>
-            <a:ext cx="9796437" cy="338554"/>
-          </a:xfrm>
-          <a:prstGeom prst="rect">
-            <a:avLst/>
-          </a:prstGeom>
-          <a:noFill/>
-          <a:ln>
-            <a:noFill/>
-          </a:ln>
-        </p:spPr>
-        <p:txBody>
-          <a:bodyPr spcFirstLastPara="1" wrap="square" lIns="91425" tIns="45700" rIns="91425" bIns="45700" anchor="t" anchorCtr="0">
-            <a:spAutoFit/>
-          </a:bodyPr>
-          <a:lstStyle/>
-          <a:p>
-            <a:pPr marL="0" marR="0" lvl="0" indent="0" algn="l" rtl="0">
-              <a:spcBef>
-                <a:spcPts val="0"/>
-              </a:spcBef>
-              <a:spcAft>
-                <a:spcPts val="0"/>
-              </a:spcAft>
-              <a:buNone/>
-            </a:pPr>
-            <a:r>
-              <a:rPr lang="en-US" sz="1600">
-                <a:solidFill>
-                  <a:schemeClr val="dk1"/>
-                </a:solidFill>
-                <a:latin typeface="Avenir"/>
-                <a:ea typeface="Avenir"/>
-                <a:cs typeface="Avenir"/>
-                <a:sym typeface="Avenir"/>
-              </a:rPr>
-              <a:t>Conducting additional analyses before pre-print publication and submission</a:t>
-            </a:r>
-            <a:endParaRPr/>
-          </a:p>
-        </p:txBody>
-      </p:sp>
-      <p:sp>
-        <p:nvSpPr>
-          <p:cNvPr id="252" name="Google Shape;252;p11"/>
-          <p:cNvSpPr txBox="1"/>
-          <p:nvPr/>
-        </p:nvSpPr>
-        <p:spPr>
-          <a:xfrm>
-            <a:off x="354415" y="208673"/>
-            <a:ext cx="7736395" cy="461665"/>
-          </a:xfrm>
-          <a:prstGeom prst="rect">
-            <a:avLst/>
-          </a:prstGeom>
-          <a:noFill/>
-          <a:ln>
-            <a:noFill/>
-          </a:ln>
-        </p:spPr>
-        <p:txBody>
-          <a:bodyPr spcFirstLastPara="1" wrap="square" lIns="91425" tIns="45700" rIns="91425" bIns="45700" anchor="t" anchorCtr="0">
-            <a:spAutoFit/>
-          </a:bodyPr>
-          <a:lstStyle/>
-          <a:p>
-            <a:pPr marL="0" marR="0" lvl="0" indent="0" algn="l" rtl="0">
-              <a:spcBef>
-                <a:spcPts val="0"/>
-              </a:spcBef>
-              <a:spcAft>
-                <a:spcPts val="0"/>
-              </a:spcAft>
-              <a:buNone/>
-            </a:pPr>
-            <a:r>
-              <a:rPr lang="en-US" sz="2400">
-                <a:solidFill>
-                  <a:srgbClr val="000000"/>
-                </a:solidFill>
-                <a:latin typeface="Avenir"/>
-                <a:ea typeface="Avenir"/>
-                <a:cs typeface="Avenir"/>
-                <a:sym typeface="Avenir"/>
-              </a:rPr>
-              <a:t>Further Modifications</a:t>
-            </a:r>
-            <a:endParaRPr/>
-          </a:p>
-        </p:txBody>
-      </p:sp>
-      <p:cxnSp>
-        <p:nvCxnSpPr>
-          <p:cNvPr id="253" name="Google Shape;253;p11"/>
-          <p:cNvCxnSpPr/>
-          <p:nvPr/>
-        </p:nvCxnSpPr>
-        <p:spPr>
-          <a:xfrm>
-            <a:off x="274321" y="250731"/>
-            <a:ext cx="0" cy="673423"/>
-          </a:xfrm>
-          <a:prstGeom prst="straightConnector1">
-            <a:avLst/>
-          </a:prstGeom>
-          <a:noFill/>
-          <a:ln w="76200" cap="flat" cmpd="sng">
-            <a:solidFill>
-              <a:schemeClr val="dk1"/>
-            </a:solidFill>
-            <a:prstDash val="solid"/>
-            <a:miter lim="800000"/>
-            <a:headEnd type="none" w="sm" len="sm"/>
-            <a:tailEnd type="none" w="sm" len="sm"/>
-          </a:ln>
-        </p:spPr>
-      </p:cxnSp>
-      <p:sp>
-        <p:nvSpPr>
-          <p:cNvPr id="11" name="Google Shape;181;p7">
-            <a:extLst>
-              <a:ext uri="{FF2B5EF4-FFF2-40B4-BE49-F238E27FC236}">
-                <a16:creationId xmlns:a16="http://schemas.microsoft.com/office/drawing/2014/main" id="{3E2666A7-58CA-4650-A436-669EE6171480}"/>
-              </a:ext>
-            </a:extLst>
-          </p:cNvPr>
-          <p:cNvSpPr txBox="1"/>
-          <p:nvPr/>
-        </p:nvSpPr>
-        <p:spPr>
-          <a:xfrm>
-            <a:off x="354415" y="1763480"/>
-            <a:ext cx="2034824" cy="400069"/>
-          </a:xfrm>
-          <a:prstGeom prst="rect">
-            <a:avLst/>
-          </a:prstGeom>
-          <a:noFill/>
-          <a:ln>
-            <a:noFill/>
-          </a:ln>
-        </p:spPr>
-        <p:txBody>
-          <a:bodyPr spcFirstLastPara="1" wrap="square" lIns="91425" tIns="45700" rIns="91425" bIns="45700" anchor="t" anchorCtr="0">
-            <a:spAutoFit/>
-          </a:bodyPr>
-          <a:lstStyle/>
-          <a:p>
-            <a:pPr marL="0" marR="0" lvl="0" indent="0" algn="l" rtl="0">
-              <a:spcBef>
-                <a:spcPts val="0"/>
-              </a:spcBef>
-              <a:spcAft>
-                <a:spcPts val="0"/>
-              </a:spcAft>
-              <a:buNone/>
-            </a:pPr>
-            <a:r>
-              <a:rPr lang="en-US" sz="2000" u="sng" dirty="0">
-                <a:solidFill>
-                  <a:schemeClr val="dk1"/>
-                </a:solidFill>
-                <a:latin typeface="Avenir"/>
-                <a:ea typeface="Avenir"/>
-                <a:cs typeface="Avenir"/>
-                <a:sym typeface="Avenir"/>
-              </a:rPr>
-              <a:t>Primary Findings</a:t>
-            </a:r>
-            <a:endParaRPr sz="2000" dirty="0"/>
-          </a:p>
-        </p:txBody>
-      </p:sp>
-      <p:sp>
-        <p:nvSpPr>
-          <p:cNvPr id="12" name="Google Shape;183;p7">
-            <a:extLst>
-              <a:ext uri="{FF2B5EF4-FFF2-40B4-BE49-F238E27FC236}">
-                <a16:creationId xmlns:a16="http://schemas.microsoft.com/office/drawing/2014/main" id="{EE14A8DD-AFB9-4834-9AE3-C5003331870A}"/>
-              </a:ext>
-            </a:extLst>
-          </p:cNvPr>
-          <p:cNvSpPr txBox="1"/>
-          <p:nvPr/>
-        </p:nvSpPr>
-        <p:spPr>
-          <a:xfrm>
-            <a:off x="354415" y="2165163"/>
-            <a:ext cx="1888042" cy="1077178"/>
-          </a:xfrm>
-          <a:prstGeom prst="rect">
-            <a:avLst/>
-          </a:prstGeom>
-          <a:noFill/>
-          <a:ln>
-            <a:noFill/>
-          </a:ln>
-        </p:spPr>
-        <p:txBody>
-          <a:bodyPr spcFirstLastPara="1" wrap="square" lIns="91425" tIns="45700" rIns="91425" bIns="45700" anchor="t" anchorCtr="0">
-            <a:spAutoFit/>
-          </a:bodyPr>
-          <a:lstStyle/>
-          <a:p>
-            <a:pPr marL="0" marR="0" lvl="0" indent="0" algn="l" rtl="0">
-              <a:spcBef>
-                <a:spcPts val="0"/>
-              </a:spcBef>
-              <a:spcAft>
-                <a:spcPts val="0"/>
-              </a:spcAft>
-              <a:buNone/>
-            </a:pPr>
-            <a:r>
-              <a:rPr lang="en-US" sz="2000" dirty="0">
-                <a:solidFill>
-                  <a:srgbClr val="C00000"/>
-                </a:solidFill>
-                <a:latin typeface="Palatino Linotype" panose="02040502050505030304" pitchFamily="18" charset="0"/>
-                <a:ea typeface="Avenir"/>
-                <a:cs typeface="Avenir"/>
-                <a:sym typeface="Avenir"/>
-              </a:rPr>
-              <a:t>Extension</a:t>
-            </a:r>
-            <a:r>
-              <a:rPr lang="en-US" sz="2000" dirty="0">
-                <a:solidFill>
-                  <a:schemeClr val="dk1"/>
-                </a:solidFill>
-                <a:latin typeface="Palatino Linotype" panose="02040502050505030304" pitchFamily="18" charset="0"/>
-                <a:ea typeface="Avenir"/>
-                <a:cs typeface="Avenir"/>
-                <a:sym typeface="Avenir"/>
-              </a:rPr>
-              <a:t> </a:t>
-            </a:r>
-          </a:p>
-          <a:p>
-            <a:pPr marL="0" marR="0" lvl="0" indent="0" algn="l" rtl="0">
-              <a:spcBef>
-                <a:spcPts val="0"/>
-              </a:spcBef>
-              <a:spcAft>
-                <a:spcPts val="0"/>
-              </a:spcAft>
-              <a:buNone/>
-            </a:pPr>
-            <a:endParaRPr lang="en-US" sz="2400" dirty="0">
-              <a:solidFill>
-                <a:schemeClr val="dk1"/>
-              </a:solidFill>
-              <a:latin typeface="Palatino Linotype" panose="02040502050505030304" pitchFamily="18" charset="0"/>
-              <a:sym typeface="Avenir"/>
-            </a:endParaRPr>
-          </a:p>
-          <a:p>
-            <a:pPr marL="0" marR="0" lvl="0" indent="0" algn="l" rtl="0">
-              <a:spcBef>
-                <a:spcPts val="0"/>
-              </a:spcBef>
-              <a:spcAft>
-                <a:spcPts val="0"/>
-              </a:spcAft>
-              <a:buNone/>
-            </a:pPr>
-            <a:r>
-              <a:rPr lang="en-US" sz="2000" dirty="0">
-                <a:solidFill>
-                  <a:schemeClr val="dk1"/>
-                </a:solidFill>
-                <a:latin typeface="Palatino Linotype" panose="02040502050505030304" pitchFamily="18" charset="0"/>
-                <a:sym typeface="Avenir"/>
-              </a:rPr>
-              <a:t>Reproduction</a:t>
-            </a:r>
-            <a:endParaRPr sz="2000" dirty="0">
-              <a:latin typeface="Palatino Linotype" panose="02040502050505030304" pitchFamily="18" charset="0"/>
-            </a:endParaRPr>
-          </a:p>
-        </p:txBody>
-      </p:sp>
-      <p:sp>
-        <p:nvSpPr>
-          <p:cNvPr id="13" name="Google Shape;185;p7">
-            <a:extLst>
-              <a:ext uri="{FF2B5EF4-FFF2-40B4-BE49-F238E27FC236}">
-                <a16:creationId xmlns:a16="http://schemas.microsoft.com/office/drawing/2014/main" id="{D38F5DCD-181F-4FE7-B6B3-47E25171590E}"/>
-              </a:ext>
-            </a:extLst>
-          </p:cNvPr>
-          <p:cNvSpPr txBox="1"/>
-          <p:nvPr/>
-        </p:nvSpPr>
-        <p:spPr>
-          <a:xfrm>
-            <a:off x="2604191" y="2165163"/>
-            <a:ext cx="9325634" cy="1477287"/>
-          </a:xfrm>
-          <a:prstGeom prst="rect">
-            <a:avLst/>
-          </a:prstGeom>
-          <a:noFill/>
-          <a:ln>
-            <a:noFill/>
-          </a:ln>
-        </p:spPr>
-        <p:txBody>
-          <a:bodyPr spcFirstLastPara="1" wrap="square" lIns="91425" tIns="45700" rIns="91425" bIns="45700" anchor="t" anchorCtr="0">
-            <a:spAutoFit/>
-          </a:bodyPr>
-          <a:lstStyle/>
-          <a:p>
-            <a:pPr>
-              <a:spcAft>
-                <a:spcPts val="600"/>
-              </a:spcAft>
-            </a:pPr>
-            <a:r>
-              <a:rPr lang="en-US" sz="2000" dirty="0">
-                <a:solidFill>
-                  <a:srgbClr val="C00000"/>
-                </a:solidFill>
-                <a:latin typeface="Palatino Linotype" panose="02040502050505030304" pitchFamily="18" charset="0"/>
-                <a:ea typeface="Avenir"/>
-                <a:cs typeface="Avenir"/>
-                <a:sym typeface="Avenir"/>
-              </a:rPr>
-              <a:t>Identified direct and moderating effects of connectivity, while preserving protective effect of PA conservation</a:t>
-            </a:r>
-          </a:p>
-          <a:p>
-            <a:pPr marL="0" marR="0" lvl="0" indent="0" algn="l" rtl="0">
-              <a:spcBef>
-                <a:spcPts val="0"/>
-              </a:spcBef>
-              <a:spcAft>
-                <a:spcPts val="600"/>
-              </a:spcAft>
-              <a:buNone/>
-            </a:pPr>
-            <a:r>
-              <a:rPr lang="en-US" sz="2000" dirty="0">
-                <a:solidFill>
-                  <a:schemeClr val="dk1"/>
-                </a:solidFill>
-                <a:latin typeface="Palatino Linotype" panose="02040502050505030304" pitchFamily="18" charset="0"/>
-                <a:ea typeface="Avenir"/>
-                <a:cs typeface="Avenir"/>
-                <a:sym typeface="Avenir"/>
-              </a:rPr>
-              <a:t>Computationally reproduced effect estimates and supported conclusion and internal validity of Brodie et al.</a:t>
-            </a:r>
-          </a:p>
-        </p:txBody>
-      </p:sp>
-      <p:sp>
-        <p:nvSpPr>
-          <p:cNvPr id="14" name="Google Shape;181;p7">
-            <a:extLst>
-              <a:ext uri="{FF2B5EF4-FFF2-40B4-BE49-F238E27FC236}">
-                <a16:creationId xmlns:a16="http://schemas.microsoft.com/office/drawing/2014/main" id="{E0F52064-50B4-4DED-B793-4FC4F27EFEDE}"/>
-              </a:ext>
-            </a:extLst>
-          </p:cNvPr>
-          <p:cNvSpPr txBox="1"/>
-          <p:nvPr/>
-        </p:nvSpPr>
-        <p:spPr>
-          <a:xfrm>
-            <a:off x="354415" y="4113559"/>
-            <a:ext cx="2034824" cy="400069"/>
-          </a:xfrm>
-          <a:prstGeom prst="rect">
-            <a:avLst/>
-          </a:prstGeom>
-          <a:noFill/>
-          <a:ln>
-            <a:noFill/>
-          </a:ln>
-        </p:spPr>
-        <p:txBody>
-          <a:bodyPr spcFirstLastPara="1" wrap="square" lIns="91425" tIns="45700" rIns="91425" bIns="45700" anchor="t" anchorCtr="0">
-            <a:spAutoFit/>
-          </a:bodyPr>
-          <a:lstStyle/>
-          <a:p>
-            <a:pPr marL="0" marR="0" lvl="0" indent="0" algn="l" rtl="0">
-              <a:spcBef>
-                <a:spcPts val="0"/>
-              </a:spcBef>
-              <a:spcAft>
-                <a:spcPts val="0"/>
-              </a:spcAft>
-              <a:buNone/>
-            </a:pPr>
-            <a:r>
-              <a:rPr lang="en-US" sz="2000" u="sng" dirty="0">
-                <a:solidFill>
-                  <a:schemeClr val="dk1"/>
-                </a:solidFill>
-                <a:latin typeface="Avenir"/>
-                <a:sym typeface="Avenir"/>
-              </a:rPr>
-              <a:t>Ongoing Work</a:t>
-            </a:r>
-            <a:endParaRPr sz="2000" dirty="0"/>
-          </a:p>
-        </p:txBody>
-      </p:sp>
-      <p:sp>
-        <p:nvSpPr>
-          <p:cNvPr id="15" name="Google Shape;183;p7">
-            <a:extLst>
-              <a:ext uri="{FF2B5EF4-FFF2-40B4-BE49-F238E27FC236}">
-                <a16:creationId xmlns:a16="http://schemas.microsoft.com/office/drawing/2014/main" id="{5B44199F-47D1-441D-9CD1-F6427AED7C1F}"/>
-              </a:ext>
-            </a:extLst>
-          </p:cNvPr>
-          <p:cNvSpPr txBox="1"/>
-          <p:nvPr/>
-        </p:nvSpPr>
-        <p:spPr>
-          <a:xfrm>
-            <a:off x="354415" y="4515242"/>
-            <a:ext cx="1717962" cy="1169511"/>
-          </a:xfrm>
-          <a:prstGeom prst="rect">
-            <a:avLst/>
-          </a:prstGeom>
-          <a:noFill/>
-          <a:ln>
-            <a:noFill/>
-          </a:ln>
-        </p:spPr>
-        <p:txBody>
-          <a:bodyPr spcFirstLastPara="1" wrap="square" lIns="91425" tIns="45700" rIns="91425" bIns="45700" anchor="t" anchorCtr="0">
-            <a:spAutoFit/>
-          </a:bodyPr>
-          <a:lstStyle/>
-          <a:p>
-            <a:pPr marL="0" marR="0" lvl="0" indent="0" algn="l" rtl="0">
-              <a:spcBef>
-                <a:spcPts val="0"/>
-              </a:spcBef>
-              <a:spcAft>
-                <a:spcPts val="0"/>
-              </a:spcAft>
-              <a:buNone/>
-            </a:pPr>
-            <a:r>
-              <a:rPr lang="en-US" sz="2000" dirty="0">
-                <a:solidFill>
-                  <a:schemeClr val="dk1"/>
-                </a:solidFill>
-                <a:latin typeface="Palatino Linotype" panose="02040502050505030304" pitchFamily="18" charset="0"/>
-                <a:sym typeface="Avenir"/>
-              </a:rPr>
-              <a:t>Corrections</a:t>
-            </a:r>
-            <a:endParaRPr sz="2000" dirty="0">
-              <a:latin typeface="Palatino Linotype" panose="02040502050505030304" pitchFamily="18" charset="0"/>
-            </a:endParaRPr>
-          </a:p>
-          <a:p>
-            <a:pPr marL="0" marR="0" lvl="0" indent="0" algn="l" rtl="0">
-              <a:spcBef>
-                <a:spcPts val="600"/>
-              </a:spcBef>
-              <a:spcAft>
-                <a:spcPts val="0"/>
-              </a:spcAft>
-              <a:buNone/>
-            </a:pPr>
-            <a:r>
-              <a:rPr lang="en-US" sz="2000" dirty="0">
-                <a:solidFill>
-                  <a:schemeClr val="dk1"/>
-                </a:solidFill>
-                <a:latin typeface="Palatino Linotype" panose="02040502050505030304" pitchFamily="18" charset="0"/>
-                <a:ea typeface="Avenir"/>
-                <a:cs typeface="Avenir"/>
-                <a:sym typeface="Avenir"/>
-              </a:rPr>
-              <a:t>Spatial</a:t>
-            </a:r>
-          </a:p>
-          <a:p>
-            <a:pPr marL="0" marR="0" lvl="0" indent="0" algn="l" rtl="0">
-              <a:spcBef>
-                <a:spcPts val="600"/>
-              </a:spcBef>
-              <a:spcAft>
-                <a:spcPts val="0"/>
-              </a:spcAft>
-              <a:buNone/>
-            </a:pPr>
-            <a:r>
-              <a:rPr lang="en-US" sz="2000" dirty="0">
-                <a:solidFill>
-                  <a:schemeClr val="dk1"/>
-                </a:solidFill>
-                <a:latin typeface="Palatino Linotype" panose="02040502050505030304" pitchFamily="18" charset="0"/>
-                <a:sym typeface="Avenir"/>
-              </a:rPr>
-              <a:t>Consistency</a:t>
-            </a:r>
-            <a:endParaRPr sz="2000" dirty="0">
-              <a:latin typeface="Palatino Linotype" panose="02040502050505030304" pitchFamily="18" charset="0"/>
-            </a:endParaRPr>
-          </a:p>
-        </p:txBody>
-      </p:sp>
-      <p:sp>
-        <p:nvSpPr>
-          <p:cNvPr id="16" name="Google Shape;185;p7">
-            <a:extLst>
-              <a:ext uri="{FF2B5EF4-FFF2-40B4-BE49-F238E27FC236}">
-                <a16:creationId xmlns:a16="http://schemas.microsoft.com/office/drawing/2014/main" id="{9D3780ED-4799-48FB-832D-933D715F0E3A}"/>
-              </a:ext>
-            </a:extLst>
-          </p:cNvPr>
-          <p:cNvSpPr txBox="1"/>
-          <p:nvPr/>
-        </p:nvSpPr>
-        <p:spPr>
-          <a:xfrm>
-            <a:off x="2604191" y="4515242"/>
-            <a:ext cx="9325634" cy="1862008"/>
-          </a:xfrm>
-          <a:prstGeom prst="rect">
-            <a:avLst/>
-          </a:prstGeom>
-          <a:noFill/>
-          <a:ln>
-            <a:noFill/>
-          </a:ln>
-        </p:spPr>
-        <p:txBody>
-          <a:bodyPr spcFirstLastPara="1" wrap="square" lIns="91425" tIns="45700" rIns="91425" bIns="45700" anchor="t" anchorCtr="0">
-            <a:spAutoFit/>
-          </a:bodyPr>
-          <a:lstStyle/>
-          <a:p>
-            <a:pPr marL="0" marR="0" lvl="0" indent="0" algn="l" rtl="0">
-              <a:spcBef>
-                <a:spcPts val="0"/>
-              </a:spcBef>
-              <a:spcAft>
-                <a:spcPts val="0"/>
-              </a:spcAft>
-              <a:buNone/>
-            </a:pPr>
-            <a:r>
-              <a:rPr lang="en-US" sz="2000" dirty="0">
-                <a:solidFill>
-                  <a:schemeClr val="dk1"/>
-                </a:solidFill>
-                <a:latin typeface="Palatino Linotype" panose="02040502050505030304" pitchFamily="18" charset="0"/>
-                <a:ea typeface="Avenir"/>
-                <a:cs typeface="Avenir"/>
-                <a:sym typeface="Avenir"/>
-              </a:rPr>
-              <a:t>Check adjustments &amp; extensions of original procedure (e.g., outliers)</a:t>
-            </a:r>
-            <a:endParaRPr sz="2000" dirty="0">
-              <a:latin typeface="Palatino Linotype" panose="02040502050505030304" pitchFamily="18" charset="0"/>
-            </a:endParaRPr>
-          </a:p>
-          <a:p>
-            <a:pPr marL="0" marR="0" lvl="0" indent="0" algn="l" rtl="0">
-              <a:spcBef>
-                <a:spcPts val="600"/>
-              </a:spcBef>
-              <a:spcAft>
-                <a:spcPts val="0"/>
-              </a:spcAft>
-              <a:buNone/>
-            </a:pPr>
-            <a:r>
-              <a:rPr lang="en-US" sz="2000" dirty="0">
-                <a:solidFill>
-                  <a:schemeClr val="dk1"/>
-                </a:solidFill>
-                <a:latin typeface="Palatino Linotype" panose="02040502050505030304" pitchFamily="18" charset="0"/>
-                <a:ea typeface="Avenir"/>
-                <a:cs typeface="Avenir"/>
-                <a:sym typeface="Avenir"/>
-              </a:rPr>
-              <a:t>Consider ways to address remaining spatial autocorrelation among errors</a:t>
-            </a:r>
-          </a:p>
-          <a:p>
-            <a:pPr>
-              <a:spcBef>
-                <a:spcPts val="600"/>
-              </a:spcBef>
-            </a:pPr>
-            <a:r>
-              <a:rPr lang="en-US" sz="2000" dirty="0">
-                <a:solidFill>
-                  <a:schemeClr val="dk1"/>
-                </a:solidFill>
-                <a:latin typeface="Palatino Linotype" panose="02040502050505030304" pitchFamily="18" charset="0"/>
-                <a:ea typeface="Avenir"/>
-                <a:cs typeface="Avenir"/>
-                <a:sym typeface="Avenir"/>
-              </a:rPr>
-              <a:t>Consistent positive direct and moderating effects of connectivity were only observed for phylogenetic diversity</a:t>
-            </a:r>
-            <a:endParaRPr lang="en-US" sz="2000" dirty="0">
-              <a:latin typeface="Palatino Linotype" panose="02040502050505030304" pitchFamily="18" charset="0"/>
-            </a:endParaRPr>
-          </a:p>
-          <a:p>
-            <a:pPr marL="0" marR="0" lvl="0" indent="0" algn="l" rtl="0">
-              <a:spcBef>
-                <a:spcPts val="600"/>
-              </a:spcBef>
-              <a:spcAft>
-                <a:spcPts val="0"/>
-              </a:spcAft>
-              <a:buNone/>
-            </a:pPr>
-            <a:endParaRPr sz="2000" dirty="0">
-              <a:latin typeface="Palatino Linotype" panose="02040502050505030304" pitchFamily="18" charset="0"/>
-            </a:endParaRPr>
-          </a:p>
-        </p:txBody>
-      </p:sp>
-    </p:spTree>
-  </p:cSld>
-  <p:clrMapOvr>
-    <a:masterClrMapping/>
-  </p:clrMapOvr>
-</p:sld>
-</file>
-
-<file path=ppt/slides/slide14.xml><?xml version="1.0" encoding="utf-8"?>
-<p:sld xmlns:a="http://schemas.openxmlformats.org/drawingml/2006/main" xmlns:r="http://schemas.openxmlformats.org/officeDocument/2006/relationships" xmlns:p="http://schemas.openxmlformats.org/presentationml/2006/main">
-  <p:cSld>
-    <p:spTree>
-      <p:nvGrpSpPr>
-        <p:cNvPr id="1" name="Shape 258"/>
-        <p:cNvGrpSpPr/>
-        <p:nvPr/>
-      </p:nvGrpSpPr>
-      <p:grpSpPr>
-        <a:xfrm>
-          <a:off x="0" y="0"/>
-          <a:ext cx="0" cy="0"/>
-          <a:chOff x="0" y="0"/>
-          <a:chExt cx="0" cy="0"/>
-        </a:xfrm>
-      </p:grpSpPr>
-      <p:sp>
-        <p:nvSpPr>
-          <p:cNvPr id="259" name="Google Shape;259;p12"/>
-          <p:cNvSpPr txBox="1"/>
-          <p:nvPr/>
-        </p:nvSpPr>
-        <p:spPr>
-          <a:xfrm>
-            <a:off x="401643" y="2170186"/>
-            <a:ext cx="9680690" cy="338554"/>
-          </a:xfrm>
-          <a:prstGeom prst="rect">
-            <a:avLst/>
-          </a:prstGeom>
-          <a:noFill/>
-          <a:ln>
-            <a:noFill/>
-          </a:ln>
-        </p:spPr>
-        <p:txBody>
-          <a:bodyPr spcFirstLastPara="1" wrap="square" lIns="91425" tIns="45700" rIns="91425" bIns="45700" anchor="t" anchorCtr="0">
-            <a:spAutoFit/>
-          </a:bodyPr>
-          <a:lstStyle/>
-          <a:p>
-            <a:pPr marL="0" marR="0" lvl="0" indent="0" algn="l" rtl="0">
-              <a:spcBef>
-                <a:spcPts val="0"/>
-              </a:spcBef>
-              <a:spcAft>
-                <a:spcPts val="0"/>
-              </a:spcAft>
-              <a:buNone/>
-            </a:pPr>
-            <a:r>
-              <a:rPr lang="en-US" sz="1600">
-                <a:solidFill>
-                  <a:schemeClr val="dk1"/>
-                </a:solidFill>
-                <a:latin typeface="Avenir"/>
-                <a:ea typeface="Avenir"/>
-                <a:cs typeface="Avenir"/>
-                <a:sym typeface="Avenir"/>
-              </a:rPr>
-              <a:t>The many paths we didn’t explore, the researcher degrees of freedom we used </a:t>
-            </a:r>
-            <a:endParaRPr/>
-          </a:p>
-        </p:txBody>
-      </p:sp>
-      <p:sp>
-        <p:nvSpPr>
-          <p:cNvPr id="260" name="Google Shape;260;p12"/>
-          <p:cNvSpPr txBox="1"/>
-          <p:nvPr/>
-        </p:nvSpPr>
-        <p:spPr>
-          <a:xfrm>
-            <a:off x="401643" y="1736532"/>
-            <a:ext cx="10524858" cy="461665"/>
-          </a:xfrm>
-          <a:prstGeom prst="rect">
-            <a:avLst/>
-          </a:prstGeom>
-          <a:noFill/>
-          <a:ln>
-            <a:noFill/>
-          </a:ln>
-        </p:spPr>
-        <p:txBody>
-          <a:bodyPr spcFirstLastPara="1" wrap="square" lIns="91425" tIns="45700" rIns="91425" bIns="45700" anchor="t" anchorCtr="0">
-            <a:spAutoFit/>
-          </a:bodyPr>
-          <a:lstStyle/>
-          <a:p>
-            <a:pPr marL="0" marR="0" lvl="0" indent="0" algn="l" rtl="0">
-              <a:spcBef>
-                <a:spcPts val="0"/>
-              </a:spcBef>
-              <a:spcAft>
-                <a:spcPts val="0"/>
-              </a:spcAft>
-              <a:buNone/>
-            </a:pPr>
-            <a:r>
-              <a:rPr lang="en-US" sz="2400">
-                <a:solidFill>
-                  <a:srgbClr val="000000"/>
-                </a:solidFill>
-                <a:latin typeface="Avenir"/>
-                <a:ea typeface="Avenir"/>
-                <a:cs typeface="Avenir"/>
-                <a:sym typeface="Avenir"/>
-              </a:rPr>
-              <a:t>Questions and Comments</a:t>
-            </a:r>
-            <a:endParaRPr/>
-          </a:p>
-        </p:txBody>
-      </p:sp>
-      <p:cxnSp>
-        <p:nvCxnSpPr>
-          <p:cNvPr id="261" name="Google Shape;261;p12"/>
-          <p:cNvCxnSpPr/>
-          <p:nvPr/>
-        </p:nvCxnSpPr>
-        <p:spPr>
-          <a:xfrm>
-            <a:off x="285896" y="1840376"/>
-            <a:ext cx="0" cy="578734"/>
-          </a:xfrm>
-          <a:prstGeom prst="straightConnector1">
-            <a:avLst/>
-          </a:prstGeom>
-          <a:noFill/>
-          <a:ln w="76200" cap="flat" cmpd="sng">
-            <a:solidFill>
-              <a:schemeClr val="dk1"/>
-            </a:solidFill>
-            <a:prstDash val="solid"/>
-            <a:miter lim="800000"/>
-            <a:headEnd type="none" w="sm" len="sm"/>
-            <a:tailEnd type="none" w="sm" len="sm"/>
-          </a:ln>
-        </p:spPr>
-      </p:cxnSp>
-      <p:sp>
-        <p:nvSpPr>
-          <p:cNvPr id="262" name="Google Shape;262;p12"/>
-          <p:cNvSpPr txBox="1"/>
-          <p:nvPr/>
-        </p:nvSpPr>
-        <p:spPr>
-          <a:xfrm>
-            <a:off x="401643" y="3294369"/>
-            <a:ext cx="10617456" cy="1200329"/>
-          </a:xfrm>
-          <a:prstGeom prst="rect">
-            <a:avLst/>
-          </a:prstGeom>
-          <a:noFill/>
-          <a:ln>
-            <a:noFill/>
-          </a:ln>
-        </p:spPr>
-        <p:txBody>
-          <a:bodyPr spcFirstLastPara="1" wrap="square" lIns="91425" tIns="45700" rIns="91425" bIns="45700" anchor="t" anchorCtr="0">
-            <a:spAutoFit/>
-          </a:bodyPr>
-          <a:lstStyle/>
-          <a:p>
-            <a:pPr marL="0" marR="0" lvl="0" indent="0" algn="l" rtl="0">
-              <a:spcBef>
-                <a:spcPts val="0"/>
-              </a:spcBef>
-              <a:spcAft>
-                <a:spcPts val="0"/>
-              </a:spcAft>
-              <a:buNone/>
-            </a:pPr>
-            <a:r>
-              <a:rPr lang="en-US" sz="1800" i="1">
-                <a:solidFill>
-                  <a:schemeClr val="dk1"/>
-                </a:solidFill>
-                <a:latin typeface="Palatino Linotype"/>
-                <a:ea typeface="Palatino Linotype"/>
-                <a:cs typeface="Palatino Linotype"/>
-                <a:sym typeface="Palatino Linotype"/>
-              </a:rPr>
-              <a:t>Please contact me at </a:t>
-            </a:r>
-            <a:r>
-              <a:rPr lang="en-US" sz="1800" i="1" u="sng">
-                <a:solidFill>
-                  <a:schemeClr val="dk1"/>
-                </a:solidFill>
-                <a:latin typeface="Palatino Linotype"/>
-                <a:ea typeface="Palatino Linotype"/>
-                <a:cs typeface="Palatino Linotype"/>
-                <a:sym typeface="Palatino Linotype"/>
-                <a:hlinkClick r:id="rId3">
-                  <a:extLst>
-                    <a:ext uri="{A12FA001-AC4F-418D-AE19-62706E023703}">
-                      <ahyp:hlinkClr xmlns:ahyp="http://schemas.microsoft.com/office/drawing/2018/hyperlinkcolor" val="tx"/>
-                    </a:ext>
-                  </a:extLst>
-                </a:hlinkClick>
-              </a:rPr>
-              <a:t>peterkedron@ucsb.edu</a:t>
-            </a:r>
-            <a:r>
-              <a:rPr lang="en-US" sz="1800" i="1">
-                <a:solidFill>
-                  <a:schemeClr val="dk1"/>
-                </a:solidFill>
-                <a:latin typeface="Palatino Linotype"/>
-                <a:ea typeface="Palatino Linotype"/>
-                <a:cs typeface="Palatino Linotype"/>
-                <a:sym typeface="Palatino Linotype"/>
-              </a:rPr>
-              <a:t> for the data and code used in this analysis.</a:t>
-            </a:r>
-            <a:r>
-              <a:rPr lang="en-US" sz="1800">
-                <a:solidFill>
-                  <a:schemeClr val="dk1"/>
-                </a:solidFill>
-                <a:latin typeface="Palatino Linotype"/>
-                <a:ea typeface="Palatino Linotype"/>
-                <a:cs typeface="Palatino Linotype"/>
-                <a:sym typeface="Palatino Linotype"/>
-              </a:rPr>
-              <a:t> Our GitHub repository is currently under development and quite messy. However, we should have a clean repository (with messy development history tracked through version control) available soon along with a preprint summarizing our findings.</a:t>
-            </a:r>
-            <a:endParaRPr/>
-          </a:p>
-        </p:txBody>
-      </p:sp>
-      <p:sp>
-        <p:nvSpPr>
-          <p:cNvPr id="263" name="Google Shape;263;p12"/>
-          <p:cNvSpPr txBox="1"/>
-          <p:nvPr/>
-        </p:nvSpPr>
-        <p:spPr>
-          <a:xfrm>
-            <a:off x="274320" y="6466114"/>
-            <a:ext cx="6010729" cy="276999"/>
-          </a:xfrm>
-          <a:prstGeom prst="rect">
-            <a:avLst/>
-          </a:prstGeom>
-          <a:noFill/>
-          <a:ln>
-            <a:noFill/>
-          </a:ln>
-        </p:spPr>
-        <p:txBody>
-          <a:bodyPr spcFirstLastPara="1" wrap="square" lIns="91425" tIns="45700" rIns="91425" bIns="45700" anchor="t" anchorCtr="0">
-            <a:spAutoFit/>
-          </a:bodyPr>
-          <a:lstStyle/>
-          <a:p>
-            <a:pPr marL="0" marR="0" lvl="0" indent="0" algn="l" rtl="0">
-              <a:spcBef>
-                <a:spcPts val="0"/>
-              </a:spcBef>
-              <a:spcAft>
-                <a:spcPts val="0"/>
-              </a:spcAft>
-              <a:buNone/>
-            </a:pPr>
-            <a:r>
-              <a:rPr lang="en-US" sz="1200">
-                <a:solidFill>
-                  <a:schemeClr val="dk1"/>
-                </a:solidFill>
-                <a:latin typeface="Avenir"/>
-                <a:ea typeface="Avenir"/>
-                <a:cs typeface="Avenir"/>
-                <a:sym typeface="Avenir"/>
-              </a:rPr>
-              <a:t>2024 Annual Meeting of the American Association of Geographers  |  Honolulu, HI </a:t>
-            </a:r>
-            <a:endParaRPr/>
-          </a:p>
-        </p:txBody>
-      </p:sp>
-    </p:spTree>
-  </p:cSld>
-  <p:clrMapOvr>
-    <a:masterClrMapping/>
-  </p:clrMapOvr>
-</p:sld>
-</file>
-
-<file path=ppt/slides/slide15.xml><?xml version="1.0" encoding="utf-8"?>
+<file path=ppt/slides/slide16.xml><?xml version="1.0" encoding="utf-8"?>
 <p:sld xmlns:a="http://schemas.openxmlformats.org/drawingml/2006/main" xmlns:r="http://schemas.openxmlformats.org/officeDocument/2006/relationships" xmlns:p="http://schemas.openxmlformats.org/presentationml/2006/main">
   <p:cSld>
     <p:spTree>
@@ -17298,7 +18682,7 @@
                 <a:cs typeface="Avenir"/>
                 <a:sym typeface="Avenir"/>
               </a:rPr>
-              <a:t>15</a:t>
+              <a:t>16</a:t>
             </a:fld>
             <a:endParaRPr>
               <a:solidFill>
@@ -19301,33 +20685,6 @@
           <a:xfrm>
             <a:off x="274321" y="1319719"/>
             <a:ext cx="5636507" cy="4669424"/>
-          </a:xfrm>
-          <a:prstGeom prst="rect">
-            <a:avLst/>
-          </a:prstGeom>
-          <a:noFill/>
-          <a:ln>
-            <a:noFill/>
-          </a:ln>
-        </p:spPr>
-      </p:pic>
-      <p:pic>
-        <p:nvPicPr>
-          <p:cNvPr id="141" name="Google Shape;141;p4"/>
-          <p:cNvPicPr preferRelativeResize="0"/>
-          <p:nvPr/>
-        </p:nvPicPr>
-        <p:blipFill rotWithShape="1">
-          <a:blip r:embed="rId4">
-            <a:alphaModFix/>
-          </a:blip>
-          <a:srcRect/>
-          <a:stretch/>
-        </p:blipFill>
-        <p:spPr>
-          <a:xfrm>
-            <a:off x="6281174" y="1319719"/>
-            <a:ext cx="5511439" cy="4843964"/>
           </a:xfrm>
           <a:prstGeom prst="rect">
             <a:avLst/>
@@ -22808,7 +24165,7 @@
   <p:cSld>
     <p:spTree>
       <p:nvGrpSpPr>
-        <p:cNvPr id="1" name="Shape 214"/>
+        <p:cNvPr id="1" name="Shape 191"/>
         <p:cNvGrpSpPr/>
         <p:nvPr/>
       </p:nvGrpSpPr>
@@ -22822,7 +24179,7 @@
       </p:grpSpPr>
       <p:sp>
         <p:nvSpPr>
-          <p:cNvPr id="215" name="Google Shape;215;p9"/>
+          <p:cNvPr id="192" name="Google Shape;192;p8"/>
           <p:cNvSpPr txBox="1"/>
           <p:nvPr/>
         </p:nvSpPr>
@@ -22872,7 +24229,7 @@
       </p:sp>
       <p:sp>
         <p:nvSpPr>
-          <p:cNvPr id="216" name="Google Shape;216;p9"/>
+          <p:cNvPr id="193" name="Google Shape;193;p8"/>
           <p:cNvSpPr txBox="1"/>
           <p:nvPr/>
         </p:nvSpPr>
@@ -22922,7 +24279,7 @@
       </p:sp>
       <p:cxnSp>
         <p:nvCxnSpPr>
-          <p:cNvPr id="217" name="Google Shape;217;p9"/>
+          <p:cNvPr id="194" name="Google Shape;194;p8"/>
           <p:cNvCxnSpPr/>
           <p:nvPr/>
         </p:nvCxnSpPr>
@@ -22948,7 +24305,7 @@
       </p:cxnSp>
       <p:sp>
         <p:nvSpPr>
-          <p:cNvPr id="218" name="Google Shape;218;p9"/>
+          <p:cNvPr id="195" name="Google Shape;195;p8"/>
           <p:cNvSpPr txBox="1">
             <a:spLocks noGrp="1"/>
           </p:cNvSpPr>
@@ -23010,7 +24367,7 @@
       </p:sp>
       <p:cxnSp>
         <p:nvCxnSpPr>
-          <p:cNvPr id="219" name="Google Shape;219;p9"/>
+          <p:cNvPr id="196" name="Google Shape;196;p8"/>
           <p:cNvCxnSpPr/>
           <p:nvPr/>
         </p:nvCxnSpPr>
@@ -23036,7 +24393,7 @@
       </p:cxnSp>
       <p:sp>
         <p:nvSpPr>
-          <p:cNvPr id="220" name="Google Shape;220;p9"/>
+          <p:cNvPr id="197" name="Google Shape;197;p8"/>
           <p:cNvSpPr txBox="1"/>
           <p:nvPr/>
         </p:nvSpPr>
@@ -23078,7 +24435,7 @@
                 <a:cs typeface="Avenir"/>
                 <a:sym typeface="Avenir"/>
               </a:rPr>
-              <a:t>Replication Outcomes</a:t>
+              <a:t>Replication Attempt</a:t>
             </a:r>
             <a:endParaRPr/>
           </a:p>
@@ -23086,14 +24443,14 @@
       </p:sp>
       <p:sp>
         <p:nvSpPr>
-          <p:cNvPr id="221" name="Google Shape;221;p9"/>
+          <p:cNvPr id="198" name="Google Shape;198;p8"/>
           <p:cNvSpPr txBox="1"/>
           <p:nvPr/>
         </p:nvSpPr>
         <p:spPr>
           <a:xfrm>
-            <a:off x="1379071" y="659808"/>
-            <a:ext cx="9796437" cy="307736"/>
+            <a:off x="354415" y="656943"/>
+            <a:ext cx="9796437" cy="338554"/>
           </a:xfrm>
           <a:prstGeom prst="rect">
             <a:avLst/>
@@ -23119,7 +24476,7 @@
               <a:buNone/>
             </a:pPr>
             <a:r>
-              <a:rPr lang="en-US" dirty="0">
+              <a:rPr lang="en-US" sz="1600">
                 <a:solidFill>
                   <a:schemeClr val="dk1"/>
                 </a:solidFill>
@@ -23128,22 +24485,22 @@
                 <a:cs typeface="Avenir"/>
                 <a:sym typeface="Avenir"/>
               </a:rPr>
-              <a:t>On phylogenetic diversity, at a dispersal distance of 100km</a:t>
+              <a:t>Does protected area connectivity moderate the efficacy of protection on tropical biodiversity? </a:t>
             </a:r>
-            <a:endParaRPr dirty="0"/>
+            <a:endParaRPr/>
           </a:p>
         </p:txBody>
       </p:sp>
       <p:sp>
         <p:nvSpPr>
-          <p:cNvPr id="222" name="Google Shape;222;p9"/>
+          <p:cNvPr id="199" name="Google Shape;199;p8"/>
           <p:cNvSpPr txBox="1"/>
           <p:nvPr/>
         </p:nvSpPr>
         <p:spPr>
           <a:xfrm>
-            <a:off x="1379071" y="310153"/>
-            <a:ext cx="7736395" cy="400069"/>
+            <a:off x="354415" y="208673"/>
+            <a:ext cx="7736395" cy="461665"/>
           </a:xfrm>
           <a:prstGeom prst="rect">
             <a:avLst/>
@@ -23169,36 +24526,31 @@
               <a:buNone/>
             </a:pPr>
             <a:r>
-              <a:rPr lang="en-US" sz="2000" dirty="0">
+              <a:rPr lang="en-US" sz="2400">
                 <a:solidFill>
                   <a:srgbClr val="000000"/>
                 </a:solidFill>
-                <a:latin typeface="Avenir LT Std 65 Medium" panose="020B0603020203020204" pitchFamily="34" charset="0"/>
+                <a:latin typeface="Avenir"/>
                 <a:ea typeface="Avenir"/>
-                <a:cs typeface="Arial" panose="020B0604020202020204" pitchFamily="34" charset="0"/>
+                <a:cs typeface="Avenir"/>
                 <a:sym typeface="Avenir"/>
               </a:rPr>
-              <a:t>Connectivity Moderates PA Efficacy</a:t>
+              <a:t>Replication Design</a:t>
             </a:r>
-            <a:endParaRPr sz="2000" dirty="0">
-              <a:latin typeface="Avenir LT Std 65 Medium" panose="020B0603020203020204" pitchFamily="34" charset="0"/>
-              <a:cs typeface="Arial" panose="020B0604020202020204" pitchFamily="34" charset="0"/>
-            </a:endParaRPr>
+            <a:endParaRPr/>
           </a:p>
         </p:txBody>
       </p:sp>
       <p:cxnSp>
         <p:nvCxnSpPr>
-          <p:cNvPr id="223" name="Google Shape;223;p9"/>
-          <p:cNvCxnSpPr>
-            <a:cxnSpLocks/>
-          </p:cNvCxnSpPr>
+          <p:cNvPr id="200" name="Google Shape;200;p8"/>
+          <p:cNvCxnSpPr/>
           <p:nvPr/>
         </p:nvCxnSpPr>
         <p:spPr>
           <a:xfrm>
-            <a:off x="1298977" y="403919"/>
-            <a:ext cx="0" cy="493848"/>
+            <a:off x="274321" y="250731"/>
+            <a:ext cx="0" cy="673423"/>
           </a:xfrm>
           <a:prstGeom prst="straightConnector1">
             <a:avLst/>
@@ -23215,36 +24567,692 @@
           </a:ln>
         </p:spPr>
       </p:cxnSp>
-      <p:pic>
-        <p:nvPicPr>
-          <p:cNvPr id="16" name="Picture 15">
+      <p:sp>
+        <p:nvSpPr>
+          <p:cNvPr id="208" name="Google Shape;208;p8"/>
+          <p:cNvSpPr txBox="1"/>
+          <p:nvPr/>
+        </p:nvSpPr>
+        <p:spPr>
+          <a:xfrm>
+            <a:off x="354415" y="1548576"/>
+            <a:ext cx="6114656" cy="2970044"/>
+          </a:xfrm>
+          <a:prstGeom prst="rect">
+            <a:avLst/>
+          </a:prstGeom>
+          <a:noFill/>
+          <a:ln>
+            <a:noFill/>
+          </a:ln>
+        </p:spPr>
+        <p:txBody>
+          <a:bodyPr spcFirstLastPara="1" wrap="square" lIns="91425" tIns="45700" rIns="91425" bIns="45700" anchor="t" anchorCtr="0">
+            <a:spAutoFit/>
+          </a:bodyPr>
+          <a:lstStyle/>
+          <a:p>
+            <a:pPr marL="0" marR="0" lvl="0" indent="0" algn="l" rtl="0">
+              <a:spcBef>
+                <a:spcPts val="0"/>
+              </a:spcBef>
+              <a:spcAft>
+                <a:spcPts val="0"/>
+              </a:spcAft>
+              <a:buNone/>
+            </a:pPr>
+            <a:r>
+              <a:rPr lang="en-US" sz="1600" dirty="0">
+                <a:solidFill>
+                  <a:schemeClr val="dk1"/>
+                </a:solidFill>
+                <a:latin typeface="Avenir"/>
+                <a:ea typeface="Avenir"/>
+                <a:cs typeface="Avenir"/>
+                <a:sym typeface="Avenir"/>
+              </a:rPr>
+              <a:t>Introducing connectivity as a predictor of diversity and a moderator of protected area efficacy</a:t>
+            </a:r>
+            <a:endParaRPr dirty="0"/>
+          </a:p>
+          <a:p>
+            <a:pPr marL="0" marR="0" lvl="0" indent="0" algn="l" rtl="0">
+              <a:spcBef>
+                <a:spcPts val="0"/>
+              </a:spcBef>
+              <a:spcAft>
+                <a:spcPts val="0"/>
+              </a:spcAft>
+              <a:buNone/>
+            </a:pPr>
+            <a:endParaRPr sz="1600" dirty="0">
+              <a:solidFill>
+                <a:schemeClr val="dk1"/>
+              </a:solidFill>
+              <a:latin typeface="Avenir"/>
+              <a:ea typeface="Avenir"/>
+              <a:cs typeface="Avenir"/>
+              <a:sym typeface="Avenir"/>
+            </a:endParaRPr>
+          </a:p>
+          <a:p>
+            <a:pPr marL="0" marR="0" lvl="0" indent="0" algn="l" rtl="0">
+              <a:spcBef>
+                <a:spcPts val="0"/>
+              </a:spcBef>
+              <a:spcAft>
+                <a:spcPts val="0"/>
+              </a:spcAft>
+              <a:buNone/>
+            </a:pPr>
+            <a:endParaRPr sz="1600" dirty="0">
+              <a:solidFill>
+                <a:schemeClr val="dk1"/>
+              </a:solidFill>
+              <a:latin typeface="Avenir"/>
+              <a:ea typeface="Avenir"/>
+              <a:cs typeface="Avenir"/>
+              <a:sym typeface="Avenir"/>
+            </a:endParaRPr>
+          </a:p>
+          <a:p>
+            <a:pPr marL="0" marR="0" lvl="0" indent="0" algn="l" rtl="0">
+              <a:spcBef>
+                <a:spcPts val="0"/>
+              </a:spcBef>
+              <a:spcAft>
+                <a:spcPts val="0"/>
+              </a:spcAft>
+              <a:buNone/>
+            </a:pPr>
+            <a:endParaRPr sz="1600" dirty="0">
+              <a:solidFill>
+                <a:schemeClr val="dk1"/>
+              </a:solidFill>
+              <a:latin typeface="Avenir"/>
+              <a:ea typeface="Avenir"/>
+              <a:cs typeface="Avenir"/>
+              <a:sym typeface="Avenir"/>
+            </a:endParaRPr>
+          </a:p>
+          <a:p>
+            <a:pPr marL="0" marR="0" lvl="0" indent="0" algn="l" rtl="0">
+              <a:spcBef>
+                <a:spcPts val="0"/>
+              </a:spcBef>
+              <a:spcAft>
+                <a:spcPts val="0"/>
+              </a:spcAft>
+              <a:buNone/>
+            </a:pPr>
+            <a:endParaRPr sz="1600" dirty="0">
+              <a:solidFill>
+                <a:schemeClr val="dk1"/>
+              </a:solidFill>
+              <a:latin typeface="Avenir"/>
+              <a:ea typeface="Avenir"/>
+              <a:cs typeface="Avenir"/>
+              <a:sym typeface="Avenir"/>
+            </a:endParaRPr>
+          </a:p>
+          <a:p>
+            <a:pPr marL="0" marR="0" lvl="0" indent="0" algn="l" rtl="0">
+              <a:spcBef>
+                <a:spcPts val="0"/>
+              </a:spcBef>
+              <a:spcAft>
+                <a:spcPts val="0"/>
+              </a:spcAft>
+              <a:buNone/>
+            </a:pPr>
+            <a:r>
+              <a:rPr lang="en-US" sz="1300" dirty="0" err="1">
+                <a:solidFill>
+                  <a:schemeClr val="dk1"/>
+                </a:solidFill>
+                <a:latin typeface="Arial"/>
+                <a:ea typeface="Arial"/>
+                <a:cs typeface="Arial"/>
+                <a:sym typeface="Arial"/>
+              </a:rPr>
+              <a:t>lme</a:t>
+            </a:r>
+            <a:r>
+              <a:rPr lang="en-US" sz="1300" dirty="0">
+                <a:solidFill>
+                  <a:schemeClr val="dk1"/>
+                </a:solidFill>
+                <a:latin typeface="Arial"/>
+                <a:ea typeface="Arial"/>
+                <a:cs typeface="Arial"/>
+                <a:sym typeface="Arial"/>
+              </a:rPr>
+              <a:t>(Diversity ~ Brodie + </a:t>
+            </a:r>
+            <a:r>
+              <a:rPr lang="en-US" sz="1300" b="1" dirty="0">
+                <a:solidFill>
+                  <a:srgbClr val="C00000"/>
+                </a:solidFill>
+                <a:latin typeface="Arial"/>
+                <a:ea typeface="Arial"/>
+                <a:cs typeface="Arial"/>
+                <a:sym typeface="Arial"/>
+              </a:rPr>
+              <a:t>conn + </a:t>
+            </a:r>
+            <a:r>
+              <a:rPr lang="en-US" sz="1300" b="1" dirty="0" err="1">
+                <a:solidFill>
+                  <a:srgbClr val="C00000"/>
+                </a:solidFill>
+                <a:latin typeface="Arial"/>
+                <a:ea typeface="Arial"/>
+                <a:cs typeface="Arial"/>
+                <a:sym typeface="Arial"/>
+              </a:rPr>
+              <a:t>conn:PA</a:t>
+            </a:r>
+            <a:r>
+              <a:rPr lang="en-US" sz="1300" dirty="0">
+                <a:solidFill>
+                  <a:schemeClr val="dk1"/>
+                </a:solidFill>
+                <a:latin typeface="Arial"/>
+                <a:ea typeface="Arial"/>
+                <a:cs typeface="Arial"/>
+                <a:sym typeface="Arial"/>
+              </a:rPr>
+              <a:t>, </a:t>
+            </a:r>
+            <a:endParaRPr dirty="0"/>
+          </a:p>
+          <a:p>
+            <a:pPr marL="0" marR="0" lvl="0" indent="0" algn="l" rtl="0">
+              <a:spcBef>
+                <a:spcPts val="0"/>
+              </a:spcBef>
+              <a:spcAft>
+                <a:spcPts val="0"/>
+              </a:spcAft>
+              <a:buNone/>
+            </a:pPr>
+            <a:r>
+              <a:rPr lang="en-US" sz="1300" dirty="0">
+                <a:solidFill>
+                  <a:schemeClr val="dk1"/>
+                </a:solidFill>
+                <a:latin typeface="Arial"/>
+                <a:ea typeface="Arial"/>
+                <a:cs typeface="Arial"/>
+                <a:sym typeface="Arial"/>
+              </a:rPr>
+              <a:t>        random = list(~1 | country), </a:t>
+            </a:r>
+            <a:endParaRPr dirty="0"/>
+          </a:p>
+          <a:p>
+            <a:pPr marL="0" marR="0" lvl="0" indent="0" algn="l" rtl="0">
+              <a:spcBef>
+                <a:spcPts val="0"/>
+              </a:spcBef>
+              <a:spcAft>
+                <a:spcPts val="0"/>
+              </a:spcAft>
+              <a:buNone/>
+            </a:pPr>
+            <a:r>
+              <a:rPr lang="en-US" sz="1300" dirty="0">
+                <a:solidFill>
+                  <a:schemeClr val="dk1"/>
+                </a:solidFill>
+                <a:latin typeface="Arial"/>
+                <a:ea typeface="Arial"/>
+                <a:cs typeface="Arial"/>
+                <a:sym typeface="Arial"/>
+              </a:rPr>
+              <a:t>        data = </a:t>
+            </a:r>
+            <a:r>
+              <a:rPr lang="en-US" sz="1300" dirty="0" err="1">
+                <a:solidFill>
+                  <a:schemeClr val="dk1"/>
+                </a:solidFill>
+                <a:latin typeface="Arial"/>
+                <a:ea typeface="Arial"/>
+                <a:cs typeface="Arial"/>
+                <a:sym typeface="Arial"/>
+              </a:rPr>
+              <a:t>dat_matched</a:t>
+            </a:r>
+            <a:r>
+              <a:rPr lang="en-US" sz="1300" dirty="0">
+                <a:solidFill>
+                  <a:schemeClr val="dk1"/>
+                </a:solidFill>
+                <a:latin typeface="Arial"/>
+                <a:ea typeface="Arial"/>
+                <a:cs typeface="Arial"/>
+                <a:sym typeface="Arial"/>
+              </a:rPr>
+              <a:t>, </a:t>
+            </a:r>
+            <a:endParaRPr dirty="0"/>
+          </a:p>
+          <a:p>
+            <a:pPr marL="0" marR="0" lvl="0" indent="0" algn="l" rtl="0">
+              <a:spcBef>
+                <a:spcPts val="0"/>
+              </a:spcBef>
+              <a:spcAft>
+                <a:spcPts val="0"/>
+              </a:spcAft>
+              <a:buNone/>
+            </a:pPr>
+            <a:r>
+              <a:rPr lang="en-US" sz="1300" dirty="0">
+                <a:solidFill>
+                  <a:schemeClr val="dk1"/>
+                </a:solidFill>
+                <a:latin typeface="Arial"/>
+                <a:ea typeface="Arial"/>
+                <a:cs typeface="Arial"/>
+                <a:sym typeface="Arial"/>
+              </a:rPr>
+              <a:t>        weights = ~I(1/weights), </a:t>
+            </a:r>
+            <a:endParaRPr dirty="0"/>
+          </a:p>
+          <a:p>
+            <a:pPr marL="0" marR="0" lvl="0" indent="0" algn="l" rtl="0">
+              <a:spcBef>
+                <a:spcPts val="0"/>
+              </a:spcBef>
+              <a:spcAft>
+                <a:spcPts val="0"/>
+              </a:spcAft>
+              <a:buNone/>
+            </a:pPr>
+            <a:r>
+              <a:rPr lang="en-US" sz="1300" dirty="0">
+                <a:solidFill>
+                  <a:schemeClr val="dk1"/>
+                </a:solidFill>
+                <a:latin typeface="Arial"/>
+                <a:ea typeface="Arial"/>
+                <a:cs typeface="Arial"/>
+                <a:sym typeface="Arial"/>
+              </a:rPr>
+              <a:t>        correlation = </a:t>
+            </a:r>
+            <a:r>
+              <a:rPr lang="en-US" sz="1300" dirty="0" err="1">
+                <a:solidFill>
+                  <a:schemeClr val="dk1"/>
+                </a:solidFill>
+                <a:latin typeface="Arial"/>
+                <a:ea typeface="Arial"/>
+                <a:cs typeface="Arial"/>
+                <a:sym typeface="Arial"/>
+              </a:rPr>
+              <a:t>corExp</a:t>
+            </a:r>
+            <a:r>
+              <a:rPr lang="en-US" sz="1300" dirty="0">
+                <a:solidFill>
+                  <a:schemeClr val="dk1"/>
+                </a:solidFill>
+                <a:latin typeface="Arial"/>
+                <a:ea typeface="Arial"/>
+                <a:cs typeface="Arial"/>
+                <a:sym typeface="Arial"/>
+              </a:rPr>
+              <a:t>(form = ~</a:t>
+            </a:r>
+            <a:r>
+              <a:rPr lang="en-US" sz="1300" dirty="0" err="1">
+                <a:solidFill>
+                  <a:schemeClr val="dk1"/>
+                </a:solidFill>
+                <a:latin typeface="Arial"/>
+                <a:ea typeface="Arial"/>
+                <a:cs typeface="Arial"/>
+                <a:sym typeface="Arial"/>
+              </a:rPr>
+              <a:t>utm_east</a:t>
+            </a:r>
+            <a:r>
+              <a:rPr lang="en-US" sz="1300" dirty="0">
+                <a:solidFill>
+                  <a:schemeClr val="dk1"/>
+                </a:solidFill>
+                <a:latin typeface="Arial"/>
+                <a:ea typeface="Arial"/>
+                <a:cs typeface="Arial"/>
+                <a:sym typeface="Arial"/>
+              </a:rPr>
+              <a:t> + </a:t>
+            </a:r>
+            <a:r>
+              <a:rPr lang="en-US" sz="1300" dirty="0" err="1">
+                <a:solidFill>
+                  <a:schemeClr val="dk1"/>
+                </a:solidFill>
+                <a:latin typeface="Arial"/>
+                <a:ea typeface="Arial"/>
+                <a:cs typeface="Arial"/>
+                <a:sym typeface="Arial"/>
+              </a:rPr>
+              <a:t>utm_north</a:t>
+            </a:r>
+            <a:r>
+              <a:rPr lang="en-US" sz="1300" dirty="0">
+                <a:solidFill>
+                  <a:schemeClr val="dk1"/>
+                </a:solidFill>
+                <a:latin typeface="Arial"/>
+                <a:ea typeface="Arial"/>
+                <a:cs typeface="Arial"/>
+                <a:sym typeface="Arial"/>
+              </a:rPr>
+              <a:t>, 		          nugget = TRUE)</a:t>
+            </a:r>
+            <a:endParaRPr dirty="0"/>
+          </a:p>
+          <a:p>
+            <a:pPr marL="0" marR="0" lvl="0" indent="0" algn="l" rtl="0">
+              <a:spcBef>
+                <a:spcPts val="0"/>
+              </a:spcBef>
+              <a:spcAft>
+                <a:spcPts val="0"/>
+              </a:spcAft>
+              <a:buNone/>
+            </a:pPr>
+            <a:r>
+              <a:rPr lang="en-US" sz="1300" dirty="0">
+                <a:solidFill>
+                  <a:schemeClr val="dk1"/>
+                </a:solidFill>
+                <a:latin typeface="Arial"/>
+                <a:ea typeface="Arial"/>
+                <a:cs typeface="Arial"/>
+                <a:sym typeface="Arial"/>
+              </a:rPr>
+              <a:t>    )</a:t>
+            </a:r>
+            <a:endParaRPr dirty="0"/>
+          </a:p>
+        </p:txBody>
+      </p:sp>
+      <p:sp>
+        <p:nvSpPr>
+          <p:cNvPr id="209" name="Google Shape;209;p8"/>
+          <p:cNvSpPr txBox="1"/>
+          <p:nvPr/>
+        </p:nvSpPr>
+        <p:spPr>
+          <a:xfrm>
+            <a:off x="356795" y="5304862"/>
+            <a:ext cx="5739205" cy="603948"/>
+          </a:xfrm>
+          <a:prstGeom prst="rect">
+            <a:avLst/>
+          </a:prstGeom>
+          <a:blipFill rotWithShape="1">
+            <a:blip r:embed="rId3">
+              <a:alphaModFix/>
+            </a:blip>
+            <a:stretch>
+              <a:fillRect/>
+            </a:stretch>
+          </a:blipFill>
+          <a:ln>
+            <a:noFill/>
+          </a:ln>
+        </p:spPr>
+        <p:txBody>
+          <a:bodyPr spcFirstLastPara="1" wrap="square" lIns="91425" tIns="45700" rIns="91425" bIns="45700" anchor="t" anchorCtr="0">
+            <a:noAutofit/>
+          </a:bodyPr>
+          <a:lstStyle/>
+          <a:p>
+            <a:pPr marL="0" marR="0" lvl="0" indent="0" algn="l" rtl="0">
+              <a:spcBef>
+                <a:spcPts val="0"/>
+              </a:spcBef>
+              <a:spcAft>
+                <a:spcPts val="0"/>
+              </a:spcAft>
+              <a:buNone/>
+            </a:pPr>
+            <a:r>
+              <a:rPr lang="en-US" sz="1800">
+                <a:latin typeface="Calibri"/>
+                <a:ea typeface="Calibri"/>
+                <a:cs typeface="Calibri"/>
+                <a:sym typeface="Calibri"/>
+              </a:rPr>
+              <a:t> </a:t>
+            </a:r>
+            <a:endParaRPr/>
+          </a:p>
+        </p:txBody>
+      </p:sp>
+      <p:grpSp>
+        <p:nvGrpSpPr>
+          <p:cNvPr id="5" name="Group 4">
             <a:extLst>
               <a:ext uri="{FF2B5EF4-FFF2-40B4-BE49-F238E27FC236}">
-                <a16:creationId xmlns:a16="http://schemas.microsoft.com/office/drawing/2014/main" id="{9FBE0AEC-8002-4564-AD2E-57B9D0B67D03}"/>
+                <a16:creationId xmlns:a16="http://schemas.microsoft.com/office/drawing/2014/main" id="{FC118596-C34B-40BF-8F0D-71B07DC4A863}"/>
               </a:ext>
             </a:extLst>
           </p:cNvPr>
-          <p:cNvPicPr>
-            <a:picLocks noChangeAspect="1"/>
-          </p:cNvPicPr>
+          <p:cNvGrpSpPr/>
           <p:nvPr/>
-        </p:nvPicPr>
-        <p:blipFill rotWithShape="1">
-          <a:blip r:embed="rId3"/>
-          <a:srcRect t="11457"/>
-          <a:stretch/>
-        </p:blipFill>
-        <p:spPr>
-          <a:xfrm>
-            <a:off x="1186879" y="1052546"/>
-            <a:ext cx="9404495" cy="5204385"/>
-          </a:xfrm>
-          <a:prstGeom prst="rect">
-            <a:avLst/>
-          </a:prstGeom>
-        </p:spPr>
-      </p:pic>
+        </p:nvGrpSpPr>
+        <p:grpSpPr>
+          <a:xfrm>
+            <a:off x="6903174" y="1156508"/>
+            <a:ext cx="5137774" cy="5137774"/>
+            <a:chOff x="6903174" y="1156508"/>
+            <a:chExt cx="5137774" cy="5137774"/>
+          </a:xfrm>
+        </p:grpSpPr>
+        <p:pic>
+          <p:nvPicPr>
+            <p:cNvPr id="3" name="Picture 2">
+              <a:extLst>
+                <a:ext uri="{FF2B5EF4-FFF2-40B4-BE49-F238E27FC236}">
+                  <a16:creationId xmlns:a16="http://schemas.microsoft.com/office/drawing/2014/main" id="{D02C5FA4-A83C-46D4-8A3A-7EE8E6B3DAB8}"/>
+                </a:ext>
+              </a:extLst>
+            </p:cNvPr>
+            <p:cNvPicPr>
+              <a:picLocks noChangeAspect="1"/>
+            </p:cNvPicPr>
+            <p:nvPr/>
+          </p:nvPicPr>
+          <p:blipFill>
+            <a:blip r:embed="rId4">
+              <a:extLst>
+                <a:ext uri="{BEBA8EAE-BF5A-486C-A8C5-ECC9F3942E4B}">
+                  <a14:imgProps xmlns:a14="http://schemas.microsoft.com/office/drawing/2010/main">
+                    <a14:imgLayer r:embed="rId5">
+                      <a14:imgEffect>
+                        <a14:saturation sat="0"/>
+                      </a14:imgEffect>
+                    </a14:imgLayer>
+                  </a14:imgProps>
+                </a:ext>
+              </a:extLst>
+            </a:blip>
+            <a:stretch>
+              <a:fillRect/>
+            </a:stretch>
+          </p:blipFill>
+          <p:spPr>
+            <a:xfrm>
+              <a:off x="6903174" y="1156508"/>
+              <a:ext cx="5137774" cy="5137774"/>
+            </a:xfrm>
+            <a:prstGeom prst="rect">
+              <a:avLst/>
+            </a:prstGeom>
+          </p:spPr>
+        </p:pic>
+        <p:pic>
+          <p:nvPicPr>
+            <p:cNvPr id="22" name="Picture 21">
+              <a:extLst>
+                <a:ext uri="{FF2B5EF4-FFF2-40B4-BE49-F238E27FC236}">
+                  <a16:creationId xmlns:a16="http://schemas.microsoft.com/office/drawing/2014/main" id="{7BBAFDA8-DEB2-429D-97DE-7BCB676A2D53}"/>
+                </a:ext>
+              </a:extLst>
+            </p:cNvPr>
+            <p:cNvPicPr>
+              <a:picLocks noChangeAspect="1"/>
+            </p:cNvPicPr>
+            <p:nvPr/>
+          </p:nvPicPr>
+          <p:blipFill>
+            <a:blip r:embed="rId6">
+              <a:clrChange>
+                <a:clrFrom>
+                  <a:srgbClr val="FFF8DC"/>
+                </a:clrFrom>
+                <a:clrTo>
+                  <a:srgbClr val="FFF8DC">
+                    <a:alpha val="0"/>
+                  </a:srgbClr>
+                </a:clrTo>
+              </a:clrChange>
+            </a:blip>
+            <a:stretch>
+              <a:fillRect/>
+            </a:stretch>
+          </p:blipFill>
+          <p:spPr>
+            <a:xfrm>
+              <a:off x="6903174" y="1156508"/>
+              <a:ext cx="5137774" cy="5137774"/>
+            </a:xfrm>
+            <a:prstGeom prst="rect">
+              <a:avLst/>
+            </a:prstGeom>
+          </p:spPr>
+        </p:pic>
+        <p:sp>
+          <p:nvSpPr>
+            <p:cNvPr id="4" name="Oval 3">
+              <a:extLst>
+                <a:ext uri="{FF2B5EF4-FFF2-40B4-BE49-F238E27FC236}">
+                  <a16:creationId xmlns:a16="http://schemas.microsoft.com/office/drawing/2014/main" id="{53CD9523-6F4F-41D9-86B1-8395B9D62834}"/>
+                </a:ext>
+              </a:extLst>
+            </p:cNvPr>
+            <p:cNvSpPr/>
+            <p:nvPr/>
+          </p:nvSpPr>
+          <p:spPr>
+            <a:xfrm>
+              <a:off x="9750393" y="2002055"/>
+              <a:ext cx="1424538" cy="1426945"/>
+            </a:xfrm>
+            <a:prstGeom prst="ellipse">
+              <a:avLst/>
+            </a:prstGeom>
+            <a:noFill/>
+            <a:ln>
+              <a:solidFill>
+                <a:schemeClr val="tx1"/>
+              </a:solidFill>
+            </a:ln>
+          </p:spPr>
+          <p:style>
+            <a:lnRef idx="2">
+              <a:schemeClr val="accent1">
+                <a:shade val="50000"/>
+              </a:schemeClr>
+            </a:lnRef>
+            <a:fillRef idx="1">
+              <a:schemeClr val="accent1"/>
+            </a:fillRef>
+            <a:effectRef idx="0">
+              <a:schemeClr val="accent1"/>
+            </a:effectRef>
+            <a:fontRef idx="minor">
+              <a:schemeClr val="lt1"/>
+            </a:fontRef>
+          </p:style>
+          <p:txBody>
+            <a:bodyPr rtlCol="0" anchor="ctr"/>
+            <a:lstStyle/>
+            <a:p>
+              <a:pPr algn="ctr"/>
+              <a:endParaRPr lang="en-US"/>
+            </a:p>
+          </p:txBody>
+        </p:sp>
+        <p:sp>
+          <p:nvSpPr>
+            <p:cNvPr id="24" name="Oval 23">
+              <a:extLst>
+                <a:ext uri="{FF2B5EF4-FFF2-40B4-BE49-F238E27FC236}">
+                  <a16:creationId xmlns:a16="http://schemas.microsoft.com/office/drawing/2014/main" id="{FFB30637-E333-442E-974D-792C1EC53699}"/>
+                </a:ext>
+              </a:extLst>
+            </p:cNvPr>
+            <p:cNvSpPr/>
+            <p:nvPr/>
+          </p:nvSpPr>
+          <p:spPr>
+            <a:xfrm>
+              <a:off x="9280478" y="2937831"/>
+              <a:ext cx="469915" cy="472809"/>
+            </a:xfrm>
+            <a:prstGeom prst="ellipse">
+              <a:avLst/>
+            </a:prstGeom>
+            <a:noFill/>
+            <a:ln>
+              <a:solidFill>
+                <a:schemeClr val="tx1"/>
+              </a:solidFill>
+            </a:ln>
+          </p:spPr>
+          <p:style>
+            <a:lnRef idx="2">
+              <a:schemeClr val="accent1">
+                <a:shade val="50000"/>
+              </a:schemeClr>
+            </a:lnRef>
+            <a:fillRef idx="1">
+              <a:schemeClr val="accent1"/>
+            </a:fillRef>
+            <a:effectRef idx="0">
+              <a:schemeClr val="accent1"/>
+            </a:effectRef>
+            <a:fontRef idx="minor">
+              <a:schemeClr val="lt1"/>
+            </a:fontRef>
+          </p:style>
+          <p:txBody>
+            <a:bodyPr rtlCol="0" anchor="ctr"/>
+            <a:lstStyle/>
+            <a:p>
+              <a:pPr algn="ctr"/>
+              <a:endParaRPr lang="en-US"/>
+            </a:p>
+          </p:txBody>
+        </p:sp>
+      </p:grpSp>
     </p:spTree>
+    <p:extLst>
+      <p:ext uri="{BB962C8B-B14F-4D97-AF65-F5344CB8AC3E}">
+        <p14:creationId xmlns:p14="http://schemas.microsoft.com/office/powerpoint/2010/main" val="1215420385"/>
+      </p:ext>
+    </p:extLst>
   </p:cSld>
   <p:clrMapOvr>
     <a:masterClrMapping/>
